--- a/TaxiSID_v1.pptx.pptx
+++ b/TaxiSID_v1.pptx.pptx
@@ -37,6 +37,7 @@
     <p:sldId id="282" r:id="rId32"/>
     <p:sldId id="283" r:id="rId33"/>
     <p:sldId id="284" r:id="rId34"/>
+    <p:sldId id="285" r:id="rId35"/>
   </p:sldIdLst>
   <p:sldSz cy="6858000" cx="12192000"/>
   <p:notesSz cx="6858000" cy="9144000"/>
@@ -1103,7 +1104,7 @@
   <p:cSld>
     <p:spTree>
       <p:nvGrpSpPr>
-        <p:cNvPr id="185" name="Shape 185"/>
+        <p:cNvPr id="183" name="Shape 183"/>
         <p:cNvGrpSpPr/>
         <p:nvPr/>
       </p:nvGrpSpPr>
@@ -1117,7 +1118,7 @@
       </p:grpSpPr>
       <p:sp>
         <p:nvSpPr>
-          <p:cNvPr id="186" name="Shape 186"/>
+          <p:cNvPr id="184" name="Shape 184"/>
           <p:cNvSpPr txBox="1"/>
           <p:nvPr>
             <p:ph idx="1" type="body"/>
@@ -1153,7 +1154,7 @@
       </p:sp>
       <p:sp>
         <p:nvSpPr>
-          <p:cNvPr id="187" name="Shape 187"/>
+          <p:cNvPr id="185" name="Shape 185"/>
           <p:cNvSpPr/>
           <p:nvPr>
             <p:ph idx="2" type="sldImg"/>
@@ -1208,7 +1209,7 @@
   <p:cSld>
     <p:spTree>
       <p:nvGrpSpPr>
-        <p:cNvPr id="199" name="Shape 199"/>
+        <p:cNvPr id="192" name="Shape 192"/>
         <p:cNvGrpSpPr/>
         <p:nvPr/>
       </p:nvGrpSpPr>
@@ -1222,7 +1223,7 @@
       </p:grpSpPr>
       <p:sp>
         <p:nvSpPr>
-          <p:cNvPr id="200" name="Shape 200"/>
+          <p:cNvPr id="193" name="Shape 193"/>
           <p:cNvSpPr txBox="1"/>
           <p:nvPr>
             <p:ph idx="1" type="body"/>
@@ -1258,7 +1259,7 @@
       </p:sp>
       <p:sp>
         <p:nvSpPr>
-          <p:cNvPr id="201" name="Shape 201"/>
+          <p:cNvPr id="194" name="Shape 194"/>
           <p:cNvSpPr/>
           <p:nvPr>
             <p:ph idx="2" type="sldImg"/>
@@ -1313,7 +1314,7 @@
   <p:cSld>
     <p:spTree>
       <p:nvGrpSpPr>
-        <p:cNvPr id="208" name="Shape 208"/>
+        <p:cNvPr id="206" name="Shape 206"/>
         <p:cNvGrpSpPr/>
         <p:nvPr/>
       </p:nvGrpSpPr>
@@ -1327,7 +1328,7 @@
       </p:grpSpPr>
       <p:sp>
         <p:nvSpPr>
-          <p:cNvPr id="209" name="Shape 209"/>
+          <p:cNvPr id="207" name="Shape 207"/>
           <p:cNvSpPr txBox="1"/>
           <p:nvPr>
             <p:ph idx="1" type="body"/>
@@ -1363,7 +1364,7 @@
       </p:sp>
       <p:sp>
         <p:nvSpPr>
-          <p:cNvPr id="210" name="Shape 210"/>
+          <p:cNvPr id="208" name="Shape 208"/>
           <p:cNvSpPr/>
           <p:nvPr>
             <p:ph idx="2" type="sldImg"/>
@@ -1418,7 +1419,7 @@
   <p:cSld>
     <p:spTree>
       <p:nvGrpSpPr>
-        <p:cNvPr id="232" name="Shape 232"/>
+        <p:cNvPr id="215" name="Shape 215"/>
         <p:cNvGrpSpPr/>
         <p:nvPr/>
       </p:nvGrpSpPr>
@@ -1432,7 +1433,7 @@
       </p:grpSpPr>
       <p:sp>
         <p:nvSpPr>
-          <p:cNvPr id="233" name="Shape 233"/>
+          <p:cNvPr id="216" name="Shape 216"/>
           <p:cNvSpPr txBox="1"/>
           <p:nvPr>
             <p:ph idx="1" type="body"/>
@@ -1468,7 +1469,7 @@
       </p:sp>
       <p:sp>
         <p:nvSpPr>
-          <p:cNvPr id="234" name="Shape 234"/>
+          <p:cNvPr id="217" name="Shape 217"/>
           <p:cNvSpPr/>
           <p:nvPr>
             <p:ph idx="2" type="sldImg"/>
@@ -1523,7 +1524,7 @@
   <p:cSld>
     <p:spTree>
       <p:nvGrpSpPr>
-        <p:cNvPr id="241" name="Shape 241"/>
+        <p:cNvPr id="239" name="Shape 239"/>
         <p:cNvGrpSpPr/>
         <p:nvPr/>
       </p:nvGrpSpPr>
@@ -1537,7 +1538,7 @@
       </p:grpSpPr>
       <p:sp>
         <p:nvSpPr>
-          <p:cNvPr id="242" name="Shape 242"/>
+          <p:cNvPr id="240" name="Shape 240"/>
           <p:cNvSpPr txBox="1"/>
           <p:nvPr>
             <p:ph idx="1" type="body"/>
@@ -1573,7 +1574,7 @@
       </p:sp>
       <p:sp>
         <p:nvSpPr>
-          <p:cNvPr id="243" name="Shape 243"/>
+          <p:cNvPr id="241" name="Shape 241"/>
           <p:cNvSpPr/>
           <p:nvPr>
             <p:ph idx="2" type="sldImg"/>
@@ -1628,7 +1629,7 @@
   <p:cSld>
     <p:spTree>
       <p:nvGrpSpPr>
-        <p:cNvPr id="271" name="Shape 271"/>
+        <p:cNvPr id="248" name="Shape 248"/>
         <p:cNvGrpSpPr/>
         <p:nvPr/>
       </p:nvGrpSpPr>
@@ -1642,7 +1643,7 @@
       </p:grpSpPr>
       <p:sp>
         <p:nvSpPr>
-          <p:cNvPr id="272" name="Shape 272"/>
+          <p:cNvPr id="249" name="Shape 249"/>
           <p:cNvSpPr txBox="1"/>
           <p:nvPr>
             <p:ph idx="1" type="body"/>
@@ -1678,7 +1679,7 @@
       </p:sp>
       <p:sp>
         <p:nvSpPr>
-          <p:cNvPr id="273" name="Shape 273"/>
+          <p:cNvPr id="250" name="Shape 250"/>
           <p:cNvSpPr/>
           <p:nvPr>
             <p:ph idx="2" type="sldImg"/>
@@ -1733,7 +1734,7 @@
   <p:cSld>
     <p:spTree>
       <p:nvGrpSpPr>
-        <p:cNvPr id="280" name="Shape 280"/>
+        <p:cNvPr id="278" name="Shape 278"/>
         <p:cNvGrpSpPr/>
         <p:nvPr/>
       </p:nvGrpSpPr>
@@ -1747,7 +1748,7 @@
       </p:grpSpPr>
       <p:sp>
         <p:nvSpPr>
-          <p:cNvPr id="281" name="Shape 281"/>
+          <p:cNvPr id="279" name="Shape 279"/>
           <p:cNvSpPr txBox="1"/>
           <p:nvPr>
             <p:ph idx="1" type="body"/>
@@ -1783,7 +1784,7 @@
       </p:sp>
       <p:sp>
         <p:nvSpPr>
-          <p:cNvPr id="282" name="Shape 282"/>
+          <p:cNvPr id="280" name="Shape 280"/>
           <p:cNvSpPr/>
           <p:nvPr>
             <p:ph idx="2" type="sldImg"/>
@@ -1838,7 +1839,7 @@
   <p:cSld>
     <p:spTree>
       <p:nvGrpSpPr>
-        <p:cNvPr id="312" name="Shape 312"/>
+        <p:cNvPr id="287" name="Shape 287"/>
         <p:cNvGrpSpPr/>
         <p:nvPr/>
       </p:nvGrpSpPr>
@@ -1852,7 +1853,7 @@
       </p:grpSpPr>
       <p:sp>
         <p:nvSpPr>
-          <p:cNvPr id="313" name="Shape 313"/>
+          <p:cNvPr id="288" name="Shape 288"/>
           <p:cNvSpPr txBox="1"/>
           <p:nvPr>
             <p:ph idx="1" type="body"/>
@@ -1888,7 +1889,7 @@
       </p:sp>
       <p:sp>
         <p:nvSpPr>
-          <p:cNvPr id="314" name="Shape 314"/>
+          <p:cNvPr id="289" name="Shape 289"/>
           <p:cNvSpPr/>
           <p:nvPr>
             <p:ph idx="2" type="sldImg"/>
@@ -1943,7 +1944,7 @@
   <p:cSld>
     <p:spTree>
       <p:nvGrpSpPr>
-        <p:cNvPr id="321" name="Shape 321"/>
+        <p:cNvPr id="319" name="Shape 319"/>
         <p:cNvGrpSpPr/>
         <p:nvPr/>
       </p:nvGrpSpPr>
@@ -1957,7 +1958,7 @@
       </p:grpSpPr>
       <p:sp>
         <p:nvSpPr>
-          <p:cNvPr id="322" name="Shape 322"/>
+          <p:cNvPr id="320" name="Shape 320"/>
           <p:cNvSpPr txBox="1"/>
           <p:nvPr>
             <p:ph idx="1" type="body"/>
@@ -1993,7 +1994,7 @@
       </p:sp>
       <p:sp>
         <p:nvSpPr>
-          <p:cNvPr id="323" name="Shape 323"/>
+          <p:cNvPr id="321" name="Shape 321"/>
           <p:cNvSpPr/>
           <p:nvPr>
             <p:ph idx="2" type="sldImg"/>
@@ -2048,7 +2049,7 @@
   <p:cSld>
     <p:spTree>
       <p:nvGrpSpPr>
-        <p:cNvPr id="357" name="Shape 357"/>
+        <p:cNvPr id="328" name="Shape 328"/>
         <p:cNvGrpSpPr/>
         <p:nvPr/>
       </p:nvGrpSpPr>
@@ -2062,7 +2063,43 @@
       </p:grpSpPr>
       <p:sp>
         <p:nvSpPr>
-          <p:cNvPr id="358" name="Shape 358"/>
+          <p:cNvPr id="329" name="Shape 329"/>
+          <p:cNvSpPr txBox="1"/>
+          <p:nvPr>
+            <p:ph idx="1" type="body"/>
+          </p:nvPr>
+        </p:nvSpPr>
+        <p:spPr>
+          <a:xfrm>
+            <a:off x="685800" y="4343400"/>
+            <a:ext cx="5486399" cy="4114800"/>
+          </a:xfrm>
+          <a:prstGeom prst="rect">
+            <a:avLst/>
+          </a:prstGeom>
+        </p:spPr>
+        <p:txBody>
+          <a:bodyPr anchorCtr="0" anchor="t" bIns="91425" lIns="91425" rIns="91425" tIns="91425">
+            <a:noAutofit/>
+          </a:bodyPr>
+          <a:lstStyle/>
+          <a:p>
+            <a:pPr>
+              <a:spcBef>
+                <a:spcPts val="0"/>
+              </a:spcBef>
+              <a:buNone/>
+            </a:pPr>
+            <a:r>
+              <a:t/>
+            </a:r>
+            <a:endParaRPr/>
+          </a:p>
+        </p:txBody>
+      </p:sp>
+      <p:sp>
+        <p:nvSpPr>
+          <p:cNvPr id="330" name="Shape 330"/>
           <p:cNvSpPr/>
           <p:nvPr>
             <p:ph idx="2" type="sldImg"/>
@@ -2093,7 +2130,7 @@
             </a:pathLst>
           </a:custGeom>
           <a:noFill/>
-          <a:ln cap="flat" cmpd="sng" w="12700">
+          <a:ln cap="flat" cmpd="sng" w="9525">
             <a:solidFill>
               <a:srgbClr val="000000"/>
             </a:solidFill>
@@ -2103,103 +2140,6 @@
             <a:tailEnd len="med" w="med" type="none"/>
           </a:ln>
         </p:spPr>
-      </p:sp>
-      <p:sp>
-        <p:nvSpPr>
-          <p:cNvPr id="359" name="Shape 359"/>
-          <p:cNvSpPr txBox="1"/>
-          <p:nvPr>
-            <p:ph idx="1" type="body"/>
-          </p:nvPr>
-        </p:nvSpPr>
-        <p:spPr>
-          <a:xfrm>
-            <a:off x="685800" y="4343400"/>
-            <a:ext cx="5486399" cy="4114800"/>
-          </a:xfrm>
-          <a:prstGeom prst="rect">
-            <a:avLst/>
-          </a:prstGeom>
-          <a:noFill/>
-          <a:ln>
-            <a:noFill/>
-          </a:ln>
-        </p:spPr>
-        <p:txBody>
-          <a:bodyPr anchorCtr="0" anchor="t" bIns="45700" lIns="91425" rIns="91425" tIns="45700">
-            <a:noAutofit/>
-          </a:bodyPr>
-          <a:lstStyle/>
-          <a:p>
-            <a:pPr indent="0" lvl="0" marL="0" marR="0" rtl="0" algn="l">
-              <a:spcBef>
-                <a:spcPts val="0"/>
-              </a:spcBef>
-              <a:buNone/>
-            </a:pPr>
-            <a:r>
-              <a:t/>
-            </a:r>
-            <a:endParaRPr b="0" baseline="0" i="0" sz="1200" u="none" cap="none" strike="noStrike">
-              <a:solidFill>
-                <a:schemeClr val="dk1"/>
-              </a:solidFill>
-              <a:latin typeface="Calibri"/>
-              <a:ea typeface="Calibri"/>
-              <a:cs typeface="Calibri"/>
-              <a:sym typeface="Calibri"/>
-            </a:endParaRPr>
-          </a:p>
-        </p:txBody>
-      </p:sp>
-      <p:sp>
-        <p:nvSpPr>
-          <p:cNvPr id="360" name="Shape 360"/>
-          <p:cNvSpPr txBox="1"/>
-          <p:nvPr>
-            <p:ph idx="12" type="sldNum"/>
-          </p:nvPr>
-        </p:nvSpPr>
-        <p:spPr>
-          <a:xfrm>
-            <a:off x="3884612" y="8685213"/>
-            <a:ext cx="2971799" cy="457200"/>
-          </a:xfrm>
-          <a:prstGeom prst="rect">
-            <a:avLst/>
-          </a:prstGeom>
-          <a:noFill/>
-          <a:ln>
-            <a:noFill/>
-          </a:ln>
-        </p:spPr>
-        <p:txBody>
-          <a:bodyPr anchorCtr="0" anchor="b" bIns="45700" lIns="91425" rIns="91425" tIns="45700">
-            <a:noAutofit/>
-          </a:bodyPr>
-          <a:lstStyle/>
-          <a:p>
-            <a:pPr indent="0" lvl="0" marL="0" marR="0" rtl="0" algn="r">
-              <a:spcBef>
-                <a:spcPts val="0"/>
-              </a:spcBef>
-              <a:buSzPct val="25000"/>
-              <a:buNone/>
-            </a:pPr>
-            <a:fld id="{00000000-1234-1234-1234-123412341234}" type="slidenum">
-              <a:rPr b="0" baseline="0" i="0" lang="fr-FR" sz="1200" u="none" cap="none" strike="noStrike">
-                <a:solidFill>
-                  <a:schemeClr val="dk1"/>
-                </a:solidFill>
-                <a:latin typeface="Calibri"/>
-                <a:ea typeface="Calibri"/>
-                <a:cs typeface="Calibri"/>
-                <a:sym typeface="Calibri"/>
-              </a:rPr>
-              <a:t>‹#›</a:t>
-            </a:fld>
-          </a:p>
-        </p:txBody>
       </p:sp>
     </p:spTree>
   </p:cSld>
@@ -2355,7 +2295,7 @@
   <p:cSld>
     <p:spTree>
       <p:nvGrpSpPr>
-        <p:cNvPr id="367" name="Shape 367"/>
+        <p:cNvPr id="364" name="Shape 364"/>
         <p:cNvGrpSpPr/>
         <p:nvPr/>
       </p:nvGrpSpPr>
@@ -2369,43 +2309,7 @@
       </p:grpSpPr>
       <p:sp>
         <p:nvSpPr>
-          <p:cNvPr id="368" name="Shape 368"/>
-          <p:cNvSpPr txBox="1"/>
-          <p:nvPr>
-            <p:ph idx="1" type="body"/>
-          </p:nvPr>
-        </p:nvSpPr>
-        <p:spPr>
-          <a:xfrm>
-            <a:off x="685800" y="4343400"/>
-            <a:ext cx="5486399" cy="4114800"/>
-          </a:xfrm>
-          <a:prstGeom prst="rect">
-            <a:avLst/>
-          </a:prstGeom>
-        </p:spPr>
-        <p:txBody>
-          <a:bodyPr anchorCtr="0" anchor="t" bIns="91425" lIns="91425" rIns="91425" tIns="91425">
-            <a:noAutofit/>
-          </a:bodyPr>
-          <a:lstStyle/>
-          <a:p>
-            <a:pPr>
-              <a:spcBef>
-                <a:spcPts val="0"/>
-              </a:spcBef>
-              <a:buNone/>
-            </a:pPr>
-            <a:r>
-              <a:t/>
-            </a:r>
-            <a:endParaRPr/>
-          </a:p>
-        </p:txBody>
-      </p:sp>
-      <p:sp>
-        <p:nvSpPr>
-          <p:cNvPr id="369" name="Shape 369"/>
+          <p:cNvPr id="365" name="Shape 365"/>
           <p:cNvSpPr/>
           <p:nvPr>
             <p:ph idx="2" type="sldImg"/>
@@ -2436,7 +2340,7 @@
             </a:pathLst>
           </a:custGeom>
           <a:noFill/>
-          <a:ln cap="flat" cmpd="sng" w="9525">
+          <a:ln cap="flat" cmpd="sng" w="12700">
             <a:solidFill>
               <a:srgbClr val="000000"/>
             </a:solidFill>
@@ -2446,6 +2350,103 @@
             <a:tailEnd len="med" w="med" type="none"/>
           </a:ln>
         </p:spPr>
+      </p:sp>
+      <p:sp>
+        <p:nvSpPr>
+          <p:cNvPr id="366" name="Shape 366"/>
+          <p:cNvSpPr txBox="1"/>
+          <p:nvPr>
+            <p:ph idx="1" type="body"/>
+          </p:nvPr>
+        </p:nvSpPr>
+        <p:spPr>
+          <a:xfrm>
+            <a:off x="685800" y="4343400"/>
+            <a:ext cx="5486399" cy="4114800"/>
+          </a:xfrm>
+          <a:prstGeom prst="rect">
+            <a:avLst/>
+          </a:prstGeom>
+          <a:noFill/>
+          <a:ln>
+            <a:noFill/>
+          </a:ln>
+        </p:spPr>
+        <p:txBody>
+          <a:bodyPr anchorCtr="0" anchor="t" bIns="45700" lIns="91425" rIns="91425" tIns="45700">
+            <a:noAutofit/>
+          </a:bodyPr>
+          <a:lstStyle/>
+          <a:p>
+            <a:pPr indent="0" lvl="0" marL="0" marR="0" rtl="0" algn="l">
+              <a:spcBef>
+                <a:spcPts val="0"/>
+              </a:spcBef>
+              <a:buNone/>
+            </a:pPr>
+            <a:r>
+              <a:t/>
+            </a:r>
+            <a:endParaRPr b="0" baseline="0" i="0" sz="1200" u="none" cap="none" strike="noStrike">
+              <a:solidFill>
+                <a:schemeClr val="dk1"/>
+              </a:solidFill>
+              <a:latin typeface="Calibri"/>
+              <a:ea typeface="Calibri"/>
+              <a:cs typeface="Calibri"/>
+              <a:sym typeface="Calibri"/>
+            </a:endParaRPr>
+          </a:p>
+        </p:txBody>
+      </p:sp>
+      <p:sp>
+        <p:nvSpPr>
+          <p:cNvPr id="367" name="Shape 367"/>
+          <p:cNvSpPr txBox="1"/>
+          <p:nvPr>
+            <p:ph idx="12" type="sldNum"/>
+          </p:nvPr>
+        </p:nvSpPr>
+        <p:spPr>
+          <a:xfrm>
+            <a:off x="3884612" y="8685213"/>
+            <a:ext cx="2971799" cy="457200"/>
+          </a:xfrm>
+          <a:prstGeom prst="rect">
+            <a:avLst/>
+          </a:prstGeom>
+          <a:noFill/>
+          <a:ln>
+            <a:noFill/>
+          </a:ln>
+        </p:spPr>
+        <p:txBody>
+          <a:bodyPr anchorCtr="0" anchor="b" bIns="45700" lIns="91425" rIns="91425" tIns="45700">
+            <a:noAutofit/>
+          </a:bodyPr>
+          <a:lstStyle/>
+          <a:p>
+            <a:pPr indent="0" lvl="0" marL="0" marR="0" rtl="0" algn="r">
+              <a:spcBef>
+                <a:spcPts val="0"/>
+              </a:spcBef>
+              <a:buSzPct val="25000"/>
+              <a:buNone/>
+            </a:pPr>
+            <a:fld id="{00000000-1234-1234-1234-123412341234}" type="slidenum">
+              <a:rPr b="0" baseline="0" i="0" lang="fr-FR" sz="1200" u="none" cap="none" strike="noStrike">
+                <a:solidFill>
+                  <a:schemeClr val="dk1"/>
+                </a:solidFill>
+                <a:latin typeface="Calibri"/>
+                <a:ea typeface="Calibri"/>
+                <a:cs typeface="Calibri"/>
+                <a:sym typeface="Calibri"/>
+              </a:rPr>
+              <a:t>‹#›</a:t>
+            </a:fld>
+          </a:p>
+        </p:txBody>
       </p:sp>
     </p:spTree>
   </p:cSld>
@@ -2460,7 +2461,7 @@
   <p:cSld>
     <p:spTree>
       <p:nvGrpSpPr>
-        <p:cNvPr id="397" name="Shape 397"/>
+        <p:cNvPr id="374" name="Shape 374"/>
         <p:cNvGrpSpPr/>
         <p:nvPr/>
       </p:nvGrpSpPr>
@@ -2474,7 +2475,7 @@
       </p:grpSpPr>
       <p:sp>
         <p:nvSpPr>
-          <p:cNvPr id="398" name="Shape 398"/>
+          <p:cNvPr id="375" name="Shape 375"/>
           <p:cNvSpPr txBox="1"/>
           <p:nvPr>
             <p:ph idx="1" type="body"/>
@@ -2510,7 +2511,7 @@
       </p:sp>
       <p:sp>
         <p:nvSpPr>
-          <p:cNvPr id="399" name="Shape 399"/>
+          <p:cNvPr id="376" name="Shape 376"/>
           <p:cNvSpPr/>
           <p:nvPr>
             <p:ph idx="2" type="sldImg"/>
@@ -2565,7 +2566,7 @@
   <p:cSld>
     <p:spTree>
       <p:nvGrpSpPr>
-        <p:cNvPr id="406" name="Shape 406"/>
+        <p:cNvPr id="404" name="Shape 404"/>
         <p:cNvGrpSpPr/>
         <p:nvPr/>
       </p:nvGrpSpPr>
@@ -2579,7 +2580,7 @@
       </p:grpSpPr>
       <p:sp>
         <p:nvSpPr>
-          <p:cNvPr id="407" name="Shape 407"/>
+          <p:cNvPr id="405" name="Shape 405"/>
           <p:cNvSpPr txBox="1"/>
           <p:nvPr>
             <p:ph idx="1" type="body"/>
@@ -2615,7 +2616,7 @@
       </p:sp>
       <p:sp>
         <p:nvSpPr>
-          <p:cNvPr id="408" name="Shape 408"/>
+          <p:cNvPr id="406" name="Shape 406"/>
           <p:cNvSpPr/>
           <p:nvPr>
             <p:ph idx="2" type="sldImg"/>
@@ -2670,7 +2671,7 @@
   <p:cSld>
     <p:spTree>
       <p:nvGrpSpPr>
-        <p:cNvPr id="435" name="Shape 435"/>
+        <p:cNvPr id="413" name="Shape 413"/>
         <p:cNvGrpSpPr/>
         <p:nvPr/>
       </p:nvGrpSpPr>
@@ -2684,7 +2685,7 @@
       </p:grpSpPr>
       <p:sp>
         <p:nvSpPr>
-          <p:cNvPr id="436" name="Shape 436"/>
+          <p:cNvPr id="414" name="Shape 414"/>
           <p:cNvSpPr txBox="1"/>
           <p:nvPr>
             <p:ph idx="1" type="body"/>
@@ -2720,7 +2721,7 @@
       </p:sp>
       <p:sp>
         <p:nvSpPr>
-          <p:cNvPr id="437" name="Shape 437"/>
+          <p:cNvPr id="415" name="Shape 415"/>
           <p:cNvSpPr/>
           <p:nvPr>
             <p:ph idx="2" type="sldImg"/>
@@ -2775,7 +2776,7 @@
   <p:cSld>
     <p:spTree>
       <p:nvGrpSpPr>
-        <p:cNvPr id="444" name="Shape 444"/>
+        <p:cNvPr id="442" name="Shape 442"/>
         <p:cNvGrpSpPr/>
         <p:nvPr/>
       </p:nvGrpSpPr>
@@ -2789,7 +2790,7 @@
       </p:grpSpPr>
       <p:sp>
         <p:nvSpPr>
-          <p:cNvPr id="445" name="Shape 445"/>
+          <p:cNvPr id="443" name="Shape 443"/>
           <p:cNvSpPr txBox="1"/>
           <p:nvPr>
             <p:ph idx="1" type="body"/>
@@ -2825,7 +2826,7 @@
       </p:sp>
       <p:sp>
         <p:nvSpPr>
-          <p:cNvPr id="446" name="Shape 446"/>
+          <p:cNvPr id="444" name="Shape 444"/>
           <p:cNvSpPr/>
           <p:nvPr>
             <p:ph idx="2" type="sldImg"/>
@@ -2880,7 +2881,7 @@
   <p:cSld>
     <p:spTree>
       <p:nvGrpSpPr>
-        <p:cNvPr id="463" name="Shape 463"/>
+        <p:cNvPr id="451" name="Shape 451"/>
         <p:cNvGrpSpPr/>
         <p:nvPr/>
       </p:nvGrpSpPr>
@@ -2894,7 +2895,7 @@
       </p:grpSpPr>
       <p:sp>
         <p:nvSpPr>
-          <p:cNvPr id="464" name="Shape 464"/>
+          <p:cNvPr id="452" name="Shape 452"/>
           <p:cNvSpPr txBox="1"/>
           <p:nvPr>
             <p:ph idx="1" type="body"/>
@@ -2930,7 +2931,7 @@
       </p:sp>
       <p:sp>
         <p:nvSpPr>
-          <p:cNvPr id="465" name="Shape 465"/>
+          <p:cNvPr id="453" name="Shape 453"/>
           <p:cNvSpPr/>
           <p:nvPr>
             <p:ph idx="2" type="sldImg"/>
@@ -2985,7 +2986,7 @@
   <p:cSld>
     <p:spTree>
       <p:nvGrpSpPr>
-        <p:cNvPr id="472" name="Shape 472"/>
+        <p:cNvPr id="470" name="Shape 470"/>
         <p:cNvGrpSpPr/>
         <p:nvPr/>
       </p:nvGrpSpPr>
@@ -2999,7 +3000,7 @@
       </p:grpSpPr>
       <p:sp>
         <p:nvSpPr>
-          <p:cNvPr id="473" name="Shape 473"/>
+          <p:cNvPr id="471" name="Shape 471"/>
           <p:cNvSpPr txBox="1"/>
           <p:nvPr>
             <p:ph idx="1" type="body"/>
@@ -3035,7 +3036,7 @@
       </p:sp>
       <p:sp>
         <p:nvSpPr>
-          <p:cNvPr id="474" name="Shape 474"/>
+          <p:cNvPr id="472" name="Shape 472"/>
           <p:cNvSpPr/>
           <p:nvPr>
             <p:ph idx="2" type="sldImg"/>
@@ -3090,7 +3091,7 @@
   <p:cSld>
     <p:spTree>
       <p:nvGrpSpPr>
-        <p:cNvPr id="491" name="Shape 491"/>
+        <p:cNvPr id="479" name="Shape 479"/>
         <p:cNvGrpSpPr/>
         <p:nvPr/>
       </p:nvGrpSpPr>
@@ -3104,7 +3105,7 @@
       </p:grpSpPr>
       <p:sp>
         <p:nvSpPr>
-          <p:cNvPr id="492" name="Shape 492"/>
+          <p:cNvPr id="480" name="Shape 480"/>
           <p:cNvSpPr txBox="1"/>
           <p:nvPr>
             <p:ph idx="1" type="body"/>
@@ -3140,7 +3141,7 @@
       </p:sp>
       <p:sp>
         <p:nvSpPr>
-          <p:cNvPr id="493" name="Shape 493"/>
+          <p:cNvPr id="481" name="Shape 481"/>
           <p:cNvSpPr/>
           <p:nvPr>
             <p:ph idx="2" type="sldImg"/>
@@ -3195,7 +3196,7 @@
   <p:cSld>
     <p:spTree>
       <p:nvGrpSpPr>
-        <p:cNvPr id="500" name="Shape 500"/>
+        <p:cNvPr id="498" name="Shape 498"/>
         <p:cNvGrpSpPr/>
         <p:nvPr/>
       </p:nvGrpSpPr>
@@ -3209,7 +3210,7 @@
       </p:grpSpPr>
       <p:sp>
         <p:nvSpPr>
-          <p:cNvPr id="501" name="Shape 501"/>
+          <p:cNvPr id="499" name="Shape 499"/>
           <p:cNvSpPr txBox="1"/>
           <p:nvPr>
             <p:ph idx="1" type="body"/>
@@ -3245,7 +3246,7 @@
       </p:sp>
       <p:sp>
         <p:nvSpPr>
-          <p:cNvPr id="502" name="Shape 502"/>
+          <p:cNvPr id="500" name="Shape 500"/>
           <p:cNvSpPr/>
           <p:nvPr>
             <p:ph idx="2" type="sldImg"/>
@@ -3541,6 +3542,111 @@
 </p:notes>
 </file>
 
+<file path=ppt/notesSlides/notesSlide30.xml><?xml version="1.0" encoding="utf-8"?>
+<p:notes xmlns:a="http://schemas.openxmlformats.org/drawingml/2006/main" xmlns:r="http://schemas.openxmlformats.org/officeDocument/2006/relationships" xmlns:mc="http://schemas.openxmlformats.org/markup-compatibility/2006" xmlns:mv="urn:schemas-microsoft-com:mac:vml" xmlns:p="http://schemas.openxmlformats.org/presentationml/2006/main" xmlns:c="http://schemas.openxmlformats.org/drawingml/2006/chart" xmlns:dgm="http://schemas.openxmlformats.org/drawingml/2006/diagram" xmlns:o="urn:schemas-microsoft-com:office:office" xmlns:v="urn:schemas-microsoft-com:vml" xmlns:pvml="urn:schemas-microsoft-com:office:powerpoint" xmlns:com="http://schemas.openxmlformats.org/drawingml/2006/compatibility" xmlns:p14="http://schemas.microsoft.com/office/powerpoint/2010/main" showMasterPhAnim="0" showMasterSp="0">
+  <p:cSld>
+    <p:spTree>
+      <p:nvGrpSpPr>
+        <p:cNvPr id="514" name="Shape 514"/>
+        <p:cNvGrpSpPr/>
+        <p:nvPr/>
+      </p:nvGrpSpPr>
+      <p:grpSpPr>
+        <a:xfrm>
+          <a:off x="0" y="0"/>
+          <a:ext cx="0" cy="0"/>
+          <a:chOff x="0" y="0"/>
+          <a:chExt cx="0" cy="0"/>
+        </a:xfrm>
+      </p:grpSpPr>
+      <p:sp>
+        <p:nvSpPr>
+          <p:cNvPr id="515" name="Shape 515"/>
+          <p:cNvSpPr txBox="1"/>
+          <p:nvPr>
+            <p:ph idx="1" type="body"/>
+          </p:nvPr>
+        </p:nvSpPr>
+        <p:spPr>
+          <a:xfrm>
+            <a:off x="685800" y="4343400"/>
+            <a:ext cx="5486399" cy="4114800"/>
+          </a:xfrm>
+          <a:prstGeom prst="rect">
+            <a:avLst/>
+          </a:prstGeom>
+        </p:spPr>
+        <p:txBody>
+          <a:bodyPr anchorCtr="0" anchor="t" bIns="91425" lIns="91425" rIns="91425" tIns="91425">
+            <a:noAutofit/>
+          </a:bodyPr>
+          <a:lstStyle/>
+          <a:p>
+            <a:pPr>
+              <a:spcBef>
+                <a:spcPts val="0"/>
+              </a:spcBef>
+              <a:buNone/>
+            </a:pPr>
+            <a:r>
+              <a:t/>
+            </a:r>
+            <a:endParaRPr/>
+          </a:p>
+        </p:txBody>
+      </p:sp>
+      <p:sp>
+        <p:nvSpPr>
+          <p:cNvPr id="516" name="Shape 516"/>
+          <p:cNvSpPr/>
+          <p:nvPr>
+            <p:ph idx="2" type="sldImg"/>
+          </p:nvPr>
+        </p:nvSpPr>
+        <p:spPr>
+          <a:xfrm>
+            <a:off x="381000" y="685800"/>
+            <a:ext cx="6096000" cy="3429000"/>
+          </a:xfrm>
+          <a:custGeom>
+            <a:pathLst>
+              <a:path extrusionOk="0" h="120000" w="120000">
+                <a:moveTo>
+                  <a:pt x="0" y="0"/>
+                </a:moveTo>
+                <a:lnTo>
+                  <a:pt x="120000" y="0"/>
+                </a:lnTo>
+                <a:lnTo>
+                  <a:pt x="120000" y="120000"/>
+                </a:lnTo>
+                <a:lnTo>
+                  <a:pt x="0" y="120000"/>
+                </a:lnTo>
+                <a:close/>
+              </a:path>
+            </a:pathLst>
+          </a:custGeom>
+          <a:noFill/>
+          <a:ln cap="flat" cmpd="sng" w="9525">
+            <a:solidFill>
+              <a:srgbClr val="000000"/>
+            </a:solidFill>
+            <a:prstDash val="solid"/>
+            <a:round/>
+            <a:headEnd len="med" w="med" type="none"/>
+            <a:tailEnd len="med" w="med" type="none"/>
+          </a:ln>
+        </p:spPr>
+      </p:sp>
+    </p:spTree>
+  </p:cSld>
+  <p:clrMapOvr>
+    <a:masterClrMapping/>
+  </p:clrMapOvr>
+</p:notes>
+</file>
+
 <file path=ppt/notesSlides/notesSlide4.xml><?xml version="1.0" encoding="utf-8"?>
 <p:notes xmlns:a="http://schemas.openxmlformats.org/drawingml/2006/main" xmlns:r="http://schemas.openxmlformats.org/officeDocument/2006/relationships" xmlns:mc="http://schemas.openxmlformats.org/markup-compatibility/2006" xmlns:mv="urn:schemas-microsoft-com:mac:vml" xmlns:p="http://schemas.openxmlformats.org/presentationml/2006/main" xmlns:c="http://schemas.openxmlformats.org/drawingml/2006/chart" xmlns:dgm="http://schemas.openxmlformats.org/drawingml/2006/diagram" xmlns:o="urn:schemas-microsoft-com:office:office" xmlns:v="urn:schemas-microsoft-com:vml" xmlns:pvml="urn:schemas-microsoft-com:office:powerpoint" xmlns:com="http://schemas.openxmlformats.org/drawingml/2006/compatibility" xmlns:p14="http://schemas.microsoft.com/office/powerpoint/2010/main" showMasterPhAnim="0" showMasterSp="0">
   <p:cSld>
@@ -3933,7 +4039,7 @@
   <p:cSld>
     <p:spTree>
       <p:nvGrpSpPr>
-        <p:cNvPr id="146" name="Shape 146"/>
+        <p:cNvPr id="145" name="Shape 145"/>
         <p:cNvGrpSpPr/>
         <p:nvPr/>
       </p:nvGrpSpPr>
@@ -3945,6 +4051,50 @@
           <a:chExt cx="0" cy="0"/>
         </a:xfrm>
       </p:grpSpPr>
+      <p:sp>
+        <p:nvSpPr>
+          <p:cNvPr id="146" name="Shape 146"/>
+          <p:cNvSpPr/>
+          <p:nvPr>
+            <p:ph idx="2" type="sldImg"/>
+          </p:nvPr>
+        </p:nvSpPr>
+        <p:spPr>
+          <a:xfrm>
+            <a:off x="381000" y="685800"/>
+            <a:ext cx="6096000" cy="3429000"/>
+          </a:xfrm>
+          <a:custGeom>
+            <a:pathLst>
+              <a:path extrusionOk="0" h="120000" w="120000">
+                <a:moveTo>
+                  <a:pt x="0" y="0"/>
+                </a:moveTo>
+                <a:lnTo>
+                  <a:pt x="120000" y="0"/>
+                </a:lnTo>
+                <a:lnTo>
+                  <a:pt x="120000" y="120000"/>
+                </a:lnTo>
+                <a:lnTo>
+                  <a:pt x="0" y="120000"/>
+                </a:lnTo>
+                <a:close/>
+              </a:path>
+            </a:pathLst>
+          </a:custGeom>
+          <a:noFill/>
+          <a:ln cap="flat" cmpd="sng" w="9525">
+            <a:solidFill>
+              <a:srgbClr val="000000"/>
+            </a:solidFill>
+            <a:prstDash val="solid"/>
+            <a:round/>
+            <a:headEnd len="med" w="med" type="none"/>
+            <a:tailEnd len="med" w="med" type="none"/>
+          </a:ln>
+        </p:spPr>
+      </p:sp>
       <p:sp>
         <p:nvSpPr>
           <p:cNvPr id="147" name="Shape 147"/>
@@ -3984,6 +4134,108 @@
       <p:sp>
         <p:nvSpPr>
           <p:cNvPr id="148" name="Shape 148"/>
+          <p:cNvSpPr txBox="1"/>
+          <p:nvPr>
+            <p:ph idx="12" type="sldNum"/>
+          </p:nvPr>
+        </p:nvSpPr>
+        <p:spPr>
+          <a:xfrm>
+            <a:off x="3884612" y="8685213"/>
+            <a:ext cx="2971799" cy="457200"/>
+          </a:xfrm>
+          <a:prstGeom prst="rect">
+            <a:avLst/>
+          </a:prstGeom>
+        </p:spPr>
+        <p:txBody>
+          <a:bodyPr anchorCtr="0" anchor="b" bIns="45700" lIns="91425" rIns="91425" tIns="45700">
+            <a:noAutofit/>
+          </a:bodyPr>
+          <a:lstStyle/>
+          <a:p>
+            <a:pPr lvl="0">
+              <a:spcBef>
+                <a:spcPts val="0"/>
+              </a:spcBef>
+              <a:buClr>
+                <a:srgbClr val="000000"/>
+              </a:buClr>
+              <a:buSzPct val="25000"/>
+              <a:buFont typeface="Arial"/>
+              <a:buNone/>
+            </a:pPr>
+            <a:fld id="{00000000-1234-1234-1234-123412341234}" type="slidenum">
+              <a:rPr lang="fr-FR"/>
+              <a:t>‹#›</a:t>
+            </a:fld>
+          </a:p>
+        </p:txBody>
+      </p:sp>
+    </p:spTree>
+  </p:cSld>
+  <p:clrMapOvr>
+    <a:masterClrMapping/>
+  </p:clrMapOvr>
+</p:notes>
+</file>
+
+<file path=ppt/notesSlides/notesSlide8.xml><?xml version="1.0" encoding="utf-8"?>
+<p:notes xmlns:a="http://schemas.openxmlformats.org/drawingml/2006/main" xmlns:r="http://schemas.openxmlformats.org/officeDocument/2006/relationships" xmlns:mc="http://schemas.openxmlformats.org/markup-compatibility/2006" xmlns:mv="urn:schemas-microsoft-com:mac:vml" xmlns:p="http://schemas.openxmlformats.org/presentationml/2006/main" xmlns:c="http://schemas.openxmlformats.org/drawingml/2006/chart" xmlns:dgm="http://schemas.openxmlformats.org/drawingml/2006/diagram" xmlns:o="urn:schemas-microsoft-com:office:office" xmlns:v="urn:schemas-microsoft-com:vml" xmlns:pvml="urn:schemas-microsoft-com:office:powerpoint" xmlns:com="http://schemas.openxmlformats.org/drawingml/2006/compatibility" xmlns:p14="http://schemas.microsoft.com/office/powerpoint/2010/main" showMasterPhAnim="0" showMasterSp="0">
+  <p:cSld>
+    <p:spTree>
+      <p:nvGrpSpPr>
+        <p:cNvPr id="153" name="Shape 153"/>
+        <p:cNvGrpSpPr/>
+        <p:nvPr/>
+      </p:nvGrpSpPr>
+      <p:grpSpPr>
+        <a:xfrm>
+          <a:off x="0" y="0"/>
+          <a:ext cx="0" cy="0"/>
+          <a:chOff x="0" y="0"/>
+          <a:chExt cx="0" cy="0"/>
+        </a:xfrm>
+      </p:grpSpPr>
+      <p:sp>
+        <p:nvSpPr>
+          <p:cNvPr id="154" name="Shape 154"/>
+          <p:cNvSpPr txBox="1"/>
+          <p:nvPr>
+            <p:ph idx="1" type="body"/>
+          </p:nvPr>
+        </p:nvSpPr>
+        <p:spPr>
+          <a:xfrm>
+            <a:off x="685800" y="4343400"/>
+            <a:ext cx="5486399" cy="4114800"/>
+          </a:xfrm>
+          <a:prstGeom prst="rect">
+            <a:avLst/>
+          </a:prstGeom>
+        </p:spPr>
+        <p:txBody>
+          <a:bodyPr anchorCtr="0" anchor="t" bIns="91425" lIns="91425" rIns="91425" tIns="91425">
+            <a:noAutofit/>
+          </a:bodyPr>
+          <a:lstStyle/>
+          <a:p>
+            <a:pPr>
+              <a:spcBef>
+                <a:spcPts val="0"/>
+              </a:spcBef>
+              <a:buNone/>
+            </a:pPr>
+            <a:r>
+              <a:t/>
+            </a:r>
+            <a:endParaRPr/>
+          </a:p>
+        </p:txBody>
+      </p:sp>
+      <p:sp>
+        <p:nvSpPr>
+          <p:cNvPr id="155" name="Shape 155"/>
           <p:cNvSpPr/>
           <p:nvPr>
             <p:ph idx="2" type="sldImg"/>
@@ -4033,12 +4285,12 @@
 </p:notes>
 </file>
 
-<file path=ppt/notesSlides/notesSlide8.xml><?xml version="1.0" encoding="utf-8"?>
+<file path=ppt/notesSlides/notesSlide9.xml><?xml version="1.0" encoding="utf-8"?>
 <p:notes xmlns:a="http://schemas.openxmlformats.org/drawingml/2006/main" xmlns:r="http://schemas.openxmlformats.org/officeDocument/2006/relationships" xmlns:mc="http://schemas.openxmlformats.org/markup-compatibility/2006" xmlns:mv="urn:schemas-microsoft-com:mac:vml" xmlns:p="http://schemas.openxmlformats.org/presentationml/2006/main" xmlns:c="http://schemas.openxmlformats.org/drawingml/2006/chart" xmlns:dgm="http://schemas.openxmlformats.org/drawingml/2006/diagram" xmlns:o="urn:schemas-microsoft-com:office:office" xmlns:v="urn:schemas-microsoft-com:vml" xmlns:pvml="urn:schemas-microsoft-com:office:powerpoint" xmlns:com="http://schemas.openxmlformats.org/drawingml/2006/compatibility" xmlns:p14="http://schemas.microsoft.com/office/powerpoint/2010/main" showMasterPhAnim="0" showMasterSp="0">
   <p:cSld>
     <p:spTree>
       <p:nvGrpSpPr>
-        <p:cNvPr id="151" name="Shape 151"/>
+        <p:cNvPr id="158" name="Shape 158"/>
         <p:cNvGrpSpPr/>
         <p:nvPr/>
       </p:nvGrpSpPr>
@@ -4052,7 +4304,7 @@
       </p:grpSpPr>
       <p:sp>
         <p:nvSpPr>
-          <p:cNvPr id="152" name="Shape 152"/>
+          <p:cNvPr id="159" name="Shape 159"/>
           <p:cNvSpPr/>
           <p:nvPr>
             <p:ph idx="2" type="sldImg"/>
@@ -4096,7 +4348,7 @@
       </p:sp>
       <p:sp>
         <p:nvSpPr>
-          <p:cNvPr id="153" name="Shape 153"/>
+          <p:cNvPr id="160" name="Shape 160"/>
           <p:cNvSpPr txBox="1"/>
           <p:nvPr>
             <p:ph idx="1" type="body"/>
@@ -4132,7 +4384,7 @@
       </p:sp>
       <p:sp>
         <p:nvSpPr>
-          <p:cNvPr id="154" name="Shape 154"/>
+          <p:cNvPr id="161" name="Shape 161"/>
           <p:cNvSpPr txBox="1"/>
           <p:nvPr>
             <p:ph idx="12" type="sldNum"/>
@@ -4165,111 +4417,6 @@
             </a:fld>
           </a:p>
         </p:txBody>
-      </p:sp>
-    </p:spTree>
-  </p:cSld>
-  <p:clrMapOvr>
-    <a:masterClrMapping/>
-  </p:clrMapOvr>
-</p:notes>
-</file>
-
-<file path=ppt/notesSlides/notesSlide9.xml><?xml version="1.0" encoding="utf-8"?>
-<p:notes xmlns:a="http://schemas.openxmlformats.org/drawingml/2006/main" xmlns:r="http://schemas.openxmlformats.org/officeDocument/2006/relationships" xmlns:mc="http://schemas.openxmlformats.org/markup-compatibility/2006" xmlns:mv="urn:schemas-microsoft-com:mac:vml" xmlns:p="http://schemas.openxmlformats.org/presentationml/2006/main" xmlns:c="http://schemas.openxmlformats.org/drawingml/2006/chart" xmlns:dgm="http://schemas.openxmlformats.org/drawingml/2006/diagram" xmlns:o="urn:schemas-microsoft-com:office:office" xmlns:v="urn:schemas-microsoft-com:vml" xmlns:pvml="urn:schemas-microsoft-com:office:powerpoint" xmlns:com="http://schemas.openxmlformats.org/drawingml/2006/compatibility" xmlns:p14="http://schemas.microsoft.com/office/powerpoint/2010/main" showMasterPhAnim="0" showMasterSp="0">
-  <p:cSld>
-    <p:spTree>
-      <p:nvGrpSpPr>
-        <p:cNvPr id="176" name="Shape 176"/>
-        <p:cNvGrpSpPr/>
-        <p:nvPr/>
-      </p:nvGrpSpPr>
-      <p:grpSpPr>
-        <a:xfrm>
-          <a:off x="0" y="0"/>
-          <a:ext cx="0" cy="0"/>
-          <a:chOff x="0" y="0"/>
-          <a:chExt cx="0" cy="0"/>
-        </a:xfrm>
-      </p:grpSpPr>
-      <p:sp>
-        <p:nvSpPr>
-          <p:cNvPr id="177" name="Shape 177"/>
-          <p:cNvSpPr txBox="1"/>
-          <p:nvPr>
-            <p:ph idx="1" type="body"/>
-          </p:nvPr>
-        </p:nvSpPr>
-        <p:spPr>
-          <a:xfrm>
-            <a:off x="685800" y="4343400"/>
-            <a:ext cx="5486399" cy="4114800"/>
-          </a:xfrm>
-          <a:prstGeom prst="rect">
-            <a:avLst/>
-          </a:prstGeom>
-        </p:spPr>
-        <p:txBody>
-          <a:bodyPr anchorCtr="0" anchor="t" bIns="91425" lIns="91425" rIns="91425" tIns="91425">
-            <a:noAutofit/>
-          </a:bodyPr>
-          <a:lstStyle/>
-          <a:p>
-            <a:pPr>
-              <a:spcBef>
-                <a:spcPts val="0"/>
-              </a:spcBef>
-              <a:buNone/>
-            </a:pPr>
-            <a:r>
-              <a:t/>
-            </a:r>
-            <a:endParaRPr/>
-          </a:p>
-        </p:txBody>
-      </p:sp>
-      <p:sp>
-        <p:nvSpPr>
-          <p:cNvPr id="178" name="Shape 178"/>
-          <p:cNvSpPr/>
-          <p:nvPr>
-            <p:ph idx="2" type="sldImg"/>
-          </p:nvPr>
-        </p:nvSpPr>
-        <p:spPr>
-          <a:xfrm>
-            <a:off x="381000" y="685800"/>
-            <a:ext cx="6096000" cy="3429000"/>
-          </a:xfrm>
-          <a:custGeom>
-            <a:pathLst>
-              <a:path extrusionOk="0" h="120000" w="120000">
-                <a:moveTo>
-                  <a:pt x="0" y="0"/>
-                </a:moveTo>
-                <a:lnTo>
-                  <a:pt x="120000" y="0"/>
-                </a:lnTo>
-                <a:lnTo>
-                  <a:pt x="120000" y="120000"/>
-                </a:lnTo>
-                <a:lnTo>
-                  <a:pt x="0" y="120000"/>
-                </a:lnTo>
-                <a:close/>
-              </a:path>
-            </a:pathLst>
-          </a:custGeom>
-          <a:noFill/>
-          <a:ln cap="flat" cmpd="sng" w="9525">
-            <a:solidFill>
-              <a:srgbClr val="000000"/>
-            </a:solidFill>
-            <a:prstDash val="solid"/>
-            <a:round/>
-            <a:headEnd len="med" w="med" type="none"/>
-            <a:tailEnd len="med" w="med" type="none"/>
-          </a:ln>
-        </p:spPr>
       </p:sp>
     </p:spTree>
   </p:cSld>
@@ -14635,7 +14782,7 @@
   <p:cSld>
     <p:spTree>
       <p:nvGrpSpPr>
-        <p:cNvPr id="179" name="Shape 179"/>
+        <p:cNvPr id="162" name="Shape 162"/>
         <p:cNvGrpSpPr/>
         <p:nvPr/>
       </p:nvGrpSpPr>
@@ -14649,7 +14796,779 @@
       </p:grpSpPr>
       <p:sp>
         <p:nvSpPr>
-          <p:cNvPr id="180" name="Shape 180"/>
+          <p:cNvPr id="163" name="Shape 163"/>
+          <p:cNvSpPr txBox="1"/>
+          <p:nvPr>
+            <p:ph type="title"/>
+          </p:nvPr>
+        </p:nvSpPr>
+        <p:spPr>
+          <a:xfrm>
+            <a:off x="899825" y="286600"/>
+            <a:ext cx="10757399" cy="1450799"/>
+          </a:xfrm>
+          <a:prstGeom prst="rect">
+            <a:avLst/>
+          </a:prstGeom>
+          <a:noFill/>
+          <a:ln>
+            <a:noFill/>
+          </a:ln>
+        </p:spPr>
+        <p:txBody>
+          <a:bodyPr anchorCtr="0" anchor="b" bIns="45700" lIns="91425" rIns="91425" tIns="45700">
+            <a:noAutofit/>
+          </a:bodyPr>
+          <a:lstStyle/>
+          <a:p>
+            <a:pPr indent="0" lvl="0" marL="0" marR="0" rtl="0" algn="l">
+              <a:lnSpc>
+                <a:spcPct val="85000"/>
+              </a:lnSpc>
+              <a:spcBef>
+                <a:spcPts val="0"/>
+              </a:spcBef>
+              <a:buClr>
+                <a:srgbClr val="7153A0"/>
+              </a:buClr>
+              <a:buSzPct val="25000"/>
+              <a:buFont typeface="Calibri"/>
+              <a:buNone/>
+            </a:pPr>
+            <a:r>
+              <a:rPr b="0" baseline="0" i="0" lang="fr-FR" sz="4800" u="none" cap="none" strike="noStrike">
+                <a:solidFill>
+                  <a:srgbClr val="7153A0"/>
+                </a:solidFill>
+                <a:latin typeface="Calibri"/>
+                <a:ea typeface="Calibri"/>
+                <a:cs typeface="Calibri"/>
+                <a:sym typeface="Calibri"/>
+              </a:rPr>
+              <a:t>Groupe 1 – Intégration – </a:t>
+            </a:r>
+            <a:r>
+              <a:rPr b="0" baseline="0" i="1" lang="fr-FR" sz="4800" u="none" cap="none" strike="noStrike">
+                <a:solidFill>
+                  <a:srgbClr val="7153A0"/>
+                </a:solidFill>
+                <a:latin typeface="Calibri"/>
+                <a:ea typeface="Calibri"/>
+                <a:cs typeface="Calibri"/>
+                <a:sym typeface="Calibri"/>
+              </a:rPr>
+              <a:t>Cassie Chausse</a:t>
+            </a:r>
+          </a:p>
+        </p:txBody>
+      </p:sp>
+      <p:grpSp>
+        <p:nvGrpSpPr>
+          <p:cNvPr id="164" name="Shape 164"/>
+          <p:cNvGrpSpPr/>
+          <p:nvPr/>
+        </p:nvGrpSpPr>
+        <p:grpSpPr>
+          <a:xfrm>
+            <a:off x="1267608" y="1941081"/>
+            <a:ext cx="9469331" cy="3885148"/>
+            <a:chOff x="1267608" y="1941081"/>
+            <a:chExt cx="9469331" cy="3885148"/>
+          </a:xfrm>
+        </p:grpSpPr>
+        <p:sp>
+          <p:nvSpPr>
+            <p:cNvPr id="165" name="Shape 165"/>
+            <p:cNvSpPr/>
+            <p:nvPr/>
+          </p:nvSpPr>
+          <p:spPr>
+            <a:xfrm>
+              <a:off x="7314239" y="4783982"/>
+              <a:ext cx="1405719" cy="1030047"/>
+            </a:xfrm>
+            <a:prstGeom prst="rect">
+              <a:avLst/>
+            </a:prstGeom>
+            <a:solidFill>
+              <a:schemeClr val="accent5"/>
+            </a:solidFill>
+            <a:ln cap="flat" cmpd="sng" w="28575">
+              <a:solidFill>
+                <a:srgbClr val="7153A0"/>
+              </a:solidFill>
+              <a:prstDash val="solid"/>
+              <a:round/>
+              <a:headEnd len="med" w="med" type="none"/>
+              <a:tailEnd len="med" w="med" type="none"/>
+            </a:ln>
+          </p:spPr>
+          <p:txBody>
+            <a:bodyPr anchorCtr="0" anchor="ctr" bIns="45700" lIns="91425" rIns="91425" tIns="45700">
+              <a:noAutofit/>
+            </a:bodyPr>
+            <a:lstStyle/>
+            <a:p>
+              <a:pPr indent="0" lvl="0" marL="0" marR="0" rtl="0" algn="ctr">
+                <a:spcBef>
+                  <a:spcPts val="0"/>
+                </a:spcBef>
+                <a:buSzPct val="25000"/>
+                <a:buNone/>
+              </a:pPr>
+              <a:r>
+                <a:rPr b="0" baseline="0" i="0" lang="fr-FR" sz="2000" u="none" cap="none" strike="noStrike">
+                  <a:solidFill>
+                    <a:schemeClr val="lt1"/>
+                  </a:solidFill>
+                  <a:latin typeface="Calibri"/>
+                  <a:ea typeface="Calibri"/>
+                  <a:cs typeface="Calibri"/>
+                  <a:sym typeface="Calibri"/>
+                </a:rPr>
+                <a:t>Florence Canal</a:t>
+              </a:r>
+            </a:p>
+          </p:txBody>
+        </p:sp>
+        <p:grpSp>
+          <p:nvGrpSpPr>
+            <p:cNvPr id="166" name="Shape 166"/>
+            <p:cNvGrpSpPr/>
+            <p:nvPr/>
+          </p:nvGrpSpPr>
+          <p:grpSpPr>
+            <a:xfrm>
+              <a:off x="1267608" y="1941081"/>
+              <a:ext cx="9469331" cy="3885148"/>
+              <a:chOff x="1267608" y="1941081"/>
+              <a:chExt cx="9469331" cy="3885148"/>
+            </a:xfrm>
+          </p:grpSpPr>
+          <p:grpSp>
+            <p:nvGrpSpPr>
+              <p:cNvPr id="167" name="Shape 167"/>
+              <p:cNvGrpSpPr/>
+              <p:nvPr/>
+            </p:nvGrpSpPr>
+            <p:grpSpPr>
+              <a:xfrm>
+                <a:off x="1267608" y="1941081"/>
+                <a:ext cx="8769328" cy="3872951"/>
+                <a:chOff x="1267608" y="1941081"/>
+                <a:chExt cx="8769328" cy="3872951"/>
+              </a:xfrm>
+            </p:grpSpPr>
+            <p:grpSp>
+              <p:nvGrpSpPr>
+                <p:cNvPr id="168" name="Shape 168"/>
+                <p:cNvGrpSpPr/>
+                <p:nvPr/>
+              </p:nvGrpSpPr>
+              <p:grpSpPr>
+                <a:xfrm>
+                  <a:off x="1970468" y="2397621"/>
+                  <a:ext cx="8066468" cy="2386364"/>
+                  <a:chOff x="1970468" y="2191557"/>
+                  <a:chExt cx="8066468" cy="2386364"/>
+                </a:xfrm>
+              </p:grpSpPr>
+              <p:cxnSp>
+                <p:nvCxnSpPr>
+                  <p:cNvPr id="169" name="Shape 169"/>
+                  <p:cNvCxnSpPr/>
+                  <p:nvPr/>
+                </p:nvCxnSpPr>
+                <p:spPr>
+                  <a:xfrm>
+                    <a:off x="1970468" y="4026282"/>
+                    <a:ext cx="8066468" cy="0"/>
+                  </a:xfrm>
+                  <a:prstGeom prst="straightConnector1">
+                    <a:avLst/>
+                  </a:prstGeom>
+                  <a:noFill/>
+                  <a:ln cap="flat" cmpd="sng" w="28575">
+                    <a:solidFill>
+                      <a:srgbClr val="7153A0"/>
+                    </a:solidFill>
+                    <a:prstDash val="solid"/>
+                    <a:round/>
+                    <a:headEnd len="med" w="med" type="none"/>
+                    <a:tailEnd len="med" w="med" type="none"/>
+                  </a:ln>
+                </p:spPr>
+              </p:cxnSp>
+              <p:cxnSp>
+                <p:nvCxnSpPr>
+                  <p:cNvPr id="170" name="Shape 170"/>
+                  <p:cNvCxnSpPr/>
+                  <p:nvPr/>
+                </p:nvCxnSpPr>
+                <p:spPr>
+                  <a:xfrm>
+                    <a:off x="1970468" y="4026278"/>
+                    <a:ext cx="0" cy="551642"/>
+                  </a:xfrm>
+                  <a:prstGeom prst="straightConnector1">
+                    <a:avLst/>
+                  </a:prstGeom>
+                  <a:noFill/>
+                  <a:ln cap="flat" cmpd="sng" w="28575">
+                    <a:solidFill>
+                      <a:srgbClr val="7153A0"/>
+                    </a:solidFill>
+                    <a:prstDash val="solid"/>
+                    <a:round/>
+                    <a:headEnd len="med" w="med" type="none"/>
+                    <a:tailEnd len="med" w="med" type="none"/>
+                  </a:ln>
+                </p:spPr>
+              </p:cxnSp>
+              <p:cxnSp>
+                <p:nvCxnSpPr>
+                  <p:cNvPr id="171" name="Shape 171"/>
+                  <p:cNvCxnSpPr/>
+                  <p:nvPr/>
+                </p:nvCxnSpPr>
+                <p:spPr>
+                  <a:xfrm>
+                    <a:off x="3964548" y="4026278"/>
+                    <a:ext cx="0" cy="551642"/>
+                  </a:xfrm>
+                  <a:prstGeom prst="straightConnector1">
+                    <a:avLst/>
+                  </a:prstGeom>
+                  <a:noFill/>
+                  <a:ln cap="flat" cmpd="sng" w="28575">
+                    <a:solidFill>
+                      <a:srgbClr val="7153A0"/>
+                    </a:solidFill>
+                    <a:prstDash val="solid"/>
+                    <a:round/>
+                    <a:headEnd len="med" w="med" type="none"/>
+                    <a:tailEnd len="med" w="med" type="none"/>
+                  </a:ln>
+                </p:spPr>
+              </p:cxnSp>
+              <p:cxnSp>
+                <p:nvCxnSpPr>
+                  <p:cNvPr id="172" name="Shape 172"/>
+                  <p:cNvCxnSpPr/>
+                  <p:nvPr/>
+                </p:nvCxnSpPr>
+                <p:spPr>
+                  <a:xfrm>
+                    <a:off x="6010142" y="4026278"/>
+                    <a:ext cx="0" cy="551642"/>
+                  </a:xfrm>
+                  <a:prstGeom prst="straightConnector1">
+                    <a:avLst/>
+                  </a:prstGeom>
+                  <a:noFill/>
+                  <a:ln cap="flat" cmpd="sng" w="28575">
+                    <a:solidFill>
+                      <a:srgbClr val="7153A0"/>
+                    </a:solidFill>
+                    <a:prstDash val="solid"/>
+                    <a:round/>
+                    <a:headEnd len="med" w="med" type="none"/>
+                    <a:tailEnd len="med" w="med" type="none"/>
+                  </a:ln>
+                </p:spPr>
+              </p:cxnSp>
+              <p:cxnSp>
+                <p:nvCxnSpPr>
+                  <p:cNvPr id="173" name="Shape 173"/>
+                  <p:cNvCxnSpPr/>
+                  <p:nvPr/>
+                </p:nvCxnSpPr>
+                <p:spPr>
+                  <a:xfrm>
+                    <a:off x="8029978" y="4026278"/>
+                    <a:ext cx="0" cy="551642"/>
+                  </a:xfrm>
+                  <a:prstGeom prst="straightConnector1">
+                    <a:avLst/>
+                  </a:prstGeom>
+                  <a:noFill/>
+                  <a:ln cap="flat" cmpd="sng" w="28575">
+                    <a:solidFill>
+                      <a:srgbClr val="7153A0"/>
+                    </a:solidFill>
+                    <a:prstDash val="solid"/>
+                    <a:round/>
+                    <a:headEnd len="med" w="med" type="none"/>
+                    <a:tailEnd len="med" w="med" type="none"/>
+                  </a:ln>
+                </p:spPr>
+              </p:cxnSp>
+              <p:cxnSp>
+                <p:nvCxnSpPr>
+                  <p:cNvPr id="174" name="Shape 174"/>
+                  <p:cNvCxnSpPr/>
+                  <p:nvPr/>
+                </p:nvCxnSpPr>
+                <p:spPr>
+                  <a:xfrm>
+                    <a:off x="10036936" y="4026278"/>
+                    <a:ext cx="0" cy="551642"/>
+                  </a:xfrm>
+                  <a:prstGeom prst="straightConnector1">
+                    <a:avLst/>
+                  </a:prstGeom>
+                  <a:noFill/>
+                  <a:ln cap="flat" cmpd="sng" w="28575">
+                    <a:solidFill>
+                      <a:srgbClr val="7153A0"/>
+                    </a:solidFill>
+                    <a:prstDash val="solid"/>
+                    <a:round/>
+                    <a:headEnd len="med" w="med" type="none"/>
+                    <a:tailEnd len="med" w="med" type="none"/>
+                  </a:ln>
+                </p:spPr>
+              </p:cxnSp>
+              <p:cxnSp>
+                <p:nvCxnSpPr>
+                  <p:cNvPr id="175" name="Shape 175"/>
+                  <p:cNvCxnSpPr/>
+                  <p:nvPr/>
+                </p:nvCxnSpPr>
+                <p:spPr>
+                  <a:xfrm>
+                    <a:off x="6007225" y="3470344"/>
+                    <a:ext cx="0" cy="551642"/>
+                  </a:xfrm>
+                  <a:prstGeom prst="straightConnector1">
+                    <a:avLst/>
+                  </a:prstGeom>
+                  <a:noFill/>
+                  <a:ln cap="flat" cmpd="sng" w="28575">
+                    <a:solidFill>
+                      <a:srgbClr val="7153A0"/>
+                    </a:solidFill>
+                    <a:prstDash val="solid"/>
+                    <a:round/>
+                    <a:headEnd len="med" w="med" type="none"/>
+                    <a:tailEnd len="med" w="med" type="none"/>
+                  </a:ln>
+                </p:spPr>
+              </p:cxnSp>
+              <p:cxnSp>
+                <p:nvCxnSpPr>
+                  <p:cNvPr id="176" name="Shape 176"/>
+                  <p:cNvCxnSpPr/>
+                  <p:nvPr/>
+                </p:nvCxnSpPr>
+                <p:spPr>
+                  <a:xfrm>
+                    <a:off x="6010142" y="2191557"/>
+                    <a:ext cx="0" cy="551642"/>
+                  </a:xfrm>
+                  <a:prstGeom prst="straightConnector1">
+                    <a:avLst/>
+                  </a:prstGeom>
+                  <a:noFill/>
+                  <a:ln cap="flat" cmpd="sng" w="28575">
+                    <a:solidFill>
+                      <a:srgbClr val="7153A0"/>
+                    </a:solidFill>
+                    <a:prstDash val="solid"/>
+                    <a:round/>
+                    <a:headEnd len="med" w="med" type="none"/>
+                    <a:tailEnd len="med" w="med" type="none"/>
+                  </a:ln>
+                </p:spPr>
+              </p:cxnSp>
+            </p:grpSp>
+            <p:sp>
+              <p:nvSpPr>
+                <p:cNvPr id="177" name="Shape 177"/>
+                <p:cNvSpPr/>
+                <p:nvPr/>
+              </p:nvSpPr>
+              <p:spPr>
+                <a:xfrm>
+                  <a:off x="4918321" y="1941081"/>
+                  <a:ext cx="2183641" cy="670088"/>
+                </a:xfrm>
+                <a:prstGeom prst="ellipse">
+                  <a:avLst/>
+                </a:prstGeom>
+                <a:solidFill>
+                  <a:schemeClr val="accent5"/>
+                </a:solidFill>
+                <a:ln cap="flat" cmpd="sng" w="28575">
+                  <a:solidFill>
+                    <a:srgbClr val="7153A0"/>
+                  </a:solidFill>
+                  <a:prstDash val="solid"/>
+                  <a:round/>
+                  <a:headEnd len="med" w="med" type="none"/>
+                  <a:tailEnd len="med" w="med" type="none"/>
+                </a:ln>
+              </p:spPr>
+              <p:txBody>
+                <a:bodyPr anchorCtr="0" anchor="ctr" bIns="45700" lIns="91425" rIns="91425" tIns="45700">
+                  <a:noAutofit/>
+                </a:bodyPr>
+                <a:lstStyle/>
+                <a:p>
+                  <a:pPr indent="0" lvl="0" marL="0" marR="0" rtl="0" algn="ctr">
+                    <a:spcBef>
+                      <a:spcPts val="0"/>
+                    </a:spcBef>
+                    <a:buSzPct val="25000"/>
+                    <a:buNone/>
+                  </a:pPr>
+                  <a:r>
+                    <a:rPr b="0" baseline="0" i="0" lang="fr-FR" sz="2000" u="none" cap="none" strike="noStrike">
+                      <a:solidFill>
+                        <a:schemeClr val="lt1"/>
+                      </a:solidFill>
+                      <a:latin typeface="Calibri"/>
+                      <a:ea typeface="Calibri"/>
+                      <a:cs typeface="Calibri"/>
+                      <a:sym typeface="Calibri"/>
+                    </a:rPr>
+                    <a:t>Oriane Siméoni</a:t>
+                  </a:r>
+                </a:p>
+              </p:txBody>
+            </p:sp>
+            <p:sp>
+              <p:nvSpPr>
+                <p:cNvPr id="178" name="Shape 178"/>
+                <p:cNvSpPr/>
+                <p:nvPr/>
+              </p:nvSpPr>
+              <p:spPr>
+                <a:xfrm>
+                  <a:off x="4904671" y="2949264"/>
+                  <a:ext cx="2197289" cy="956807"/>
+                </a:xfrm>
+                <a:prstGeom prst="roundRect">
+                  <a:avLst>
+                    <a:gd fmla="val 16667" name="adj"/>
+                  </a:avLst>
+                </a:prstGeom>
+                <a:solidFill>
+                  <a:schemeClr val="accent5"/>
+                </a:solidFill>
+                <a:ln cap="flat" cmpd="sng" w="28575">
+                  <a:solidFill>
+                    <a:srgbClr val="7153A0"/>
+                  </a:solidFill>
+                  <a:prstDash val="solid"/>
+                  <a:round/>
+                  <a:headEnd len="med" w="med" type="none"/>
+                  <a:tailEnd len="med" w="med" type="none"/>
+                </a:ln>
+              </p:spPr>
+              <p:txBody>
+                <a:bodyPr anchorCtr="0" anchor="ctr" bIns="45700" lIns="91425" rIns="91425" tIns="45700">
+                  <a:noAutofit/>
+                </a:bodyPr>
+                <a:lstStyle/>
+                <a:p>
+                  <a:pPr indent="0" lvl="0" marL="0" marR="0" rtl="0" algn="ctr">
+                    <a:spcBef>
+                      <a:spcPts val="0"/>
+                    </a:spcBef>
+                    <a:buSzPct val="25000"/>
+                    <a:buNone/>
+                  </a:pPr>
+                  <a:r>
+                    <a:rPr b="0" baseline="0" i="0" lang="fr-FR" sz="2300" u="none" cap="none" strike="noStrike">
+                      <a:solidFill>
+                        <a:schemeClr val="lt1"/>
+                      </a:solidFill>
+                      <a:latin typeface="Calibri"/>
+                      <a:ea typeface="Calibri"/>
+                      <a:cs typeface="Calibri"/>
+                      <a:sym typeface="Calibri"/>
+                    </a:rPr>
+                    <a:t>Cassie Chausse</a:t>
+                  </a:r>
+                </a:p>
+              </p:txBody>
+            </p:sp>
+            <p:sp>
+              <p:nvSpPr>
+                <p:cNvPr id="179" name="Shape 179"/>
+                <p:cNvSpPr/>
+                <p:nvPr/>
+              </p:nvSpPr>
+              <p:spPr>
+                <a:xfrm>
+                  <a:off x="1267608" y="4783985"/>
+                  <a:ext cx="1405719" cy="1030047"/>
+                </a:xfrm>
+                <a:prstGeom prst="rect">
+                  <a:avLst/>
+                </a:prstGeom>
+                <a:solidFill>
+                  <a:schemeClr val="accent5"/>
+                </a:solidFill>
+                <a:ln cap="flat" cmpd="sng" w="28575">
+                  <a:solidFill>
+                    <a:srgbClr val="7153A0"/>
+                  </a:solidFill>
+                  <a:prstDash val="solid"/>
+                  <a:round/>
+                  <a:headEnd len="med" w="med" type="none"/>
+                  <a:tailEnd len="med" w="med" type="none"/>
+                </a:ln>
+              </p:spPr>
+              <p:txBody>
+                <a:bodyPr anchorCtr="0" anchor="ctr" bIns="45700" lIns="91425" rIns="91425" tIns="45700">
+                  <a:noAutofit/>
+                </a:bodyPr>
+                <a:lstStyle/>
+                <a:p>
+                  <a:pPr indent="0" lvl="0" marL="0" marR="0" rtl="0" algn="ctr">
+                    <a:spcBef>
+                      <a:spcPts val="0"/>
+                    </a:spcBef>
+                    <a:buSzPct val="25000"/>
+                    <a:buNone/>
+                  </a:pPr>
+                  <a:r>
+                    <a:rPr b="0" baseline="0" i="0" lang="fr-FR" sz="2000" u="none" cap="none" strike="noStrike">
+                      <a:solidFill>
+                        <a:schemeClr val="lt1"/>
+                      </a:solidFill>
+                      <a:latin typeface="Calibri"/>
+                      <a:ea typeface="Calibri"/>
+                      <a:cs typeface="Calibri"/>
+                      <a:sym typeface="Calibri"/>
+                    </a:rPr>
+                    <a:t>Thomas Bourcier</a:t>
+                  </a:r>
+                </a:p>
+              </p:txBody>
+            </p:sp>
+            <p:sp>
+              <p:nvSpPr>
+                <p:cNvPr id="180" name="Shape 180"/>
+                <p:cNvSpPr/>
+                <p:nvPr/>
+              </p:nvSpPr>
+              <p:spPr>
+                <a:xfrm>
+                  <a:off x="3244997" y="4783985"/>
+                  <a:ext cx="1405719" cy="1030047"/>
+                </a:xfrm>
+                <a:prstGeom prst="rect">
+                  <a:avLst/>
+                </a:prstGeom>
+                <a:solidFill>
+                  <a:schemeClr val="accent5"/>
+                </a:solidFill>
+                <a:ln cap="flat" cmpd="sng" w="28575">
+                  <a:solidFill>
+                    <a:srgbClr val="7153A0"/>
+                  </a:solidFill>
+                  <a:prstDash val="solid"/>
+                  <a:round/>
+                  <a:headEnd len="med" w="med" type="none"/>
+                  <a:tailEnd len="med" w="med" type="none"/>
+                </a:ln>
+              </p:spPr>
+              <p:txBody>
+                <a:bodyPr anchorCtr="0" anchor="ctr" bIns="45700" lIns="91425" rIns="91425" tIns="45700">
+                  <a:noAutofit/>
+                </a:bodyPr>
+                <a:lstStyle/>
+                <a:p>
+                  <a:pPr indent="0" lvl="0" marL="0" marR="0" rtl="0" algn="ctr">
+                    <a:spcBef>
+                      <a:spcPts val="0"/>
+                    </a:spcBef>
+                    <a:buSzPct val="25000"/>
+                    <a:buNone/>
+                  </a:pPr>
+                  <a:r>
+                    <a:rPr b="0" baseline="0" i="0" lang="fr-FR" sz="2000" u="none" cap="none" strike="noStrike">
+                      <a:solidFill>
+                        <a:schemeClr val="lt1"/>
+                      </a:solidFill>
+                      <a:latin typeface="Calibri"/>
+                      <a:ea typeface="Calibri"/>
+                      <a:cs typeface="Calibri"/>
+                      <a:sym typeface="Calibri"/>
+                    </a:rPr>
+                    <a:t>Romain Robert</a:t>
+                  </a:r>
+                </a:p>
+              </p:txBody>
+            </p:sp>
+            <p:sp>
+              <p:nvSpPr>
+                <p:cNvPr id="181" name="Shape 181"/>
+                <p:cNvSpPr/>
+                <p:nvPr/>
+              </p:nvSpPr>
+              <p:spPr>
+                <a:xfrm>
+                  <a:off x="5324553" y="4783983"/>
+                  <a:ext cx="1405719" cy="1030047"/>
+                </a:xfrm>
+                <a:prstGeom prst="rect">
+                  <a:avLst/>
+                </a:prstGeom>
+                <a:solidFill>
+                  <a:schemeClr val="accent5"/>
+                </a:solidFill>
+                <a:ln cap="flat" cmpd="sng" w="28575">
+                  <a:solidFill>
+                    <a:srgbClr val="7153A0"/>
+                  </a:solidFill>
+                  <a:prstDash val="solid"/>
+                  <a:round/>
+                  <a:headEnd len="med" w="med" type="none"/>
+                  <a:tailEnd len="med" w="med" type="none"/>
+                </a:ln>
+              </p:spPr>
+              <p:txBody>
+                <a:bodyPr anchorCtr="0" anchor="ctr" bIns="45700" lIns="91425" rIns="91425" tIns="45700">
+                  <a:noAutofit/>
+                </a:bodyPr>
+                <a:lstStyle/>
+                <a:p>
+                  <a:pPr indent="0" lvl="0" marL="0" marR="0" rtl="0" algn="ctr">
+                    <a:spcBef>
+                      <a:spcPts val="0"/>
+                    </a:spcBef>
+                    <a:buSzPct val="25000"/>
+                    <a:buNone/>
+                  </a:pPr>
+                  <a:r>
+                    <a:rPr b="0" baseline="0" i="0" lang="fr-FR" sz="2000" u="none" cap="none" strike="noStrike">
+                      <a:solidFill>
+                        <a:schemeClr val="lt1"/>
+                      </a:solidFill>
+                      <a:latin typeface="Calibri"/>
+                      <a:ea typeface="Calibri"/>
+                      <a:cs typeface="Calibri"/>
+                      <a:sym typeface="Calibri"/>
+                    </a:rPr>
+                    <a:t>Célia Nouguier</a:t>
+                  </a:r>
+                </a:p>
+              </p:txBody>
+            </p:sp>
+          </p:grpSp>
+          <p:sp>
+            <p:nvSpPr>
+              <p:cNvPr id="182" name="Shape 182"/>
+              <p:cNvSpPr/>
+              <p:nvPr/>
+            </p:nvSpPr>
+            <p:spPr>
+              <a:xfrm>
+                <a:off x="9331221" y="4796182"/>
+                <a:ext cx="1405719" cy="1030047"/>
+              </a:xfrm>
+              <a:prstGeom prst="rect">
+                <a:avLst/>
+              </a:prstGeom>
+              <a:solidFill>
+                <a:schemeClr val="accent5"/>
+              </a:solidFill>
+              <a:ln cap="flat" cmpd="sng" w="28575">
+                <a:solidFill>
+                  <a:srgbClr val="7153A0"/>
+                </a:solidFill>
+                <a:prstDash val="solid"/>
+                <a:round/>
+                <a:headEnd len="med" w="med" type="none"/>
+                <a:tailEnd len="med" w="med" type="none"/>
+              </a:ln>
+            </p:spPr>
+            <p:txBody>
+              <a:bodyPr anchorCtr="0" anchor="ctr" bIns="45700" lIns="91425" rIns="91425" tIns="45700">
+                <a:noAutofit/>
+              </a:bodyPr>
+              <a:lstStyle/>
+              <a:p>
+                <a:pPr indent="0" lvl="0" marL="0" marR="0" rtl="0" algn="ctr">
+                  <a:spcBef>
+                    <a:spcPts val="0"/>
+                  </a:spcBef>
+                  <a:buSzPct val="25000"/>
+                  <a:buNone/>
+                </a:pPr>
+                <a:r>
+                  <a:rPr b="0" baseline="0" i="0" lang="fr-FR" sz="2000" u="none" cap="none" strike="noStrike">
+                    <a:solidFill>
+                      <a:schemeClr val="lt1"/>
+                    </a:solidFill>
+                    <a:latin typeface="Calibri"/>
+                    <a:ea typeface="Calibri"/>
+                    <a:cs typeface="Calibri"/>
+                    <a:sym typeface="Calibri"/>
+                  </a:rPr>
+                  <a:t>Sofia</a:t>
+                </a:r>
+              </a:p>
+              <a:p>
+                <a:pPr indent="0" lvl="0" marL="0" marR="0" rtl="0" algn="ctr">
+                  <a:spcBef>
+                    <a:spcPts val="0"/>
+                  </a:spcBef>
+                  <a:buSzPct val="25000"/>
+                  <a:buNone/>
+                </a:pPr>
+                <a:r>
+                  <a:rPr b="0" baseline="0" i="0" lang="fr-FR" sz="2000" u="none" cap="none" strike="noStrike">
+                    <a:solidFill>
+                      <a:schemeClr val="lt1"/>
+                    </a:solidFill>
+                    <a:latin typeface="Calibri"/>
+                    <a:ea typeface="Calibri"/>
+                    <a:cs typeface="Calibri"/>
+                    <a:sym typeface="Calibri"/>
+                  </a:rPr>
+                  <a:t>Peerbux</a:t>
+                </a:r>
+              </a:p>
+            </p:txBody>
+          </p:sp>
+        </p:grpSp>
+      </p:grpSp>
+    </p:spTree>
+  </p:cSld>
+  <p:clrMapOvr>
+    <a:masterClrMapping/>
+  </p:clrMapOvr>
+  <p:transition spd="slow">
+    <p:cut/>
+  </p:transition>
+</p:sld>
+</file>
+
+<file path=ppt/slides/slide11.xml><?xml version="1.0" encoding="utf-8"?>
+<p:sld xmlns:a="http://schemas.openxmlformats.org/drawingml/2006/main" xmlns:r="http://schemas.openxmlformats.org/officeDocument/2006/relationships" xmlns:mc="http://schemas.openxmlformats.org/markup-compatibility/2006" xmlns:mv="urn:schemas-microsoft-com:mac:vml" xmlns:p="http://schemas.openxmlformats.org/presentationml/2006/main" xmlns:c="http://schemas.openxmlformats.org/drawingml/2006/chart" xmlns:dgm="http://schemas.openxmlformats.org/drawingml/2006/diagram" xmlns:o="urn:schemas-microsoft-com:office:office" xmlns:v="urn:schemas-microsoft-com:vml" xmlns:pvml="urn:schemas-microsoft-com:office:powerpoint" xmlns:com="http://schemas.openxmlformats.org/drawingml/2006/compatibility" xmlns:p14="http://schemas.microsoft.com/office/powerpoint/2010/main">
+  <p:cSld>
+    <p:spTree>
+      <p:nvGrpSpPr>
+        <p:cNvPr id="186" name="Shape 186"/>
+        <p:cNvGrpSpPr/>
+        <p:nvPr/>
+      </p:nvGrpSpPr>
+      <p:grpSpPr>
+        <a:xfrm>
+          <a:off x="0" y="0"/>
+          <a:ext cx="0" cy="0"/>
+          <a:chOff x="0" y="0"/>
+          <a:chExt cx="0" cy="0"/>
+        </a:xfrm>
+      </p:grpSpPr>
+      <p:sp>
+        <p:nvSpPr>
+          <p:cNvPr id="187" name="Shape 187"/>
           <p:cNvSpPr txBox="1"/>
           <p:nvPr>
             <p:ph idx="1" type="body"/>
@@ -14733,7 +15652,7 @@
       </p:sp>
       <p:graphicFrame>
         <p:nvGraphicFramePr>
-          <p:cNvPr id="181" name="Shape 181"/>
+          <p:cNvPr id="188" name="Shape 188"/>
           <p:cNvGraphicFramePr/>
           <p:nvPr/>
         </p:nvGraphicFramePr>
@@ -14746,7 +15665,7 @@
             <a:tbl>
               <a:tblPr bandRow="1" firstRow="1">
                 <a:noFill/>
-                <a:tableStyleId>{30C23A36-6EB3-4E87-9101-73A09A593A06}</a:tableStyleId>
+                <a:tableStyleId>{9D1BC2E2-80EC-4BAE-AC4B-B82A7A0BBADA}</a:tableStyleId>
               </a:tblPr>
               <a:tblGrid>
                 <a:gridCol w="10223700"/>
@@ -14954,7 +15873,7 @@
       </p:graphicFrame>
       <p:graphicFrame>
         <p:nvGraphicFramePr>
-          <p:cNvPr id="182" name="Shape 182"/>
+          <p:cNvPr id="189" name="Shape 189"/>
           <p:cNvGraphicFramePr/>
           <p:nvPr/>
         </p:nvGraphicFramePr>
@@ -14967,7 +15886,7 @@
             <a:tbl>
               <a:tblPr bandRow="1" firstRow="1">
                 <a:noFill/>
-                <a:tableStyleId>{0CA4CE46-B6CE-4369-A8AC-5CECFC3B0A3E}</a:tableStyleId>
+                <a:tableStyleId>{41B6BE0C-9D75-4E94-8281-8B8C3570CA58}</a:tableStyleId>
               </a:tblPr>
               <a:tblGrid>
                 <a:gridCol w="10223700"/>
@@ -15128,7 +16047,7 @@
       </p:graphicFrame>
       <p:graphicFrame>
         <p:nvGraphicFramePr>
-          <p:cNvPr id="183" name="Shape 183"/>
+          <p:cNvPr id="190" name="Shape 190"/>
           <p:cNvGraphicFramePr/>
           <p:nvPr/>
         </p:nvGraphicFramePr>
@@ -15141,7 +16060,7 @@
             <a:tbl>
               <a:tblPr bandRow="1" firstRow="1">
                 <a:noFill/>
-                <a:tableStyleId>{A1C6DB67-6708-49C2-9C83-279A6145E3DF}</a:tableStyleId>
+                <a:tableStyleId>{149D0F81-421C-4249-A374-B33C9753D247}</a:tableStyleId>
               </a:tblPr>
               <a:tblGrid>
                 <a:gridCol w="10223700"/>
@@ -15302,7 +16221,7 @@
       </p:graphicFrame>
       <p:sp>
         <p:nvSpPr>
-          <p:cNvPr id="184" name="Shape 184"/>
+          <p:cNvPr id="191" name="Shape 191"/>
           <p:cNvSpPr txBox="1"/>
           <p:nvPr>
             <p:ph type="title"/>
@@ -15379,12 +16298,12 @@
 </p:sld>
 </file>
 
-<file path=ppt/slides/slide11.xml><?xml version="1.0" encoding="utf-8"?>
+<file path=ppt/slides/slide12.xml><?xml version="1.0" encoding="utf-8"?>
 <p:sld xmlns:a="http://schemas.openxmlformats.org/drawingml/2006/main" xmlns:r="http://schemas.openxmlformats.org/officeDocument/2006/relationships" xmlns:mc="http://schemas.openxmlformats.org/markup-compatibility/2006" xmlns:mv="urn:schemas-microsoft-com:mac:vml" xmlns:p="http://schemas.openxmlformats.org/presentationml/2006/main" xmlns:c="http://schemas.openxmlformats.org/drawingml/2006/chart" xmlns:dgm="http://schemas.openxmlformats.org/drawingml/2006/diagram" xmlns:o="urn:schemas-microsoft-com:office:office" xmlns:v="urn:schemas-microsoft-com:vml" xmlns:pvml="urn:schemas-microsoft-com:office:powerpoint" xmlns:com="http://schemas.openxmlformats.org/drawingml/2006/compatibility" xmlns:p14="http://schemas.microsoft.com/office/powerpoint/2010/main">
   <p:cSld>
     <p:spTree>
       <p:nvGrpSpPr>
-        <p:cNvPr id="188" name="Shape 188"/>
+        <p:cNvPr id="195" name="Shape 195"/>
         <p:cNvGrpSpPr/>
         <p:nvPr/>
       </p:nvGrpSpPr>
@@ -15398,7 +16317,7 @@
       </p:grpSpPr>
       <p:sp>
         <p:nvSpPr>
-          <p:cNvPr id="189" name="Shape 189"/>
+          <p:cNvPr id="196" name="Shape 196"/>
           <p:cNvSpPr txBox="1"/>
           <p:nvPr>
             <p:ph type="title"/>
@@ -15466,7 +16385,7 @@
       </p:sp>
       <p:grpSp>
         <p:nvGrpSpPr>
-          <p:cNvPr id="190" name="Shape 190"/>
+          <p:cNvPr id="197" name="Shape 197"/>
           <p:cNvGrpSpPr/>
           <p:nvPr/>
         </p:nvGrpSpPr>
@@ -15480,7 +16399,7 @@
         </p:grpSpPr>
         <p:grpSp>
           <p:nvGrpSpPr>
-            <p:cNvPr id="191" name="Shape 191"/>
+            <p:cNvPr id="198" name="Shape 198"/>
             <p:cNvGrpSpPr/>
             <p:nvPr/>
           </p:nvGrpSpPr>
@@ -15494,7 +16413,7 @@
           </p:grpSpPr>
           <p:grpSp>
             <p:nvGrpSpPr>
-              <p:cNvPr id="192" name="Shape 192"/>
+              <p:cNvPr id="199" name="Shape 199"/>
               <p:cNvGrpSpPr/>
               <p:nvPr/>
             </p:nvGrpSpPr>
@@ -15508,7 +16427,7 @@
             </p:grpSpPr>
             <p:cxnSp>
               <p:nvCxnSpPr>
-                <p:cNvPr id="193" name="Shape 193"/>
+                <p:cNvPr id="200" name="Shape 200"/>
                 <p:cNvCxnSpPr/>
                 <p:nvPr/>
               </p:nvCxnSpPr>
@@ -15534,7 +16453,7 @@
             </p:cxnSp>
             <p:cxnSp>
               <p:nvCxnSpPr>
-                <p:cNvPr id="194" name="Shape 194"/>
+                <p:cNvPr id="201" name="Shape 201"/>
                 <p:cNvCxnSpPr/>
                 <p:nvPr/>
               </p:nvCxnSpPr>
@@ -15560,9 +16479,9 @@
             </p:cxnSp>
             <p:cxnSp>
               <p:nvCxnSpPr>
-                <p:cNvPr id="195" name="Shape 195"/>
+                <p:cNvPr id="202" name="Shape 202"/>
                 <p:cNvCxnSpPr>
-                  <a:endCxn id="196" idx="0"/>
+                  <a:endCxn id="203" idx="0"/>
                 </p:cNvCxnSpPr>
                 <p:nvPr/>
               </p:nvCxnSpPr>
@@ -15589,7 +16508,7 @@
           </p:grpSp>
           <p:sp>
             <p:nvSpPr>
-              <p:cNvPr id="197" name="Shape 197"/>
+              <p:cNvPr id="204" name="Shape 204"/>
               <p:cNvSpPr/>
               <p:nvPr/>
             </p:nvSpPr>
@@ -15644,7 +16563,7 @@
           </p:sp>
           <p:sp>
             <p:nvSpPr>
-              <p:cNvPr id="196" name="Shape 196"/>
+              <p:cNvPr id="203" name="Shape 203"/>
               <p:cNvSpPr/>
               <p:nvPr/>
             </p:nvSpPr>
@@ -15702,7 +16621,7 @@
         </p:grpSp>
         <p:sp>
           <p:nvSpPr>
-            <p:cNvPr id="198" name="Shape 198"/>
+            <p:cNvPr id="205" name="Shape 205"/>
             <p:cNvSpPr/>
             <p:nvPr/>
           </p:nvSpPr>
@@ -15767,12 +16686,12 @@
 </p:sld>
 </file>
 
-<file path=ppt/slides/slide12.xml><?xml version="1.0" encoding="utf-8"?>
+<file path=ppt/slides/slide13.xml><?xml version="1.0" encoding="utf-8"?>
 <p:sld xmlns:a="http://schemas.openxmlformats.org/drawingml/2006/main" xmlns:r="http://schemas.openxmlformats.org/officeDocument/2006/relationships" xmlns:mc="http://schemas.openxmlformats.org/markup-compatibility/2006" xmlns:mv="urn:schemas-microsoft-com:mac:vml" xmlns:p="http://schemas.openxmlformats.org/presentationml/2006/main" xmlns:c="http://schemas.openxmlformats.org/drawingml/2006/chart" xmlns:dgm="http://schemas.openxmlformats.org/drawingml/2006/diagram" xmlns:o="urn:schemas-microsoft-com:office:office" xmlns:v="urn:schemas-microsoft-com:vml" xmlns:pvml="urn:schemas-microsoft-com:office:powerpoint" xmlns:com="http://schemas.openxmlformats.org/drawingml/2006/compatibility" xmlns:p14="http://schemas.microsoft.com/office/powerpoint/2010/main">
   <p:cSld>
     <p:spTree>
       <p:nvGrpSpPr>
-        <p:cNvPr id="202" name="Shape 202"/>
+        <p:cNvPr id="209" name="Shape 209"/>
         <p:cNvGrpSpPr/>
         <p:nvPr/>
       </p:nvGrpSpPr>
@@ -15786,7 +16705,7 @@
       </p:grpSpPr>
       <p:sp>
         <p:nvSpPr>
-          <p:cNvPr id="203" name="Shape 203"/>
+          <p:cNvPr id="210" name="Shape 210"/>
           <p:cNvSpPr txBox="1"/>
           <p:nvPr>
             <p:ph type="title"/>
@@ -15854,7 +16773,7 @@
       </p:sp>
       <p:sp>
         <p:nvSpPr>
-          <p:cNvPr id="204" name="Shape 204"/>
+          <p:cNvPr id="211" name="Shape 211"/>
           <p:cNvSpPr txBox="1"/>
           <p:nvPr>
             <p:ph idx="1" type="body"/>
@@ -15943,7 +16862,7 @@
       </p:sp>
       <p:graphicFrame>
         <p:nvGraphicFramePr>
-          <p:cNvPr id="205" name="Shape 205"/>
+          <p:cNvPr id="212" name="Shape 212"/>
           <p:cNvGraphicFramePr/>
           <p:nvPr/>
         </p:nvGraphicFramePr>
@@ -15956,7 +16875,7 @@
             <a:tbl>
               <a:tblPr bandRow="1" firstRow="1">
                 <a:noFill/>
-                <a:tableStyleId>{C23C50EA-E9B0-4D75-867D-BB3A3D099AEE}</a:tableStyleId>
+                <a:tableStyleId>{30045839-618B-46D2-A8E7-39E053B48E7A}</a:tableStyleId>
               </a:tblPr>
               <a:tblGrid>
                 <a:gridCol w="10223700"/>
@@ -16163,7 +17082,7 @@
       </p:graphicFrame>
       <p:graphicFrame>
         <p:nvGraphicFramePr>
-          <p:cNvPr id="206" name="Shape 206"/>
+          <p:cNvPr id="213" name="Shape 213"/>
           <p:cNvGraphicFramePr/>
           <p:nvPr/>
         </p:nvGraphicFramePr>
@@ -16176,7 +17095,7 @@
             <a:tbl>
               <a:tblPr bandRow="1" firstRow="1">
                 <a:noFill/>
-                <a:tableStyleId>{D4F83F12-6F61-417A-BDF1-63063D78DEFE}</a:tableStyleId>
+                <a:tableStyleId>{F7BFE8BC-3F6F-4662-9A2C-54E93187FF4D}</a:tableStyleId>
               </a:tblPr>
               <a:tblGrid>
                 <a:gridCol w="10223700"/>
@@ -16365,7 +17284,7 @@
       </p:graphicFrame>
       <p:graphicFrame>
         <p:nvGraphicFramePr>
-          <p:cNvPr id="207" name="Shape 207"/>
+          <p:cNvPr id="214" name="Shape 214"/>
           <p:cNvGraphicFramePr/>
           <p:nvPr/>
         </p:nvGraphicFramePr>
@@ -16378,7 +17297,7 @@
             <a:tbl>
               <a:tblPr bandRow="1" firstRow="1">
                 <a:noFill/>
-                <a:tableStyleId>{91FA7DD9-5C2F-497F-9625-C72156B9CFD6}</a:tableStyleId>
+                <a:tableStyleId>{61DEA9C5-2259-4E67-B90D-6A0356BA7C20}</a:tableStyleId>
               </a:tblPr>
               <a:tblGrid>
                 <a:gridCol w="10223700"/>
@@ -16576,12 +17495,12 @@
 </p:sld>
 </file>
 
-<file path=ppt/slides/slide13.xml><?xml version="1.0" encoding="utf-8"?>
+<file path=ppt/slides/slide14.xml><?xml version="1.0" encoding="utf-8"?>
 <p:sld xmlns:a="http://schemas.openxmlformats.org/drawingml/2006/main" xmlns:r="http://schemas.openxmlformats.org/officeDocument/2006/relationships" xmlns:mc="http://schemas.openxmlformats.org/markup-compatibility/2006" xmlns:mv="urn:schemas-microsoft-com:mac:vml" xmlns:p="http://schemas.openxmlformats.org/presentationml/2006/main" xmlns:c="http://schemas.openxmlformats.org/drawingml/2006/chart" xmlns:dgm="http://schemas.openxmlformats.org/drawingml/2006/diagram" xmlns:o="urn:schemas-microsoft-com:office:office" xmlns:v="urn:schemas-microsoft-com:vml" xmlns:pvml="urn:schemas-microsoft-com:office:powerpoint" xmlns:com="http://schemas.openxmlformats.org/drawingml/2006/compatibility" xmlns:p14="http://schemas.microsoft.com/office/powerpoint/2010/main">
   <p:cSld>
     <p:spTree>
       <p:nvGrpSpPr>
-        <p:cNvPr id="211" name="Shape 211"/>
+        <p:cNvPr id="218" name="Shape 218"/>
         <p:cNvGrpSpPr/>
         <p:nvPr/>
       </p:nvGrpSpPr>
@@ -16595,7 +17514,7 @@
       </p:grpSpPr>
       <p:sp>
         <p:nvSpPr>
-          <p:cNvPr id="212" name="Shape 212"/>
+          <p:cNvPr id="219" name="Shape 219"/>
           <p:cNvSpPr txBox="1"/>
           <p:nvPr>
             <p:ph type="title"/>
@@ -16663,7 +17582,7 @@
       </p:sp>
       <p:grpSp>
         <p:nvGrpSpPr>
-          <p:cNvPr id="213" name="Shape 213"/>
+          <p:cNvPr id="220" name="Shape 220"/>
           <p:cNvGrpSpPr/>
           <p:nvPr/>
         </p:nvGrpSpPr>
@@ -16677,7 +17596,7 @@
         </p:grpSpPr>
         <p:grpSp>
           <p:nvGrpSpPr>
-            <p:cNvPr id="214" name="Shape 214"/>
+            <p:cNvPr id="221" name="Shape 221"/>
             <p:cNvGrpSpPr/>
             <p:nvPr/>
           </p:nvGrpSpPr>
@@ -16691,7 +17610,7 @@
           </p:grpSpPr>
           <p:grpSp>
             <p:nvGrpSpPr>
-              <p:cNvPr id="215" name="Shape 215"/>
+              <p:cNvPr id="222" name="Shape 222"/>
               <p:cNvGrpSpPr/>
               <p:nvPr/>
             </p:nvGrpSpPr>
@@ -16705,7 +17624,7 @@
             </p:grpSpPr>
             <p:grpSp>
               <p:nvGrpSpPr>
-                <p:cNvPr id="216" name="Shape 216"/>
+                <p:cNvPr id="223" name="Shape 223"/>
                 <p:cNvGrpSpPr/>
                 <p:nvPr/>
               </p:nvGrpSpPr>
@@ -16719,7 +17638,7 @@
               </p:grpSpPr>
               <p:grpSp>
                 <p:nvGrpSpPr>
-                  <p:cNvPr id="217" name="Shape 217"/>
+                  <p:cNvPr id="224" name="Shape 224"/>
                   <p:cNvGrpSpPr/>
                   <p:nvPr/>
                 </p:nvGrpSpPr>
@@ -16733,7 +17652,7 @@
                 </p:grpSpPr>
                 <p:cxnSp>
                   <p:nvCxnSpPr>
-                    <p:cNvPr id="218" name="Shape 218"/>
+                    <p:cNvPr id="225" name="Shape 225"/>
                     <p:cNvCxnSpPr/>
                     <p:nvPr/>
                   </p:nvCxnSpPr>
@@ -16759,7 +17678,7 @@
                 </p:cxnSp>
                 <p:cxnSp>
                   <p:nvCxnSpPr>
-                    <p:cNvPr id="219" name="Shape 219"/>
+                    <p:cNvPr id="226" name="Shape 226"/>
                     <p:cNvCxnSpPr/>
                     <p:nvPr/>
                   </p:nvCxnSpPr>
@@ -16785,7 +17704,7 @@
                 </p:cxnSp>
                 <p:cxnSp>
                   <p:nvCxnSpPr>
-                    <p:cNvPr id="220" name="Shape 220"/>
+                    <p:cNvPr id="227" name="Shape 227"/>
                     <p:cNvCxnSpPr/>
                     <p:nvPr/>
                   </p:nvCxnSpPr>
@@ -16811,7 +17730,7 @@
                 </p:cxnSp>
                 <p:cxnSp>
                   <p:nvCxnSpPr>
-                    <p:cNvPr id="221" name="Shape 221"/>
+                    <p:cNvPr id="228" name="Shape 228"/>
                     <p:cNvCxnSpPr/>
                     <p:nvPr/>
                   </p:nvCxnSpPr>
@@ -16837,7 +17756,7 @@
                 </p:cxnSp>
                 <p:cxnSp>
                   <p:nvCxnSpPr>
-                    <p:cNvPr id="222" name="Shape 222"/>
+                    <p:cNvPr id="229" name="Shape 229"/>
                     <p:cNvCxnSpPr/>
                     <p:nvPr/>
                   </p:nvCxnSpPr>
@@ -16863,7 +17782,7 @@
                 </p:cxnSp>
                 <p:cxnSp>
                   <p:nvCxnSpPr>
-                    <p:cNvPr id="223" name="Shape 223"/>
+                    <p:cNvPr id="230" name="Shape 230"/>
                     <p:cNvCxnSpPr/>
                     <p:nvPr/>
                   </p:nvCxnSpPr>
@@ -16889,7 +17808,7 @@
                 </p:cxnSp>
                 <p:cxnSp>
                   <p:nvCxnSpPr>
-                    <p:cNvPr id="224" name="Shape 224"/>
+                    <p:cNvPr id="231" name="Shape 231"/>
                     <p:cNvCxnSpPr/>
                     <p:nvPr/>
                   </p:nvCxnSpPr>
@@ -16916,7 +17835,7 @@
               </p:grpSp>
               <p:sp>
                 <p:nvSpPr>
-                  <p:cNvPr id="225" name="Shape 225"/>
+                  <p:cNvPr id="232" name="Shape 232"/>
                   <p:cNvSpPr/>
                   <p:nvPr/>
                 </p:nvSpPr>
@@ -16971,7 +17890,7 @@
               </p:sp>
               <p:sp>
                 <p:nvSpPr>
-                  <p:cNvPr id="226" name="Shape 226"/>
+                  <p:cNvPr id="233" name="Shape 233"/>
                   <p:cNvSpPr/>
                   <p:nvPr/>
                 </p:nvSpPr>
@@ -17028,7 +17947,7 @@
               </p:sp>
               <p:sp>
                 <p:nvSpPr>
-                  <p:cNvPr id="227" name="Shape 227"/>
+                  <p:cNvPr id="234" name="Shape 234"/>
                   <p:cNvSpPr/>
                   <p:nvPr/>
                 </p:nvSpPr>
@@ -17083,7 +18002,7 @@
               </p:sp>
               <p:sp>
                 <p:nvSpPr>
-                  <p:cNvPr id="228" name="Shape 228"/>
+                  <p:cNvPr id="235" name="Shape 235"/>
                   <p:cNvSpPr/>
                   <p:nvPr/>
                 </p:nvSpPr>
@@ -17139,7 +18058,7 @@
             </p:grpSp>
             <p:sp>
               <p:nvSpPr>
-                <p:cNvPr id="229" name="Shape 229"/>
+                <p:cNvPr id="236" name="Shape 236"/>
                 <p:cNvSpPr/>
                 <p:nvPr/>
               </p:nvSpPr>
@@ -17195,7 +18114,7 @@
           </p:grpSp>
           <p:sp>
             <p:nvSpPr>
-              <p:cNvPr id="230" name="Shape 230"/>
+              <p:cNvPr id="237" name="Shape 237"/>
               <p:cNvSpPr/>
               <p:nvPr/>
             </p:nvSpPr>
@@ -17251,7 +18170,7 @@
         </p:grpSp>
         <p:sp>
           <p:nvSpPr>
-            <p:cNvPr id="231" name="Shape 231"/>
+            <p:cNvPr id="238" name="Shape 238"/>
             <p:cNvSpPr/>
             <p:nvPr/>
           </p:nvSpPr>
@@ -17316,12 +18235,12 @@
 </p:sld>
 </file>
 
-<file path=ppt/slides/slide14.xml><?xml version="1.0" encoding="utf-8"?>
+<file path=ppt/slides/slide15.xml><?xml version="1.0" encoding="utf-8"?>
 <p:sld xmlns:a="http://schemas.openxmlformats.org/drawingml/2006/main" xmlns:r="http://schemas.openxmlformats.org/officeDocument/2006/relationships" xmlns:mc="http://schemas.openxmlformats.org/markup-compatibility/2006" xmlns:mv="urn:schemas-microsoft-com:mac:vml" xmlns:p="http://schemas.openxmlformats.org/presentationml/2006/main" xmlns:c="http://schemas.openxmlformats.org/drawingml/2006/chart" xmlns:dgm="http://schemas.openxmlformats.org/drawingml/2006/diagram" xmlns:o="urn:schemas-microsoft-com:office:office" xmlns:v="urn:schemas-microsoft-com:vml" xmlns:pvml="urn:schemas-microsoft-com:office:powerpoint" xmlns:com="http://schemas.openxmlformats.org/drawingml/2006/compatibility" xmlns:p14="http://schemas.microsoft.com/office/powerpoint/2010/main">
   <p:cSld>
     <p:spTree>
       <p:nvGrpSpPr>
-        <p:cNvPr id="235" name="Shape 235"/>
+        <p:cNvPr id="242" name="Shape 242"/>
         <p:cNvGrpSpPr/>
         <p:nvPr/>
       </p:nvGrpSpPr>
@@ -17335,7 +18254,7 @@
       </p:grpSpPr>
       <p:sp>
         <p:nvSpPr>
-          <p:cNvPr id="236" name="Shape 236"/>
+          <p:cNvPr id="243" name="Shape 243"/>
           <p:cNvSpPr txBox="1"/>
           <p:nvPr>
             <p:ph type="title"/>
@@ -17403,7 +18322,7 @@
       </p:sp>
       <p:sp>
         <p:nvSpPr>
-          <p:cNvPr id="237" name="Shape 237"/>
+          <p:cNvPr id="244" name="Shape 244"/>
           <p:cNvSpPr txBox="1"/>
           <p:nvPr>
             <p:ph idx="1" type="body"/>
@@ -17492,7 +18411,7 @@
       </p:sp>
       <p:graphicFrame>
         <p:nvGraphicFramePr>
-          <p:cNvPr id="238" name="Shape 238"/>
+          <p:cNvPr id="245" name="Shape 245"/>
           <p:cNvGraphicFramePr/>
           <p:nvPr/>
         </p:nvGraphicFramePr>
@@ -17505,7 +18424,7 @@
             <a:tbl>
               <a:tblPr bandRow="1" firstRow="1">
                 <a:noFill/>
-                <a:tableStyleId>{907064BC-15EB-4D4B-A06D-FF26FD649F89}</a:tableStyleId>
+                <a:tableStyleId>{FA01CD1F-62E5-4FDA-B9AD-81B74DE157F4}</a:tableStyleId>
               </a:tblPr>
               <a:tblGrid>
                 <a:gridCol w="10223700"/>
@@ -17719,7 +18638,7 @@
       </p:graphicFrame>
       <p:graphicFrame>
         <p:nvGraphicFramePr>
-          <p:cNvPr id="239" name="Shape 239"/>
+          <p:cNvPr id="246" name="Shape 246"/>
           <p:cNvGraphicFramePr/>
           <p:nvPr/>
         </p:nvGraphicFramePr>
@@ -17732,7 +18651,7 @@
             <a:tbl>
               <a:tblPr bandRow="1" firstRow="1">
                 <a:noFill/>
-                <a:tableStyleId>{84846AA4-6204-462E-8264-AA14E084369C}</a:tableStyleId>
+                <a:tableStyleId>{EC01E181-A2EB-4580-B44C-E1C060328DCB}</a:tableStyleId>
               </a:tblPr>
               <a:tblGrid>
                 <a:gridCol w="10223700"/>
@@ -17896,7 +18815,7 @@
       </p:graphicFrame>
       <p:graphicFrame>
         <p:nvGraphicFramePr>
-          <p:cNvPr id="240" name="Shape 240"/>
+          <p:cNvPr id="247" name="Shape 247"/>
           <p:cNvGraphicFramePr/>
           <p:nvPr/>
         </p:nvGraphicFramePr>
@@ -17909,7 +18828,7 @@
             <a:tbl>
               <a:tblPr bandRow="1" firstRow="1">
                 <a:noFill/>
-                <a:tableStyleId>{A518A233-1B98-48DA-A8A0-F5F169A7F5E3}</a:tableStyleId>
+                <a:tableStyleId>{AD1DD3F9-4973-4700-9D6A-F6A61AF53CDD}</a:tableStyleId>
               </a:tblPr>
               <a:tblGrid>
                 <a:gridCol w="10223700"/>
@@ -18082,12 +19001,12 @@
 </p:sld>
 </file>
 
-<file path=ppt/slides/slide15.xml><?xml version="1.0" encoding="utf-8"?>
+<file path=ppt/slides/slide16.xml><?xml version="1.0" encoding="utf-8"?>
 <p:sld xmlns:a="http://schemas.openxmlformats.org/drawingml/2006/main" xmlns:r="http://schemas.openxmlformats.org/officeDocument/2006/relationships" xmlns:mc="http://schemas.openxmlformats.org/markup-compatibility/2006" xmlns:mv="urn:schemas-microsoft-com:mac:vml" xmlns:p="http://schemas.openxmlformats.org/presentationml/2006/main" xmlns:c="http://schemas.openxmlformats.org/drawingml/2006/chart" xmlns:dgm="http://schemas.openxmlformats.org/drawingml/2006/diagram" xmlns:o="urn:schemas-microsoft-com:office:office" xmlns:v="urn:schemas-microsoft-com:vml" xmlns:pvml="urn:schemas-microsoft-com:office:powerpoint" xmlns:com="http://schemas.openxmlformats.org/drawingml/2006/compatibility" xmlns:p14="http://schemas.microsoft.com/office/powerpoint/2010/main">
   <p:cSld>
     <p:spTree>
       <p:nvGrpSpPr>
-        <p:cNvPr id="244" name="Shape 244"/>
+        <p:cNvPr id="251" name="Shape 251"/>
         <p:cNvGrpSpPr/>
         <p:nvPr/>
       </p:nvGrpSpPr>
@@ -18101,7 +19020,7 @@
       </p:grpSpPr>
       <p:cxnSp>
         <p:nvCxnSpPr>
-          <p:cNvPr id="245" name="Shape 245"/>
+          <p:cNvPr id="252" name="Shape 252"/>
           <p:cNvCxnSpPr/>
           <p:nvPr/>
         </p:nvCxnSpPr>
@@ -18129,7 +19048,7 @@
       </p:cxnSp>
       <p:grpSp>
         <p:nvGrpSpPr>
-          <p:cNvPr id="246" name="Shape 246"/>
+          <p:cNvPr id="253" name="Shape 253"/>
           <p:cNvGrpSpPr/>
           <p:nvPr/>
         </p:nvGrpSpPr>
@@ -18143,7 +19062,7 @@
         </p:grpSpPr>
         <p:grpSp>
           <p:nvGrpSpPr>
-            <p:cNvPr id="247" name="Shape 247"/>
+            <p:cNvPr id="254" name="Shape 254"/>
             <p:cNvGrpSpPr/>
             <p:nvPr/>
           </p:nvGrpSpPr>
@@ -18157,7 +19076,7 @@
           </p:grpSpPr>
           <p:grpSp>
             <p:nvGrpSpPr>
-              <p:cNvPr id="248" name="Shape 248"/>
+              <p:cNvPr id="255" name="Shape 255"/>
               <p:cNvGrpSpPr/>
               <p:nvPr/>
             </p:nvGrpSpPr>
@@ -18171,7 +19090,7 @@
             </p:grpSpPr>
             <p:sp>
               <p:nvSpPr>
-                <p:cNvPr id="249" name="Shape 249"/>
+                <p:cNvPr id="256" name="Shape 256"/>
                 <p:cNvSpPr/>
                 <p:nvPr/>
               </p:nvSpPr>
@@ -18226,7 +19145,7 @@
             </p:sp>
             <p:grpSp>
               <p:nvGrpSpPr>
-                <p:cNvPr id="250" name="Shape 250"/>
+                <p:cNvPr id="257" name="Shape 257"/>
                 <p:cNvGrpSpPr/>
                 <p:nvPr/>
               </p:nvGrpSpPr>
@@ -18240,7 +19159,7 @@
               </p:grpSpPr>
               <p:grpSp>
                 <p:nvGrpSpPr>
-                  <p:cNvPr id="251" name="Shape 251"/>
+                  <p:cNvPr id="258" name="Shape 258"/>
                   <p:cNvGrpSpPr/>
                   <p:nvPr/>
                 </p:nvGrpSpPr>
@@ -18254,7 +19173,7 @@
                 </p:grpSpPr>
                 <p:grpSp>
                   <p:nvGrpSpPr>
-                    <p:cNvPr id="252" name="Shape 252"/>
+                    <p:cNvPr id="259" name="Shape 259"/>
                     <p:cNvGrpSpPr/>
                     <p:nvPr/>
                   </p:nvGrpSpPr>
@@ -18268,7 +19187,7 @@
                   </p:grpSpPr>
                   <p:cxnSp>
                     <p:nvCxnSpPr>
-                      <p:cNvPr id="253" name="Shape 253"/>
+                      <p:cNvPr id="260" name="Shape 260"/>
                       <p:cNvCxnSpPr/>
                       <p:nvPr/>
                     </p:nvCxnSpPr>
@@ -18294,7 +19213,7 @@
                   </p:cxnSp>
                   <p:cxnSp>
                     <p:nvCxnSpPr>
-                      <p:cNvPr id="254" name="Shape 254"/>
+                      <p:cNvPr id="261" name="Shape 261"/>
                       <p:cNvCxnSpPr/>
                       <p:nvPr/>
                     </p:nvCxnSpPr>
@@ -18320,7 +19239,7 @@
                   </p:cxnSp>
                   <p:cxnSp>
                     <p:nvCxnSpPr>
-                      <p:cNvPr id="255" name="Shape 255"/>
+                      <p:cNvPr id="262" name="Shape 262"/>
                       <p:cNvCxnSpPr/>
                       <p:nvPr/>
                     </p:nvCxnSpPr>
@@ -18346,7 +19265,7 @@
                   </p:cxnSp>
                   <p:cxnSp>
                     <p:nvCxnSpPr>
-                      <p:cNvPr id="256" name="Shape 256"/>
+                      <p:cNvPr id="263" name="Shape 263"/>
                       <p:cNvCxnSpPr/>
                       <p:nvPr/>
                     </p:nvCxnSpPr>
@@ -18372,7 +19291,7 @@
                   </p:cxnSp>
                   <p:cxnSp>
                     <p:nvCxnSpPr>
-                      <p:cNvPr id="257" name="Shape 257"/>
+                      <p:cNvPr id="264" name="Shape 264"/>
                       <p:cNvCxnSpPr/>
                       <p:nvPr/>
                     </p:nvCxnSpPr>
@@ -18398,7 +19317,7 @@
                   </p:cxnSp>
                   <p:cxnSp>
                     <p:nvCxnSpPr>
-                      <p:cNvPr id="258" name="Shape 258"/>
+                      <p:cNvPr id="265" name="Shape 265"/>
                       <p:cNvCxnSpPr/>
                       <p:nvPr/>
                     </p:nvCxnSpPr>
@@ -18424,7 +19343,7 @@
                   </p:cxnSp>
                   <p:cxnSp>
                     <p:nvCxnSpPr>
-                      <p:cNvPr id="259" name="Shape 259"/>
+                      <p:cNvPr id="266" name="Shape 266"/>
                       <p:cNvCxnSpPr/>
                       <p:nvPr/>
                     </p:nvCxnSpPr>
@@ -18450,7 +19369,7 @@
                   </p:cxnSp>
                   <p:cxnSp>
                     <p:nvCxnSpPr>
-                      <p:cNvPr id="260" name="Shape 260"/>
+                      <p:cNvPr id="267" name="Shape 267"/>
                       <p:cNvCxnSpPr/>
                       <p:nvPr/>
                     </p:nvCxnSpPr>
@@ -18477,7 +19396,7 @@
                 </p:grpSp>
                 <p:sp>
                   <p:nvSpPr>
-                    <p:cNvPr id="261" name="Shape 261"/>
+                    <p:cNvPr id="268" name="Shape 268"/>
                     <p:cNvSpPr/>
                     <p:nvPr/>
                   </p:nvSpPr>
@@ -18532,7 +19451,7 @@
                 </p:sp>
                 <p:sp>
                   <p:nvSpPr>
-                    <p:cNvPr id="262" name="Shape 262"/>
+                    <p:cNvPr id="269" name="Shape 269"/>
                     <p:cNvSpPr/>
                     <p:nvPr/>
                   </p:nvSpPr>
@@ -18589,7 +19508,7 @@
                 </p:sp>
                 <p:sp>
                   <p:nvSpPr>
-                    <p:cNvPr id="263" name="Shape 263"/>
+                    <p:cNvPr id="270" name="Shape 270"/>
                     <p:cNvSpPr/>
                     <p:nvPr/>
                   </p:nvSpPr>
@@ -18644,7 +19563,7 @@
                 </p:sp>
                 <p:sp>
                   <p:nvSpPr>
-                    <p:cNvPr id="264" name="Shape 264"/>
+                    <p:cNvPr id="271" name="Shape 271"/>
                     <p:cNvSpPr/>
                     <p:nvPr/>
                   </p:nvSpPr>
@@ -18699,7 +19618,7 @@
                 </p:sp>
                 <p:sp>
                   <p:nvSpPr>
-                    <p:cNvPr id="265" name="Shape 265"/>
+                    <p:cNvPr id="272" name="Shape 272"/>
                     <p:cNvSpPr/>
                     <p:nvPr/>
                   </p:nvSpPr>
@@ -18755,7 +19674,7 @@
               </p:grpSp>
               <p:sp>
                 <p:nvSpPr>
-                  <p:cNvPr id="266" name="Shape 266"/>
+                  <p:cNvPr id="273" name="Shape 273"/>
                   <p:cNvSpPr/>
                   <p:nvPr/>
                 </p:nvSpPr>
@@ -18812,7 +19731,7 @@
           </p:grpSp>
           <p:sp>
             <p:nvSpPr>
-              <p:cNvPr id="267" name="Shape 267"/>
+              <p:cNvPr id="274" name="Shape 274"/>
               <p:cNvSpPr/>
               <p:nvPr/>
             </p:nvSpPr>
@@ -18868,7 +19787,7 @@
         </p:grpSp>
         <p:sp>
           <p:nvSpPr>
-            <p:cNvPr id="268" name="Shape 268"/>
+            <p:cNvPr id="275" name="Shape 275"/>
             <p:cNvSpPr/>
             <p:nvPr/>
           </p:nvSpPr>
@@ -18924,7 +19843,7 @@
       </p:grpSp>
       <p:cxnSp>
         <p:nvCxnSpPr>
-          <p:cNvPr id="269" name="Shape 269"/>
+          <p:cNvPr id="276" name="Shape 276"/>
           <p:cNvCxnSpPr/>
           <p:nvPr/>
         </p:nvCxnSpPr>
@@ -18952,7 +19871,7 @@
       </p:cxnSp>
       <p:sp>
         <p:nvSpPr>
-          <p:cNvPr id="270" name="Shape 270"/>
+          <p:cNvPr id="277" name="Shape 277"/>
           <p:cNvSpPr txBox="1"/>
           <p:nvPr>
             <p:ph type="title"/>
@@ -19029,12 +19948,12 @@
 </p:sld>
 </file>
 
-<file path=ppt/slides/slide16.xml><?xml version="1.0" encoding="utf-8"?>
+<file path=ppt/slides/slide17.xml><?xml version="1.0" encoding="utf-8"?>
 <p:sld xmlns:a="http://schemas.openxmlformats.org/drawingml/2006/main" xmlns:r="http://schemas.openxmlformats.org/officeDocument/2006/relationships" xmlns:mc="http://schemas.openxmlformats.org/markup-compatibility/2006" xmlns:mv="urn:schemas-microsoft-com:mac:vml" xmlns:p="http://schemas.openxmlformats.org/presentationml/2006/main" xmlns:c="http://schemas.openxmlformats.org/drawingml/2006/chart" xmlns:dgm="http://schemas.openxmlformats.org/drawingml/2006/diagram" xmlns:o="urn:schemas-microsoft-com:office:office" xmlns:v="urn:schemas-microsoft-com:vml" xmlns:pvml="urn:schemas-microsoft-com:office:powerpoint" xmlns:com="http://schemas.openxmlformats.org/drawingml/2006/compatibility" xmlns:p14="http://schemas.microsoft.com/office/powerpoint/2010/main">
   <p:cSld>
     <p:spTree>
       <p:nvGrpSpPr>
-        <p:cNvPr id="274" name="Shape 274"/>
+        <p:cNvPr id="281" name="Shape 281"/>
         <p:cNvGrpSpPr/>
         <p:nvPr/>
       </p:nvGrpSpPr>
@@ -19048,7 +19967,7 @@
       </p:grpSpPr>
       <p:sp>
         <p:nvSpPr>
-          <p:cNvPr id="275" name="Shape 275"/>
+          <p:cNvPr id="282" name="Shape 282"/>
           <p:cNvSpPr txBox="1"/>
           <p:nvPr>
             <p:ph type="title"/>
@@ -19116,7 +20035,7 @@
       </p:sp>
       <p:sp>
         <p:nvSpPr>
-          <p:cNvPr id="276" name="Shape 276"/>
+          <p:cNvPr id="283" name="Shape 283"/>
           <p:cNvSpPr txBox="1"/>
           <p:nvPr>
             <p:ph idx="1" type="body"/>
@@ -19205,7 +20124,7 @@
       </p:sp>
       <p:graphicFrame>
         <p:nvGraphicFramePr>
-          <p:cNvPr id="277" name="Shape 277"/>
+          <p:cNvPr id="284" name="Shape 284"/>
           <p:cNvGraphicFramePr/>
           <p:nvPr/>
         </p:nvGraphicFramePr>
@@ -19218,7 +20137,7 @@
             <a:tbl>
               <a:tblPr bandRow="1" firstRow="1">
                 <a:noFill/>
-                <a:tableStyleId>{D7EA8E5C-DA59-4D42-AA45-F1BE54886B60}</a:tableStyleId>
+                <a:tableStyleId>{0095B6C9-28A5-4F2E-9B23-9E1CD5B9DCE1}</a:tableStyleId>
               </a:tblPr>
               <a:tblGrid>
                 <a:gridCol w="10223700"/>
@@ -19411,7 +20330,7 @@
       </p:graphicFrame>
       <p:graphicFrame>
         <p:nvGraphicFramePr>
-          <p:cNvPr id="278" name="Shape 278"/>
+          <p:cNvPr id="285" name="Shape 285"/>
           <p:cNvGraphicFramePr/>
           <p:nvPr/>
         </p:nvGraphicFramePr>
@@ -19424,7 +20343,7 @@
             <a:tbl>
               <a:tblPr bandRow="1" firstRow="1">
                 <a:noFill/>
-                <a:tableStyleId>{9B4221EC-0C05-41CB-9CCE-D651D18AB428}</a:tableStyleId>
+                <a:tableStyleId>{63DE2FD2-7A08-4595-A970-C3C8DE1F0C65}</a:tableStyleId>
               </a:tblPr>
               <a:tblGrid>
                 <a:gridCol w="10223700"/>
@@ -19588,7 +20507,7 @@
       </p:graphicFrame>
       <p:graphicFrame>
         <p:nvGraphicFramePr>
-          <p:cNvPr id="279" name="Shape 279"/>
+          <p:cNvPr id="286" name="Shape 286"/>
           <p:cNvGraphicFramePr/>
           <p:nvPr/>
         </p:nvGraphicFramePr>
@@ -19601,7 +20520,7 @@
             <a:tbl>
               <a:tblPr bandRow="1" firstRow="1">
                 <a:noFill/>
-                <a:tableStyleId>{47CE135D-668D-4E72-B07D-201EAA4CB727}</a:tableStyleId>
+                <a:tableStyleId>{C80AB4EE-CBFE-42A9-B7DB-994FEE75248D}</a:tableStyleId>
               </a:tblPr>
               <a:tblGrid>
                 <a:gridCol w="10223700"/>
@@ -19774,12 +20693,12 @@
 </p:sld>
 </file>
 
-<file path=ppt/slides/slide17.xml><?xml version="1.0" encoding="utf-8"?>
+<file path=ppt/slides/slide18.xml><?xml version="1.0" encoding="utf-8"?>
 <p:sld xmlns:a="http://schemas.openxmlformats.org/drawingml/2006/main" xmlns:r="http://schemas.openxmlformats.org/officeDocument/2006/relationships" xmlns:mc="http://schemas.openxmlformats.org/markup-compatibility/2006" xmlns:mv="urn:schemas-microsoft-com:mac:vml" xmlns:p="http://schemas.openxmlformats.org/presentationml/2006/main" xmlns:c="http://schemas.openxmlformats.org/drawingml/2006/chart" xmlns:dgm="http://schemas.openxmlformats.org/drawingml/2006/diagram" xmlns:o="urn:schemas-microsoft-com:office:office" xmlns:v="urn:schemas-microsoft-com:vml" xmlns:pvml="urn:schemas-microsoft-com:office:powerpoint" xmlns:com="http://schemas.openxmlformats.org/drawingml/2006/compatibility" xmlns:p14="http://schemas.microsoft.com/office/powerpoint/2010/main">
   <p:cSld>
     <p:spTree>
       <p:nvGrpSpPr>
-        <p:cNvPr id="283" name="Shape 283"/>
+        <p:cNvPr id="290" name="Shape 290"/>
         <p:cNvGrpSpPr/>
         <p:nvPr/>
       </p:nvGrpSpPr>
@@ -19793,7 +20712,7 @@
       </p:grpSpPr>
       <p:sp>
         <p:nvSpPr>
-          <p:cNvPr id="284" name="Shape 284"/>
+          <p:cNvPr id="291" name="Shape 291"/>
           <p:cNvSpPr txBox="1"/>
           <p:nvPr>
             <p:ph type="title"/>
@@ -19861,7 +20780,7 @@
       </p:sp>
       <p:grpSp>
         <p:nvGrpSpPr>
-          <p:cNvPr id="285" name="Shape 285"/>
+          <p:cNvPr id="292" name="Shape 292"/>
           <p:cNvGrpSpPr/>
           <p:nvPr/>
         </p:nvGrpSpPr>
@@ -19875,7 +20794,7 @@
         </p:grpSpPr>
         <p:grpSp>
           <p:nvGrpSpPr>
-            <p:cNvPr id="286" name="Shape 286"/>
+            <p:cNvPr id="293" name="Shape 293"/>
             <p:cNvGrpSpPr/>
             <p:nvPr/>
           </p:nvGrpSpPr>
@@ -19889,7 +20808,7 @@
           </p:grpSpPr>
           <p:grpSp>
             <p:nvGrpSpPr>
-              <p:cNvPr id="287" name="Shape 287"/>
+              <p:cNvPr id="294" name="Shape 294"/>
               <p:cNvGrpSpPr/>
               <p:nvPr/>
             </p:nvGrpSpPr>
@@ -19903,7 +20822,7 @@
             </p:grpSpPr>
             <p:sp>
               <p:nvSpPr>
-                <p:cNvPr id="288" name="Shape 288"/>
+                <p:cNvPr id="295" name="Shape 295"/>
                 <p:cNvSpPr/>
                 <p:nvPr/>
               </p:nvSpPr>
@@ -19958,7 +20877,7 @@
             </p:sp>
             <p:grpSp>
               <p:nvGrpSpPr>
-                <p:cNvPr id="289" name="Shape 289"/>
+                <p:cNvPr id="296" name="Shape 296"/>
                 <p:cNvGrpSpPr/>
                 <p:nvPr/>
               </p:nvGrpSpPr>
@@ -19972,7 +20891,7 @@
               </p:grpSpPr>
               <p:grpSp>
                 <p:nvGrpSpPr>
-                  <p:cNvPr id="290" name="Shape 290"/>
+                  <p:cNvPr id="297" name="Shape 297"/>
                   <p:cNvGrpSpPr/>
                   <p:nvPr/>
                 </p:nvGrpSpPr>
@@ -19986,7 +20905,7 @@
                 </p:grpSpPr>
                 <p:grpSp>
                   <p:nvGrpSpPr>
-                    <p:cNvPr id="291" name="Shape 291"/>
+                    <p:cNvPr id="298" name="Shape 298"/>
                     <p:cNvGrpSpPr/>
                     <p:nvPr/>
                   </p:nvGrpSpPr>
@@ -20000,7 +20919,7 @@
                   </p:grpSpPr>
                   <p:cxnSp>
                     <p:nvCxnSpPr>
-                      <p:cNvPr id="292" name="Shape 292"/>
+                      <p:cNvPr id="299" name="Shape 299"/>
                       <p:cNvCxnSpPr/>
                       <p:nvPr/>
                     </p:nvCxnSpPr>
@@ -20026,7 +20945,7 @@
                   </p:cxnSp>
                   <p:cxnSp>
                     <p:nvCxnSpPr>
-                      <p:cNvPr id="293" name="Shape 293"/>
+                      <p:cNvPr id="300" name="Shape 300"/>
                       <p:cNvCxnSpPr/>
                       <p:nvPr/>
                     </p:nvCxnSpPr>
@@ -20052,7 +20971,7 @@
                   </p:cxnSp>
                   <p:cxnSp>
                     <p:nvCxnSpPr>
-                      <p:cNvPr id="294" name="Shape 294"/>
+                      <p:cNvPr id="301" name="Shape 301"/>
                       <p:cNvCxnSpPr/>
                       <p:nvPr/>
                     </p:nvCxnSpPr>
@@ -20078,7 +20997,7 @@
                   </p:cxnSp>
                   <p:cxnSp>
                     <p:nvCxnSpPr>
-                      <p:cNvPr id="295" name="Shape 295"/>
+                      <p:cNvPr id="302" name="Shape 302"/>
                       <p:cNvCxnSpPr/>
                       <p:nvPr/>
                     </p:nvCxnSpPr>
@@ -20104,7 +21023,7 @@
                   </p:cxnSp>
                   <p:cxnSp>
                     <p:nvCxnSpPr>
-                      <p:cNvPr id="296" name="Shape 296"/>
+                      <p:cNvPr id="303" name="Shape 303"/>
                       <p:cNvCxnSpPr/>
                       <p:nvPr/>
                     </p:nvCxnSpPr>
@@ -20130,7 +21049,7 @@
                   </p:cxnSp>
                   <p:cxnSp>
                     <p:nvCxnSpPr>
-                      <p:cNvPr id="297" name="Shape 297"/>
+                      <p:cNvPr id="304" name="Shape 304"/>
                       <p:cNvCxnSpPr/>
                       <p:nvPr/>
                     </p:nvCxnSpPr>
@@ -20156,7 +21075,7 @@
                   </p:cxnSp>
                   <p:cxnSp>
                     <p:nvCxnSpPr>
-                      <p:cNvPr id="298" name="Shape 298"/>
+                      <p:cNvPr id="305" name="Shape 305"/>
                       <p:cNvCxnSpPr/>
                       <p:nvPr/>
                     </p:nvCxnSpPr>
@@ -20182,7 +21101,7 @@
                   </p:cxnSp>
                   <p:cxnSp>
                     <p:nvCxnSpPr>
-                      <p:cNvPr id="299" name="Shape 299"/>
+                      <p:cNvPr id="306" name="Shape 306"/>
                       <p:cNvCxnSpPr/>
                       <p:nvPr/>
                     </p:nvCxnSpPr>
@@ -20209,7 +21128,7 @@
                 </p:grpSp>
                 <p:sp>
                   <p:nvSpPr>
-                    <p:cNvPr id="300" name="Shape 300"/>
+                    <p:cNvPr id="307" name="Shape 307"/>
                     <p:cNvSpPr/>
                     <p:nvPr/>
                   </p:nvSpPr>
@@ -20264,7 +21183,7 @@
                 </p:sp>
                 <p:sp>
                   <p:nvSpPr>
-                    <p:cNvPr id="301" name="Shape 301"/>
+                    <p:cNvPr id="308" name="Shape 308"/>
                     <p:cNvSpPr/>
                     <p:nvPr/>
                   </p:nvSpPr>
@@ -20321,7 +21240,7 @@
                 </p:sp>
                 <p:sp>
                   <p:nvSpPr>
-                    <p:cNvPr id="302" name="Shape 302"/>
+                    <p:cNvPr id="309" name="Shape 309"/>
                     <p:cNvSpPr/>
                     <p:nvPr/>
                   </p:nvSpPr>
@@ -20376,7 +21295,7 @@
                 </p:sp>
                 <p:sp>
                   <p:nvSpPr>
-                    <p:cNvPr id="303" name="Shape 303"/>
+                    <p:cNvPr id="310" name="Shape 310"/>
                     <p:cNvSpPr/>
                     <p:nvPr/>
                   </p:nvSpPr>
@@ -20431,7 +21350,7 @@
                 </p:sp>
                 <p:sp>
                   <p:nvSpPr>
-                    <p:cNvPr id="304" name="Shape 304"/>
+                    <p:cNvPr id="311" name="Shape 311"/>
                     <p:cNvSpPr/>
                     <p:nvPr/>
                   </p:nvSpPr>
@@ -20487,7 +21406,7 @@
               </p:grpSp>
               <p:sp>
                 <p:nvSpPr>
-                  <p:cNvPr id="305" name="Shape 305"/>
+                  <p:cNvPr id="312" name="Shape 312"/>
                   <p:cNvSpPr/>
                   <p:nvPr/>
                 </p:nvSpPr>
@@ -20544,7 +21463,7 @@
           </p:grpSp>
           <p:sp>
             <p:nvSpPr>
-              <p:cNvPr id="306" name="Shape 306"/>
+              <p:cNvPr id="313" name="Shape 313"/>
               <p:cNvSpPr/>
               <p:nvPr/>
             </p:nvSpPr>
@@ -20600,7 +21519,7 @@
         </p:grpSp>
         <p:sp>
           <p:nvSpPr>
-            <p:cNvPr id="307" name="Shape 307"/>
+            <p:cNvPr id="314" name="Shape 314"/>
             <p:cNvSpPr/>
             <p:nvPr/>
           </p:nvSpPr>
@@ -20656,7 +21575,7 @@
       </p:grpSp>
       <p:cxnSp>
         <p:nvCxnSpPr>
-          <p:cNvPr id="308" name="Shape 308"/>
+          <p:cNvPr id="315" name="Shape 315"/>
           <p:cNvCxnSpPr/>
           <p:nvPr/>
         </p:nvCxnSpPr>
@@ -20684,7 +21603,7 @@
       </p:cxnSp>
       <p:cxnSp>
         <p:nvCxnSpPr>
-          <p:cNvPr id="309" name="Shape 309"/>
+          <p:cNvPr id="316" name="Shape 316"/>
           <p:cNvCxnSpPr/>
           <p:nvPr/>
         </p:nvCxnSpPr>
@@ -20712,7 +21631,7 @@
       </p:cxnSp>
       <p:sp>
         <p:nvSpPr>
-          <p:cNvPr id="310" name="Shape 310"/>
+          <p:cNvPr id="317" name="Shape 317"/>
           <p:cNvSpPr/>
           <p:nvPr/>
         </p:nvSpPr>
@@ -20767,7 +21686,7 @@
       </p:sp>
       <p:cxnSp>
         <p:nvCxnSpPr>
-          <p:cNvPr id="311" name="Shape 311"/>
+          <p:cNvPr id="318" name="Shape 318"/>
           <p:cNvCxnSpPr/>
           <p:nvPr/>
         </p:nvCxnSpPr>
@@ -20804,12 +21723,12 @@
 </p:sld>
 </file>
 
-<file path=ppt/slides/slide18.xml><?xml version="1.0" encoding="utf-8"?>
+<file path=ppt/slides/slide19.xml><?xml version="1.0" encoding="utf-8"?>
 <p:sld xmlns:a="http://schemas.openxmlformats.org/drawingml/2006/main" xmlns:r="http://schemas.openxmlformats.org/officeDocument/2006/relationships" xmlns:mc="http://schemas.openxmlformats.org/markup-compatibility/2006" xmlns:mv="urn:schemas-microsoft-com:mac:vml" xmlns:p="http://schemas.openxmlformats.org/presentationml/2006/main" xmlns:c="http://schemas.openxmlformats.org/drawingml/2006/chart" xmlns:dgm="http://schemas.openxmlformats.org/drawingml/2006/diagram" xmlns:o="urn:schemas-microsoft-com:office:office" xmlns:v="urn:schemas-microsoft-com:vml" xmlns:pvml="urn:schemas-microsoft-com:office:powerpoint" xmlns:com="http://schemas.openxmlformats.org/drawingml/2006/compatibility" xmlns:p14="http://schemas.microsoft.com/office/powerpoint/2010/main">
   <p:cSld>
     <p:spTree>
       <p:nvGrpSpPr>
-        <p:cNvPr id="315" name="Shape 315"/>
+        <p:cNvPr id="322" name="Shape 322"/>
         <p:cNvGrpSpPr/>
         <p:nvPr/>
       </p:nvGrpSpPr>
@@ -20823,7 +21742,7 @@
       </p:grpSpPr>
       <p:sp>
         <p:nvSpPr>
-          <p:cNvPr id="316" name="Shape 316"/>
+          <p:cNvPr id="323" name="Shape 323"/>
           <p:cNvSpPr txBox="1"/>
           <p:nvPr>
             <p:ph idx="1" type="body"/>
@@ -20912,7 +21831,7 @@
       </p:sp>
       <p:graphicFrame>
         <p:nvGraphicFramePr>
-          <p:cNvPr id="317" name="Shape 317"/>
+          <p:cNvPr id="324" name="Shape 324"/>
           <p:cNvGraphicFramePr/>
           <p:nvPr/>
         </p:nvGraphicFramePr>
@@ -20925,7 +21844,7 @@
             <a:tbl>
               <a:tblPr bandRow="1" firstRow="1">
                 <a:noFill/>
-                <a:tableStyleId>{E2FA1867-E4F6-489B-ABEC-43AFD8656497}</a:tableStyleId>
+                <a:tableStyleId>{937E220B-6D86-4A13-9930-481233355261}</a:tableStyleId>
               </a:tblPr>
               <a:tblGrid>
                 <a:gridCol w="10223700"/>
@@ -21114,7 +22033,7 @@
       </p:graphicFrame>
       <p:graphicFrame>
         <p:nvGraphicFramePr>
-          <p:cNvPr id="318" name="Shape 318"/>
+          <p:cNvPr id="325" name="Shape 325"/>
           <p:cNvGraphicFramePr/>
           <p:nvPr/>
         </p:nvGraphicFramePr>
@@ -21127,7 +22046,7 @@
             <a:tbl>
               <a:tblPr bandRow="1" firstRow="1">
                 <a:noFill/>
-                <a:tableStyleId>{6BD44ECA-B690-4F6E-AFC3-E19A8DA6EB00}</a:tableStyleId>
+                <a:tableStyleId>{6D60C491-7403-4ED1-B77D-C03ABD5E5BE6}</a:tableStyleId>
               </a:tblPr>
               <a:tblGrid>
                 <a:gridCol w="10223700"/>
@@ -21316,7 +22235,7 @@
       </p:graphicFrame>
       <p:graphicFrame>
         <p:nvGraphicFramePr>
-          <p:cNvPr id="319" name="Shape 319"/>
+          <p:cNvPr id="326" name="Shape 326"/>
           <p:cNvGraphicFramePr/>
           <p:nvPr/>
         </p:nvGraphicFramePr>
@@ -21329,7 +22248,7 @@
             <a:tbl>
               <a:tblPr bandRow="1" firstRow="1">
                 <a:noFill/>
-                <a:tableStyleId>{812F8258-E1F2-436F-8932-397B3DD42BDD}</a:tableStyleId>
+                <a:tableStyleId>{151E2158-BEC1-40FD-BF80-3CE3733B2F81}</a:tableStyleId>
               </a:tblPr>
               <a:tblGrid>
                 <a:gridCol w="10223700"/>
@@ -21493,7 +22412,7 @@
       </p:graphicFrame>
       <p:sp>
         <p:nvSpPr>
-          <p:cNvPr id="320" name="Shape 320"/>
+          <p:cNvPr id="327" name="Shape 327"/>
           <p:cNvSpPr txBox="1"/>
           <p:nvPr>
             <p:ph type="title"/>
@@ -21570,12 +22489,12 @@
 </p:sld>
 </file>
 
-<file path=ppt/slides/slide19.xml><?xml version="1.0" encoding="utf-8"?>
+<file path=ppt/slides/slide2.xml><?xml version="1.0" encoding="utf-8"?>
 <p:sld xmlns:a="http://schemas.openxmlformats.org/drawingml/2006/main" xmlns:r="http://schemas.openxmlformats.org/officeDocument/2006/relationships" xmlns:mc="http://schemas.openxmlformats.org/markup-compatibility/2006" xmlns:mv="urn:schemas-microsoft-com:mac:vml" xmlns:p="http://schemas.openxmlformats.org/presentationml/2006/main" xmlns:c="http://schemas.openxmlformats.org/drawingml/2006/chart" xmlns:dgm="http://schemas.openxmlformats.org/drawingml/2006/diagram" xmlns:o="urn:schemas-microsoft-com:office:office" xmlns:v="urn:schemas-microsoft-com:vml" xmlns:pvml="urn:schemas-microsoft-com:office:powerpoint" xmlns:com="http://schemas.openxmlformats.org/drawingml/2006/compatibility" xmlns:p14="http://schemas.microsoft.com/office/powerpoint/2010/main">
   <p:cSld>
     <p:spTree>
       <p:nvGrpSpPr>
-        <p:cNvPr id="324" name="Shape 324"/>
+        <p:cNvPr id="108" name="Shape 108"/>
         <p:cNvGrpSpPr/>
         <p:nvPr/>
       </p:nvGrpSpPr>
@@ -21589,7 +22508,251 @@
       </p:grpSpPr>
       <p:sp>
         <p:nvSpPr>
-          <p:cNvPr id="325" name="Shape 325"/>
+          <p:cNvPr id="109" name="Shape 109"/>
+          <p:cNvSpPr txBox="1"/>
+          <p:nvPr>
+            <p:ph type="title"/>
+          </p:nvPr>
+        </p:nvSpPr>
+        <p:spPr>
+          <a:xfrm>
+            <a:off x="1097279" y="286603"/>
+            <a:ext cx="10058399" cy="1450799"/>
+          </a:xfrm>
+          <a:prstGeom prst="rect">
+            <a:avLst/>
+          </a:prstGeom>
+        </p:spPr>
+        <p:txBody>
+          <a:bodyPr anchorCtr="0" anchor="b" bIns="91425" lIns="91425" rIns="91425" tIns="91425">
+            <a:noAutofit/>
+          </a:bodyPr>
+          <a:lstStyle/>
+          <a:p>
+            <a:pPr indent="0" lvl="0" marL="0" marR="0" rtl="0" algn="l">
+              <a:lnSpc>
+                <a:spcPct val="85000"/>
+              </a:lnSpc>
+              <a:spcBef>
+                <a:spcPts val="0"/>
+              </a:spcBef>
+              <a:spcAft>
+                <a:spcPts val="0"/>
+              </a:spcAft>
+              <a:buClr>
+                <a:srgbClr val="3F3F3F"/>
+              </a:buClr>
+              <a:buSzPct val="25000"/>
+              <a:buFont typeface="Calibri"/>
+              <a:buNone/>
+            </a:pPr>
+            <a:r>
+              <a:rPr b="1" lang="fr-FR"/>
+              <a:t>PLAN</a:t>
+            </a:r>
+          </a:p>
+        </p:txBody>
+      </p:sp>
+      <p:sp>
+        <p:nvSpPr>
+          <p:cNvPr id="110" name="Shape 110"/>
+          <p:cNvSpPr txBox="1"/>
+          <p:nvPr>
+            <p:ph idx="1" type="body"/>
+          </p:nvPr>
+        </p:nvSpPr>
+        <p:spPr>
+          <a:xfrm>
+            <a:off x="1097279" y="1845733"/>
+            <a:ext cx="10058399" cy="4023299"/>
+          </a:xfrm>
+          <a:prstGeom prst="rect">
+            <a:avLst/>
+          </a:prstGeom>
+        </p:spPr>
+        <p:txBody>
+          <a:bodyPr anchorCtr="0" anchor="t" bIns="91425" lIns="91425" rIns="91425" tIns="91425">
+            <a:noAutofit/>
+          </a:bodyPr>
+          <a:lstStyle/>
+          <a:p>
+            <a:pPr indent="-228600" lvl="0" marL="457200" rtl="0">
+              <a:spcBef>
+                <a:spcPts val="0"/>
+              </a:spcBef>
+              <a:buClr>
+                <a:schemeClr val="dk2"/>
+              </a:buClr>
+              <a:buSzPct val="100000"/>
+            </a:pPr>
+            <a:r>
+              <a:rPr lang="fr-FR" sz="3000">
+                <a:solidFill>
+                  <a:schemeClr val="dk2"/>
+                </a:solidFill>
+              </a:rPr>
+              <a:t>Introduction</a:t>
+            </a:r>
+          </a:p>
+          <a:p>
+            <a:pPr indent="-228600" lvl="0" marL="457200" rtl="0">
+              <a:spcBef>
+                <a:spcPts val="0"/>
+              </a:spcBef>
+              <a:buClr>
+                <a:schemeClr val="dk2"/>
+              </a:buClr>
+              <a:buSzPct val="100000"/>
+            </a:pPr>
+            <a:r>
+              <a:rPr lang="fr-FR" sz="3000">
+                <a:solidFill>
+                  <a:schemeClr val="dk2"/>
+                </a:solidFill>
+              </a:rPr>
+              <a:t>Présentation générale et objectifs du projet</a:t>
+            </a:r>
+          </a:p>
+          <a:p>
+            <a:pPr indent="-228600" lvl="0" marL="457200" rtl="0">
+              <a:spcBef>
+                <a:spcPts val="0"/>
+              </a:spcBef>
+              <a:buClr>
+                <a:schemeClr val="dk2"/>
+              </a:buClr>
+              <a:buSzPct val="100000"/>
+            </a:pPr>
+            <a:r>
+              <a:rPr lang="fr-FR" sz="3000">
+                <a:solidFill>
+                  <a:schemeClr val="dk2"/>
+                </a:solidFill>
+              </a:rPr>
+              <a:t>Organisation du projet et deadlines</a:t>
+            </a:r>
+          </a:p>
+          <a:p>
+            <a:pPr indent="-228600" lvl="0" marL="457200" rtl="0">
+              <a:spcBef>
+                <a:spcPts val="0"/>
+              </a:spcBef>
+              <a:buClr>
+                <a:schemeClr val="dk2"/>
+              </a:buClr>
+              <a:buSzPct val="100000"/>
+            </a:pPr>
+            <a:r>
+              <a:rPr lang="fr-FR" sz="3000">
+                <a:solidFill>
+                  <a:schemeClr val="dk2"/>
+                </a:solidFill>
+              </a:rPr>
+              <a:t>Enseignants/encadrants</a:t>
+            </a:r>
+          </a:p>
+          <a:p>
+            <a:pPr indent="-228600" lvl="2" marL="1371600" rtl="0">
+              <a:spcBef>
+                <a:spcPts val="0"/>
+              </a:spcBef>
+              <a:buClr>
+                <a:schemeClr val="dk2"/>
+              </a:buClr>
+              <a:buSzPct val="100000"/>
+            </a:pPr>
+            <a:r>
+              <a:rPr lang="fr-FR" sz="3000">
+                <a:solidFill>
+                  <a:schemeClr val="dk2"/>
+                </a:solidFill>
+              </a:rPr>
+              <a:t>Chef de projet et ses adjoint(e)s</a:t>
+            </a:r>
+          </a:p>
+          <a:p>
+            <a:pPr indent="-228600" lvl="2" marL="1371600" rtl="0">
+              <a:spcBef>
+                <a:spcPts val="0"/>
+              </a:spcBef>
+              <a:buClr>
+                <a:schemeClr val="dk2"/>
+              </a:buClr>
+              <a:buSzPct val="100000"/>
+            </a:pPr>
+            <a:r>
+              <a:rPr lang="fr-FR" sz="3000">
+                <a:solidFill>
+                  <a:schemeClr val="dk2"/>
+                </a:solidFill>
+              </a:rPr>
+              <a:t>Groupes de travail</a:t>
+            </a:r>
+          </a:p>
+          <a:p>
+            <a:pPr indent="-228600" lvl="0" marL="457200" rtl="0">
+              <a:spcBef>
+                <a:spcPts val="0"/>
+              </a:spcBef>
+              <a:buClr>
+                <a:schemeClr val="dk2"/>
+              </a:buClr>
+              <a:buSzPct val="100000"/>
+            </a:pPr>
+            <a:r>
+              <a:rPr lang="fr-FR" sz="3000">
+                <a:solidFill>
+                  <a:schemeClr val="dk2"/>
+                </a:solidFill>
+              </a:rPr>
+              <a:t>Description des groupes</a:t>
+            </a:r>
+          </a:p>
+          <a:p>
+            <a:pPr lvl="0" rtl="0">
+              <a:spcBef>
+                <a:spcPts val="0"/>
+              </a:spcBef>
+              <a:buNone/>
+            </a:pPr>
+            <a:r>
+              <a:t/>
+            </a:r>
+            <a:endParaRPr sz="2400"/>
+          </a:p>
+        </p:txBody>
+      </p:sp>
+    </p:spTree>
+  </p:cSld>
+  <p:clrMapOvr>
+    <a:masterClrMapping/>
+  </p:clrMapOvr>
+  <p:transition spd="slow">
+    <p:cut/>
+  </p:transition>
+</p:sld>
+</file>
+
+<file path=ppt/slides/slide20.xml><?xml version="1.0" encoding="utf-8"?>
+<p:sld xmlns:a="http://schemas.openxmlformats.org/drawingml/2006/main" xmlns:r="http://schemas.openxmlformats.org/officeDocument/2006/relationships" xmlns:mc="http://schemas.openxmlformats.org/markup-compatibility/2006" xmlns:mv="urn:schemas-microsoft-com:mac:vml" xmlns:p="http://schemas.openxmlformats.org/presentationml/2006/main" xmlns:c="http://schemas.openxmlformats.org/drawingml/2006/chart" xmlns:dgm="http://schemas.openxmlformats.org/drawingml/2006/diagram" xmlns:o="urn:schemas-microsoft-com:office:office" xmlns:v="urn:schemas-microsoft-com:vml" xmlns:pvml="urn:schemas-microsoft-com:office:powerpoint" xmlns:com="http://schemas.openxmlformats.org/drawingml/2006/compatibility" xmlns:p14="http://schemas.microsoft.com/office/powerpoint/2010/main">
+  <p:cSld>
+    <p:spTree>
+      <p:nvGrpSpPr>
+        <p:cNvPr id="331" name="Shape 331"/>
+        <p:cNvGrpSpPr/>
+        <p:nvPr/>
+      </p:nvGrpSpPr>
+      <p:grpSpPr>
+        <a:xfrm>
+          <a:off x="0" y="0"/>
+          <a:ext cx="0" cy="0"/>
+          <a:chOff x="0" y="0"/>
+          <a:chExt cx="0" cy="0"/>
+        </a:xfrm>
+      </p:grpSpPr>
+      <p:sp>
+        <p:nvSpPr>
+          <p:cNvPr id="332" name="Shape 332"/>
           <p:cNvSpPr txBox="1"/>
           <p:nvPr>
             <p:ph type="title"/>
@@ -21657,7 +22820,7 @@
       </p:sp>
       <p:grpSp>
         <p:nvGrpSpPr>
-          <p:cNvPr id="326" name="Shape 326"/>
+          <p:cNvPr id="333" name="Shape 333"/>
           <p:cNvGrpSpPr/>
           <p:nvPr/>
         </p:nvGrpSpPr>
@@ -21671,7 +22834,7 @@
         </p:grpSpPr>
         <p:grpSp>
           <p:nvGrpSpPr>
-            <p:cNvPr id="327" name="Shape 327"/>
+            <p:cNvPr id="334" name="Shape 334"/>
             <p:cNvGrpSpPr/>
             <p:nvPr/>
           </p:nvGrpSpPr>
@@ -21685,7 +22848,7 @@
           </p:grpSpPr>
           <p:cxnSp>
             <p:nvCxnSpPr>
-              <p:cNvPr id="328" name="Shape 328"/>
+              <p:cNvPr id="335" name="Shape 335"/>
               <p:cNvCxnSpPr/>
               <p:nvPr/>
             </p:nvCxnSpPr>
@@ -21713,7 +22876,7 @@
           </p:cxnSp>
           <p:grpSp>
             <p:nvGrpSpPr>
-              <p:cNvPr id="329" name="Shape 329"/>
+              <p:cNvPr id="336" name="Shape 336"/>
               <p:cNvGrpSpPr/>
               <p:nvPr/>
             </p:nvGrpSpPr>
@@ -21727,7 +22890,7 @@
             </p:grpSpPr>
             <p:grpSp>
               <p:nvGrpSpPr>
-                <p:cNvPr id="330" name="Shape 330"/>
+                <p:cNvPr id="337" name="Shape 337"/>
                 <p:cNvGrpSpPr/>
                 <p:nvPr/>
               </p:nvGrpSpPr>
@@ -21741,7 +22904,7 @@
               </p:grpSpPr>
               <p:grpSp>
                 <p:nvGrpSpPr>
-                  <p:cNvPr id="331" name="Shape 331"/>
+                  <p:cNvPr id="338" name="Shape 338"/>
                   <p:cNvGrpSpPr/>
                   <p:nvPr/>
                 </p:nvGrpSpPr>
@@ -21755,7 +22918,7 @@
                 </p:grpSpPr>
                 <p:sp>
                   <p:nvSpPr>
-                    <p:cNvPr id="332" name="Shape 332"/>
+                    <p:cNvPr id="339" name="Shape 339"/>
                     <p:cNvSpPr/>
                     <p:nvPr/>
                   </p:nvSpPr>
@@ -21810,7 +22973,7 @@
                 </p:sp>
                 <p:grpSp>
                   <p:nvGrpSpPr>
-                    <p:cNvPr id="333" name="Shape 333"/>
+                    <p:cNvPr id="340" name="Shape 340"/>
                     <p:cNvGrpSpPr/>
                     <p:nvPr/>
                   </p:nvGrpSpPr>
@@ -21824,7 +22987,7 @@
                   </p:grpSpPr>
                   <p:grpSp>
                     <p:nvGrpSpPr>
-                      <p:cNvPr id="334" name="Shape 334"/>
+                      <p:cNvPr id="341" name="Shape 341"/>
                       <p:cNvGrpSpPr/>
                       <p:nvPr/>
                     </p:nvGrpSpPr>
@@ -21838,7 +23001,7 @@
                     </p:grpSpPr>
                     <p:grpSp>
                       <p:nvGrpSpPr>
-                        <p:cNvPr id="335" name="Shape 335"/>
+                        <p:cNvPr id="342" name="Shape 342"/>
                         <p:cNvGrpSpPr/>
                         <p:nvPr/>
                       </p:nvGrpSpPr>
@@ -21852,7 +23015,7 @@
                       </p:grpSpPr>
                       <p:cxnSp>
                         <p:nvCxnSpPr>
-                          <p:cNvPr id="336" name="Shape 336"/>
+                          <p:cNvPr id="343" name="Shape 343"/>
                           <p:cNvCxnSpPr/>
                           <p:nvPr/>
                         </p:nvCxnSpPr>
@@ -21878,7 +23041,7 @@
                       </p:cxnSp>
                       <p:cxnSp>
                         <p:nvCxnSpPr>
-                          <p:cNvPr id="337" name="Shape 337"/>
+                          <p:cNvPr id="344" name="Shape 344"/>
                           <p:cNvCxnSpPr/>
                           <p:nvPr/>
                         </p:nvCxnSpPr>
@@ -21904,7 +23067,7 @@
                       </p:cxnSp>
                       <p:cxnSp>
                         <p:nvCxnSpPr>
-                          <p:cNvPr id="338" name="Shape 338"/>
+                          <p:cNvPr id="345" name="Shape 345"/>
                           <p:cNvCxnSpPr/>
                           <p:nvPr/>
                         </p:nvCxnSpPr>
@@ -21930,7 +23093,7 @@
                       </p:cxnSp>
                       <p:cxnSp>
                         <p:nvCxnSpPr>
-                          <p:cNvPr id="339" name="Shape 339"/>
+                          <p:cNvPr id="346" name="Shape 346"/>
                           <p:cNvCxnSpPr/>
                           <p:nvPr/>
                         </p:nvCxnSpPr>
@@ -21956,7 +23119,7 @@
                       </p:cxnSp>
                       <p:cxnSp>
                         <p:nvCxnSpPr>
-                          <p:cNvPr id="340" name="Shape 340"/>
+                          <p:cNvPr id="347" name="Shape 347"/>
                           <p:cNvCxnSpPr/>
                           <p:nvPr/>
                         </p:nvCxnSpPr>
@@ -21982,7 +23145,7 @@
                       </p:cxnSp>
                       <p:cxnSp>
                         <p:nvCxnSpPr>
-                          <p:cNvPr id="341" name="Shape 341"/>
+                          <p:cNvPr id="348" name="Shape 348"/>
                           <p:cNvCxnSpPr/>
                           <p:nvPr/>
                         </p:nvCxnSpPr>
@@ -22008,7 +23171,7 @@
                       </p:cxnSp>
                       <p:cxnSp>
                         <p:nvCxnSpPr>
-                          <p:cNvPr id="342" name="Shape 342"/>
+                          <p:cNvPr id="349" name="Shape 349"/>
                           <p:cNvCxnSpPr/>
                           <p:nvPr/>
                         </p:nvCxnSpPr>
@@ -22034,7 +23197,7 @@
                       </p:cxnSp>
                       <p:cxnSp>
                         <p:nvCxnSpPr>
-                          <p:cNvPr id="343" name="Shape 343"/>
+                          <p:cNvPr id="350" name="Shape 350"/>
                           <p:cNvCxnSpPr/>
                           <p:nvPr/>
                         </p:nvCxnSpPr>
@@ -22061,7 +23224,7 @@
                     </p:grpSp>
                     <p:sp>
                       <p:nvSpPr>
-                        <p:cNvPr id="344" name="Shape 344"/>
+                        <p:cNvPr id="351" name="Shape 351"/>
                         <p:cNvSpPr/>
                         <p:nvPr/>
                       </p:nvSpPr>
@@ -22116,7 +23279,7 @@
                     </p:sp>
                     <p:sp>
                       <p:nvSpPr>
-                        <p:cNvPr id="345" name="Shape 345"/>
+                        <p:cNvPr id="352" name="Shape 352"/>
                         <p:cNvSpPr/>
                         <p:nvPr/>
                       </p:nvSpPr>
@@ -22194,7 +23357,7 @@
                     </p:sp>
                     <p:sp>
                       <p:nvSpPr>
-                        <p:cNvPr id="346" name="Shape 346"/>
+                        <p:cNvPr id="353" name="Shape 353"/>
                         <p:cNvSpPr/>
                         <p:nvPr/>
                       </p:nvSpPr>
@@ -22249,7 +23412,7 @@
                     </p:sp>
                     <p:sp>
                       <p:nvSpPr>
-                        <p:cNvPr id="347" name="Shape 347"/>
+                        <p:cNvPr id="354" name="Shape 354"/>
                         <p:cNvSpPr/>
                         <p:nvPr/>
                       </p:nvSpPr>
@@ -22304,7 +23467,7 @@
                     </p:sp>
                     <p:sp>
                       <p:nvSpPr>
-                        <p:cNvPr id="348" name="Shape 348"/>
+                        <p:cNvPr id="355" name="Shape 355"/>
                         <p:cNvSpPr/>
                         <p:nvPr/>
                       </p:nvSpPr>
@@ -22360,7 +23523,7 @@
                   </p:grpSp>
                   <p:sp>
                     <p:nvSpPr>
-                      <p:cNvPr id="349" name="Shape 349"/>
+                      <p:cNvPr id="356" name="Shape 356"/>
                       <p:cNvSpPr/>
                       <p:nvPr/>
                     </p:nvSpPr>
@@ -22417,7 +23580,7 @@
               </p:grpSp>
               <p:sp>
                 <p:nvSpPr>
-                  <p:cNvPr id="350" name="Shape 350"/>
+                  <p:cNvPr id="357" name="Shape 357"/>
                   <p:cNvSpPr/>
                   <p:nvPr/>
                 </p:nvSpPr>
@@ -22473,7 +23636,7 @@
             </p:grpSp>
             <p:sp>
               <p:nvSpPr>
-                <p:cNvPr id="351" name="Shape 351"/>
+                <p:cNvPr id="358" name="Shape 358"/>
                 <p:cNvSpPr/>
                 <p:nvPr/>
               </p:nvSpPr>
@@ -22529,7 +23692,7 @@
           </p:grpSp>
           <p:cxnSp>
             <p:nvCxnSpPr>
-              <p:cNvPr id="352" name="Shape 352"/>
+              <p:cNvPr id="359" name="Shape 359"/>
               <p:cNvCxnSpPr/>
               <p:nvPr/>
             </p:nvCxnSpPr>
@@ -22557,7 +23720,7 @@
           </p:cxnSp>
           <p:sp>
             <p:nvSpPr>
-              <p:cNvPr id="353" name="Shape 353"/>
+              <p:cNvPr id="360" name="Shape 360"/>
               <p:cNvSpPr/>
               <p:nvPr/>
             </p:nvSpPr>
@@ -22612,7 +23775,7 @@
           </p:sp>
           <p:cxnSp>
             <p:nvCxnSpPr>
-              <p:cNvPr id="354" name="Shape 354"/>
+              <p:cNvPr id="361" name="Shape 361"/>
               <p:cNvCxnSpPr/>
               <p:nvPr/>
             </p:nvCxnSpPr>
@@ -22641,7 +23804,7 @@
         </p:grpSp>
         <p:sp>
           <p:nvSpPr>
-            <p:cNvPr id="355" name="Shape 355"/>
+            <p:cNvPr id="362" name="Shape 362"/>
             <p:cNvSpPr/>
             <p:nvPr/>
           </p:nvSpPr>
@@ -22696,7 +23859,7 @@
         </p:sp>
         <p:cxnSp>
           <p:nvCxnSpPr>
-            <p:cNvPr id="356" name="Shape 356"/>
+            <p:cNvPr id="363" name="Shape 363"/>
             <p:cNvCxnSpPr/>
             <p:nvPr/>
           </p:nvCxnSpPr>
@@ -22734,12 +23897,12 @@
 </p:sld>
 </file>
 
-<file path=ppt/slides/slide2.xml><?xml version="1.0" encoding="utf-8"?>
+<file path=ppt/slides/slide21.xml><?xml version="1.0" encoding="utf-8"?>
 <p:sld xmlns:a="http://schemas.openxmlformats.org/drawingml/2006/main" xmlns:r="http://schemas.openxmlformats.org/officeDocument/2006/relationships" xmlns:mc="http://schemas.openxmlformats.org/markup-compatibility/2006" xmlns:mv="urn:schemas-microsoft-com:mac:vml" xmlns:p="http://schemas.openxmlformats.org/presentationml/2006/main" xmlns:c="http://schemas.openxmlformats.org/drawingml/2006/chart" xmlns:dgm="http://schemas.openxmlformats.org/drawingml/2006/diagram" xmlns:o="urn:schemas-microsoft-com:office:office" xmlns:v="urn:schemas-microsoft-com:vml" xmlns:pvml="urn:schemas-microsoft-com:office:powerpoint" xmlns:com="http://schemas.openxmlformats.org/drawingml/2006/compatibility" xmlns:p14="http://schemas.microsoft.com/office/powerpoint/2010/main">
   <p:cSld>
     <p:spTree>
       <p:nvGrpSpPr>
-        <p:cNvPr id="108" name="Shape 108"/>
+        <p:cNvPr id="368" name="Shape 368"/>
         <p:cNvGrpSpPr/>
         <p:nvPr/>
       </p:nvGrpSpPr>
@@ -22753,248 +23916,7 @@
       </p:grpSpPr>
       <p:sp>
         <p:nvSpPr>
-          <p:cNvPr id="109" name="Shape 109"/>
-          <p:cNvSpPr txBox="1"/>
-          <p:nvPr>
-            <p:ph type="title"/>
-          </p:nvPr>
-        </p:nvSpPr>
-        <p:spPr>
-          <a:xfrm>
-            <a:off x="1097279" y="286603"/>
-            <a:ext cx="10058399" cy="1450799"/>
-          </a:xfrm>
-          <a:prstGeom prst="rect">
-            <a:avLst/>
-          </a:prstGeom>
-        </p:spPr>
-        <p:txBody>
-          <a:bodyPr anchorCtr="0" anchor="b" bIns="91425" lIns="91425" rIns="91425" tIns="91425">
-            <a:noAutofit/>
-          </a:bodyPr>
-          <a:lstStyle/>
-          <a:p>
-            <a:pPr indent="0" lvl="0" marL="0" marR="0" rtl="0" algn="l">
-              <a:lnSpc>
-                <a:spcPct val="85000"/>
-              </a:lnSpc>
-              <a:spcBef>
-                <a:spcPts val="0"/>
-              </a:spcBef>
-              <a:spcAft>
-                <a:spcPts val="0"/>
-              </a:spcAft>
-              <a:buClr>
-                <a:srgbClr val="3F3F3F"/>
-              </a:buClr>
-              <a:buSzPct val="25000"/>
-              <a:buFont typeface="Calibri"/>
-              <a:buNone/>
-            </a:pPr>
-            <a:r>
-              <a:rPr b="1" lang="fr-FR"/>
-              <a:t>PLAN</a:t>
-            </a:r>
-          </a:p>
-        </p:txBody>
-      </p:sp>
-      <p:sp>
-        <p:nvSpPr>
-          <p:cNvPr id="110" name="Shape 110"/>
-          <p:cNvSpPr txBox="1"/>
-          <p:nvPr>
-            <p:ph idx="1" type="body"/>
-          </p:nvPr>
-        </p:nvSpPr>
-        <p:spPr>
-          <a:xfrm>
-            <a:off x="1097279" y="1845733"/>
-            <a:ext cx="10058399" cy="4023299"/>
-          </a:xfrm>
-          <a:prstGeom prst="rect">
-            <a:avLst/>
-          </a:prstGeom>
-        </p:spPr>
-        <p:txBody>
-          <a:bodyPr anchorCtr="0" anchor="t" bIns="91425" lIns="91425" rIns="91425" tIns="91425">
-            <a:noAutofit/>
-          </a:bodyPr>
-          <a:lstStyle/>
-          <a:p>
-            <a:pPr indent="-228600" lvl="0" marL="457200" rtl="0">
-              <a:spcBef>
-                <a:spcPts val="0"/>
-              </a:spcBef>
-              <a:buClr>
-                <a:schemeClr val="dk2"/>
-              </a:buClr>
-              <a:buSzPct val="100000"/>
-            </a:pPr>
-            <a:r>
-              <a:rPr lang="fr-FR" sz="3000">
-                <a:solidFill>
-                  <a:schemeClr val="dk2"/>
-                </a:solidFill>
-              </a:rPr>
-              <a:t>Introduction</a:t>
-            </a:r>
-          </a:p>
-          <a:p>
-            <a:pPr indent="-228600" lvl="0" marL="457200" rtl="0">
-              <a:spcBef>
-                <a:spcPts val="0"/>
-              </a:spcBef>
-              <a:buClr>
-                <a:schemeClr val="dk2"/>
-              </a:buClr>
-              <a:buSzPct val="100000"/>
-            </a:pPr>
-            <a:r>
-              <a:rPr lang="fr-FR" sz="3000">
-                <a:solidFill>
-                  <a:schemeClr val="dk2"/>
-                </a:solidFill>
-              </a:rPr>
-              <a:t>Présentation générale et objectifs du projet</a:t>
-            </a:r>
-          </a:p>
-          <a:p>
-            <a:pPr indent="-228600" lvl="0" marL="457200" rtl="0">
-              <a:spcBef>
-                <a:spcPts val="0"/>
-              </a:spcBef>
-              <a:buClr>
-                <a:schemeClr val="dk2"/>
-              </a:buClr>
-              <a:buSzPct val="100000"/>
-            </a:pPr>
-            <a:r>
-              <a:rPr lang="fr-FR" sz="3000">
-                <a:solidFill>
-                  <a:schemeClr val="dk2"/>
-                </a:solidFill>
-              </a:rPr>
-              <a:t>Organisation du projet et deadlines</a:t>
-            </a:r>
-          </a:p>
-          <a:p>
-            <a:pPr indent="-228600" lvl="0" marL="457200" rtl="0">
-              <a:spcBef>
-                <a:spcPts val="0"/>
-              </a:spcBef>
-              <a:buClr>
-                <a:schemeClr val="dk2"/>
-              </a:buClr>
-              <a:buSzPct val="100000"/>
-            </a:pPr>
-            <a:r>
-              <a:rPr lang="fr-FR" sz="3000">
-                <a:solidFill>
-                  <a:schemeClr val="dk2"/>
-                </a:solidFill>
-              </a:rPr>
-              <a:t>Enseignants/encadrants</a:t>
-            </a:r>
-          </a:p>
-          <a:p>
-            <a:pPr indent="-228600" lvl="2" marL="1371600" rtl="0">
-              <a:spcBef>
-                <a:spcPts val="0"/>
-              </a:spcBef>
-              <a:buClr>
-                <a:schemeClr val="dk2"/>
-              </a:buClr>
-              <a:buSzPct val="100000"/>
-            </a:pPr>
-            <a:r>
-              <a:rPr lang="fr-FR" sz="3000">
-                <a:solidFill>
-                  <a:schemeClr val="dk2"/>
-                </a:solidFill>
-              </a:rPr>
-              <a:t>Chef de projet et ses adjoint(e)s</a:t>
-            </a:r>
-          </a:p>
-          <a:p>
-            <a:pPr indent="-228600" lvl="2" marL="1371600" rtl="0">
-              <a:spcBef>
-                <a:spcPts val="0"/>
-              </a:spcBef>
-              <a:buClr>
-                <a:schemeClr val="dk2"/>
-              </a:buClr>
-              <a:buSzPct val="100000"/>
-            </a:pPr>
-            <a:r>
-              <a:rPr lang="fr-FR" sz="3000">
-                <a:solidFill>
-                  <a:schemeClr val="dk2"/>
-                </a:solidFill>
-              </a:rPr>
-              <a:t>Groupes de travail</a:t>
-            </a:r>
-          </a:p>
-          <a:p>
-            <a:pPr indent="0" lvl="0" marL="0" rtl="0">
-              <a:spcBef>
-                <a:spcPts val="0"/>
-              </a:spcBef>
-              <a:buNone/>
-            </a:pPr>
-            <a:r>
-              <a:t/>
-            </a:r>
-            <a:endParaRPr sz="2400">
-              <a:solidFill>
-                <a:schemeClr val="dk2"/>
-              </a:solidFill>
-            </a:endParaRPr>
-          </a:p>
-          <a:p>
-            <a:pPr lvl="0" rtl="0">
-              <a:spcBef>
-                <a:spcPts val="0"/>
-              </a:spcBef>
-              <a:buNone/>
-            </a:pPr>
-            <a:r>
-              <a:t/>
-            </a:r>
-            <a:endParaRPr sz="2400"/>
-          </a:p>
-        </p:txBody>
-      </p:sp>
-    </p:spTree>
-  </p:cSld>
-  <p:clrMapOvr>
-    <a:masterClrMapping/>
-  </p:clrMapOvr>
-  <p:transition spd="slow">
-    <p:cut/>
-  </p:transition>
-</p:sld>
-</file>
-
-<file path=ppt/slides/slide20.xml><?xml version="1.0" encoding="utf-8"?>
-<p:sld xmlns:a="http://schemas.openxmlformats.org/drawingml/2006/main" xmlns:r="http://schemas.openxmlformats.org/officeDocument/2006/relationships" xmlns:mc="http://schemas.openxmlformats.org/markup-compatibility/2006" xmlns:mv="urn:schemas-microsoft-com:mac:vml" xmlns:p="http://schemas.openxmlformats.org/presentationml/2006/main" xmlns:c="http://schemas.openxmlformats.org/drawingml/2006/chart" xmlns:dgm="http://schemas.openxmlformats.org/drawingml/2006/diagram" xmlns:o="urn:schemas-microsoft-com:office:office" xmlns:v="urn:schemas-microsoft-com:vml" xmlns:pvml="urn:schemas-microsoft-com:office:powerpoint" xmlns:com="http://schemas.openxmlformats.org/drawingml/2006/compatibility" xmlns:p14="http://schemas.microsoft.com/office/powerpoint/2010/main">
-  <p:cSld>
-    <p:spTree>
-      <p:nvGrpSpPr>
-        <p:cNvPr id="361" name="Shape 361"/>
-        <p:cNvGrpSpPr/>
-        <p:nvPr/>
-      </p:nvGrpSpPr>
-      <p:grpSpPr>
-        <a:xfrm>
-          <a:off x="0" y="0"/>
-          <a:ext cx="0" cy="0"/>
-          <a:chOff x="0" y="0"/>
-          <a:chExt cx="0" cy="0"/>
-        </a:xfrm>
-      </p:grpSpPr>
-      <p:sp>
-        <p:nvSpPr>
-          <p:cNvPr id="362" name="Shape 362"/>
+          <p:cNvPr id="369" name="Shape 369"/>
           <p:cNvSpPr txBox="1"/>
           <p:nvPr>
             <p:ph type="title"/>
@@ -23062,7 +23984,7 @@
       </p:sp>
       <p:sp>
         <p:nvSpPr>
-          <p:cNvPr id="363" name="Shape 363"/>
+          <p:cNvPr id="370" name="Shape 370"/>
           <p:cNvSpPr txBox="1"/>
           <p:nvPr>
             <p:ph idx="1" type="body"/>
@@ -23151,7 +24073,7 @@
       </p:sp>
       <p:graphicFrame>
         <p:nvGraphicFramePr>
-          <p:cNvPr id="364" name="Shape 364"/>
+          <p:cNvPr id="371" name="Shape 371"/>
           <p:cNvGraphicFramePr/>
           <p:nvPr/>
         </p:nvGraphicFramePr>
@@ -23164,7 +24086,7 @@
             <a:tbl>
               <a:tblPr bandRow="1" firstRow="1">
                 <a:noFill/>
-                <a:tableStyleId>{610F5611-3C29-4C39-B50A-034686CDF2D3}</a:tableStyleId>
+                <a:tableStyleId>{2C1F897A-1A4A-47CC-B13A-C18150D1DED9}</a:tableStyleId>
               </a:tblPr>
               <a:tblGrid>
                 <a:gridCol w="10223700"/>
@@ -23353,7 +24275,7 @@
       </p:graphicFrame>
       <p:graphicFrame>
         <p:nvGraphicFramePr>
-          <p:cNvPr id="365" name="Shape 365"/>
+          <p:cNvPr id="372" name="Shape 372"/>
           <p:cNvGraphicFramePr/>
           <p:nvPr/>
         </p:nvGraphicFramePr>
@@ -23366,7 +24288,7 @@
             <a:tbl>
               <a:tblPr bandRow="1" firstRow="1">
                 <a:noFill/>
-                <a:tableStyleId>{FED84970-B727-4F3F-BB9D-D589D92078DF}</a:tableStyleId>
+                <a:tableStyleId>{EAF45EC9-A14E-4068-9D05-3F47775ED90C}</a:tableStyleId>
               </a:tblPr>
               <a:tblGrid>
                 <a:gridCol w="10223700"/>
@@ -23555,7 +24477,7 @@
       </p:graphicFrame>
       <p:graphicFrame>
         <p:nvGraphicFramePr>
-          <p:cNvPr id="366" name="Shape 366"/>
+          <p:cNvPr id="373" name="Shape 373"/>
           <p:cNvGraphicFramePr/>
           <p:nvPr/>
         </p:nvGraphicFramePr>
@@ -23568,7 +24490,7 @@
             <a:tbl>
               <a:tblPr bandRow="1" firstRow="1">
                 <a:noFill/>
-                <a:tableStyleId>{7F803860-64CB-4760-805F-F472A21FE20D}</a:tableStyleId>
+                <a:tableStyleId>{EABF2446-1220-4D90-BC10-4E47F7372791}</a:tableStyleId>
               </a:tblPr>
               <a:tblGrid>
                 <a:gridCol w="10223700"/>
@@ -23771,12 +24693,12 @@
 </p:sld>
 </file>
 
-<file path=ppt/slides/slide21.xml><?xml version="1.0" encoding="utf-8"?>
+<file path=ppt/slides/slide22.xml><?xml version="1.0" encoding="utf-8"?>
 <p:sld xmlns:a="http://schemas.openxmlformats.org/drawingml/2006/main" xmlns:r="http://schemas.openxmlformats.org/officeDocument/2006/relationships" xmlns:mc="http://schemas.openxmlformats.org/markup-compatibility/2006" xmlns:mv="urn:schemas-microsoft-com:mac:vml" xmlns:p="http://schemas.openxmlformats.org/presentationml/2006/main" xmlns:c="http://schemas.openxmlformats.org/drawingml/2006/chart" xmlns:dgm="http://schemas.openxmlformats.org/drawingml/2006/diagram" xmlns:o="urn:schemas-microsoft-com:office:office" xmlns:v="urn:schemas-microsoft-com:vml" xmlns:pvml="urn:schemas-microsoft-com:office:powerpoint" xmlns:com="http://schemas.openxmlformats.org/drawingml/2006/compatibility" xmlns:p14="http://schemas.microsoft.com/office/powerpoint/2010/main">
   <p:cSld>
     <p:spTree>
       <p:nvGrpSpPr>
-        <p:cNvPr id="370" name="Shape 370"/>
+        <p:cNvPr id="377" name="Shape 377"/>
         <p:cNvGrpSpPr/>
         <p:nvPr/>
       </p:nvGrpSpPr>
@@ -23790,7 +24712,7 @@
       </p:grpSpPr>
       <p:grpSp>
         <p:nvGrpSpPr>
-          <p:cNvPr id="371" name="Shape 371"/>
+          <p:cNvPr id="378" name="Shape 378"/>
           <p:cNvGrpSpPr/>
           <p:nvPr/>
         </p:nvGrpSpPr>
@@ -23804,7 +24726,7 @@
         </p:grpSpPr>
         <p:grpSp>
           <p:nvGrpSpPr>
-            <p:cNvPr id="372" name="Shape 372"/>
+            <p:cNvPr id="379" name="Shape 379"/>
             <p:cNvGrpSpPr/>
             <p:nvPr/>
           </p:nvGrpSpPr>
@@ -23818,7 +24740,7 @@
           </p:grpSpPr>
           <p:grpSp>
             <p:nvGrpSpPr>
-              <p:cNvPr id="373" name="Shape 373"/>
+              <p:cNvPr id="380" name="Shape 380"/>
               <p:cNvGrpSpPr/>
               <p:nvPr/>
             </p:nvGrpSpPr>
@@ -23832,7 +24754,7 @@
             </p:grpSpPr>
             <p:sp>
               <p:nvSpPr>
-                <p:cNvPr id="374" name="Shape 374"/>
+                <p:cNvPr id="381" name="Shape 381"/>
                 <p:cNvSpPr/>
                 <p:nvPr/>
               </p:nvSpPr>
@@ -23887,7 +24809,7 @@
             </p:sp>
             <p:grpSp>
               <p:nvGrpSpPr>
-                <p:cNvPr id="375" name="Shape 375"/>
+                <p:cNvPr id="382" name="Shape 382"/>
                 <p:cNvGrpSpPr/>
                 <p:nvPr/>
               </p:nvGrpSpPr>
@@ -23901,7 +24823,7 @@
               </p:grpSpPr>
               <p:grpSp>
                 <p:nvGrpSpPr>
-                  <p:cNvPr id="376" name="Shape 376"/>
+                  <p:cNvPr id="383" name="Shape 383"/>
                   <p:cNvGrpSpPr/>
                   <p:nvPr/>
                 </p:nvGrpSpPr>
@@ -23915,7 +24837,7 @@
                 </p:grpSpPr>
                 <p:grpSp>
                   <p:nvGrpSpPr>
-                    <p:cNvPr id="377" name="Shape 377"/>
+                    <p:cNvPr id="384" name="Shape 384"/>
                     <p:cNvGrpSpPr/>
                     <p:nvPr/>
                   </p:nvGrpSpPr>
@@ -23929,7 +24851,7 @@
                   </p:grpSpPr>
                   <p:cxnSp>
                     <p:nvCxnSpPr>
-                      <p:cNvPr id="378" name="Shape 378"/>
+                      <p:cNvPr id="385" name="Shape 385"/>
                       <p:cNvCxnSpPr/>
                       <p:nvPr/>
                     </p:nvCxnSpPr>
@@ -23955,7 +24877,7 @@
                   </p:cxnSp>
                   <p:cxnSp>
                     <p:nvCxnSpPr>
-                      <p:cNvPr id="379" name="Shape 379"/>
+                      <p:cNvPr id="386" name="Shape 386"/>
                       <p:cNvCxnSpPr/>
                       <p:nvPr/>
                     </p:nvCxnSpPr>
@@ -23981,7 +24903,7 @@
                   </p:cxnSp>
                   <p:cxnSp>
                     <p:nvCxnSpPr>
-                      <p:cNvPr id="380" name="Shape 380"/>
+                      <p:cNvPr id="387" name="Shape 387"/>
                       <p:cNvCxnSpPr/>
                       <p:nvPr/>
                     </p:nvCxnSpPr>
@@ -24007,7 +24929,7 @@
                   </p:cxnSp>
                   <p:cxnSp>
                     <p:nvCxnSpPr>
-                      <p:cNvPr id="381" name="Shape 381"/>
+                      <p:cNvPr id="388" name="Shape 388"/>
                       <p:cNvCxnSpPr/>
                       <p:nvPr/>
                     </p:nvCxnSpPr>
@@ -24033,7 +24955,7 @@
                   </p:cxnSp>
                   <p:cxnSp>
                     <p:nvCxnSpPr>
-                      <p:cNvPr id="382" name="Shape 382"/>
+                      <p:cNvPr id="389" name="Shape 389"/>
                       <p:cNvCxnSpPr/>
                       <p:nvPr/>
                     </p:nvCxnSpPr>
@@ -24059,7 +24981,7 @@
                   </p:cxnSp>
                   <p:cxnSp>
                     <p:nvCxnSpPr>
-                      <p:cNvPr id="383" name="Shape 383"/>
+                      <p:cNvPr id="390" name="Shape 390"/>
                       <p:cNvCxnSpPr/>
                       <p:nvPr/>
                     </p:nvCxnSpPr>
@@ -24085,7 +25007,7 @@
                   </p:cxnSp>
                   <p:cxnSp>
                     <p:nvCxnSpPr>
-                      <p:cNvPr id="384" name="Shape 384"/>
+                      <p:cNvPr id="391" name="Shape 391"/>
                       <p:cNvCxnSpPr/>
                       <p:nvPr/>
                     </p:nvCxnSpPr>
@@ -24111,7 +25033,7 @@
                   </p:cxnSp>
                   <p:cxnSp>
                     <p:nvCxnSpPr>
-                      <p:cNvPr id="385" name="Shape 385"/>
+                      <p:cNvPr id="392" name="Shape 392"/>
                       <p:cNvCxnSpPr/>
                       <p:nvPr/>
                     </p:nvCxnSpPr>
@@ -24138,7 +25060,7 @@
                 </p:grpSp>
                 <p:sp>
                   <p:nvSpPr>
-                    <p:cNvPr id="386" name="Shape 386"/>
+                    <p:cNvPr id="393" name="Shape 393"/>
                     <p:cNvSpPr/>
                     <p:nvPr/>
                   </p:nvSpPr>
@@ -24193,7 +25115,7 @@
                 </p:sp>
                 <p:sp>
                   <p:nvSpPr>
-                    <p:cNvPr id="387" name="Shape 387"/>
+                    <p:cNvPr id="394" name="Shape 394"/>
                     <p:cNvSpPr/>
                     <p:nvPr/>
                   </p:nvSpPr>
@@ -24271,7 +25193,7 @@
                 </p:sp>
                 <p:sp>
                   <p:nvSpPr>
-                    <p:cNvPr id="388" name="Shape 388"/>
+                    <p:cNvPr id="395" name="Shape 395"/>
                     <p:cNvSpPr/>
                     <p:nvPr/>
                   </p:nvSpPr>
@@ -24326,7 +25248,7 @@
                 </p:sp>
                 <p:sp>
                   <p:nvSpPr>
-                    <p:cNvPr id="389" name="Shape 389"/>
+                    <p:cNvPr id="396" name="Shape 396"/>
                     <p:cNvSpPr/>
                     <p:nvPr/>
                   </p:nvSpPr>
@@ -24381,7 +25303,7 @@
                 </p:sp>
                 <p:sp>
                   <p:nvSpPr>
-                    <p:cNvPr id="390" name="Shape 390"/>
+                    <p:cNvPr id="397" name="Shape 397"/>
                     <p:cNvSpPr/>
                     <p:nvPr/>
                   </p:nvSpPr>
@@ -24458,7 +25380,7 @@
               </p:grpSp>
               <p:sp>
                 <p:nvSpPr>
-                  <p:cNvPr id="391" name="Shape 391"/>
+                  <p:cNvPr id="398" name="Shape 398"/>
                   <p:cNvSpPr/>
                   <p:nvPr/>
                 </p:nvSpPr>
@@ -24515,7 +25437,7 @@
           </p:grpSp>
           <p:sp>
             <p:nvSpPr>
-              <p:cNvPr id="392" name="Shape 392"/>
+              <p:cNvPr id="399" name="Shape 399"/>
               <p:cNvSpPr/>
               <p:nvPr/>
             </p:nvSpPr>
@@ -24592,7 +25514,7 @@
         </p:grpSp>
         <p:cxnSp>
           <p:nvCxnSpPr>
-            <p:cNvPr id="393" name="Shape 393"/>
+            <p:cNvPr id="400" name="Shape 400"/>
             <p:cNvCxnSpPr/>
             <p:nvPr/>
           </p:nvCxnSpPr>
@@ -24618,7 +25540,7 @@
         </p:cxnSp>
         <p:sp>
           <p:nvSpPr>
-            <p:cNvPr id="394" name="Shape 394"/>
+            <p:cNvPr id="401" name="Shape 401"/>
             <p:cNvSpPr/>
             <p:nvPr/>
           </p:nvSpPr>
@@ -24673,7 +25595,7 @@
         </p:sp>
         <p:cxnSp>
           <p:nvCxnSpPr>
-            <p:cNvPr id="395" name="Shape 395"/>
+            <p:cNvPr id="402" name="Shape 402"/>
             <p:cNvCxnSpPr/>
             <p:nvPr/>
           </p:nvCxnSpPr>
@@ -24700,7 +25622,7 @@
       </p:grpSp>
       <p:sp>
         <p:nvSpPr>
-          <p:cNvPr id="396" name="Shape 396"/>
+          <p:cNvPr id="403" name="Shape 403"/>
           <p:cNvSpPr txBox="1"/>
           <p:nvPr/>
         </p:nvSpPr>
@@ -24775,12 +25697,12 @@
 </p:sld>
 </file>
 
-<file path=ppt/slides/slide22.xml><?xml version="1.0" encoding="utf-8"?>
+<file path=ppt/slides/slide23.xml><?xml version="1.0" encoding="utf-8"?>
 <p:sld xmlns:a="http://schemas.openxmlformats.org/drawingml/2006/main" xmlns:r="http://schemas.openxmlformats.org/officeDocument/2006/relationships" xmlns:mc="http://schemas.openxmlformats.org/markup-compatibility/2006" xmlns:mv="urn:schemas-microsoft-com:mac:vml" xmlns:p="http://schemas.openxmlformats.org/presentationml/2006/main" xmlns:c="http://schemas.openxmlformats.org/drawingml/2006/chart" xmlns:dgm="http://schemas.openxmlformats.org/drawingml/2006/diagram" xmlns:o="urn:schemas-microsoft-com:office:office" xmlns:v="urn:schemas-microsoft-com:vml" xmlns:pvml="urn:schemas-microsoft-com:office:powerpoint" xmlns:com="http://schemas.openxmlformats.org/drawingml/2006/compatibility" xmlns:p14="http://schemas.microsoft.com/office/powerpoint/2010/main">
   <p:cSld>
     <p:spTree>
       <p:nvGrpSpPr>
-        <p:cNvPr id="400" name="Shape 400"/>
+        <p:cNvPr id="407" name="Shape 407"/>
         <p:cNvGrpSpPr/>
         <p:nvPr/>
       </p:nvGrpSpPr>
@@ -24794,7 +25716,7 @@
       </p:grpSpPr>
       <p:sp>
         <p:nvSpPr>
-          <p:cNvPr id="401" name="Shape 401"/>
+          <p:cNvPr id="408" name="Shape 408"/>
           <p:cNvSpPr txBox="1"/>
           <p:nvPr>
             <p:ph idx="1" type="body"/>
@@ -24883,7 +25805,7 @@
       </p:sp>
       <p:graphicFrame>
         <p:nvGraphicFramePr>
-          <p:cNvPr id="402" name="Shape 402"/>
+          <p:cNvPr id="409" name="Shape 409"/>
           <p:cNvGraphicFramePr/>
           <p:nvPr/>
         </p:nvGraphicFramePr>
@@ -24896,7 +25818,7 @@
             <a:tbl>
               <a:tblPr bandRow="1" firstRow="1">
                 <a:noFill/>
-                <a:tableStyleId>{1365B3D2-C5BE-4137-8F01-3495148ECE27}</a:tableStyleId>
+                <a:tableStyleId>{2615AEBC-5B08-49EF-BB73-7CD2FF3D9D15}</a:tableStyleId>
               </a:tblPr>
               <a:tblGrid>
                 <a:gridCol w="10223700"/>
@@ -25072,7 +25994,7 @@
       </p:graphicFrame>
       <p:graphicFrame>
         <p:nvGraphicFramePr>
-          <p:cNvPr id="403" name="Shape 403"/>
+          <p:cNvPr id="410" name="Shape 410"/>
           <p:cNvGraphicFramePr/>
           <p:nvPr/>
         </p:nvGraphicFramePr>
@@ -25085,7 +26007,7 @@
             <a:tbl>
               <a:tblPr bandRow="1" firstRow="1">
                 <a:noFill/>
-                <a:tableStyleId>{A1F706DD-B597-43C6-8C80-F9D7E5863CE5}</a:tableStyleId>
+                <a:tableStyleId>{88DFEFDA-658A-410F-9076-E40A5DF8911C}</a:tableStyleId>
               </a:tblPr>
               <a:tblGrid>
                 <a:gridCol w="10223700"/>
@@ -25244,7 +26166,7 @@
       </p:graphicFrame>
       <p:graphicFrame>
         <p:nvGraphicFramePr>
-          <p:cNvPr id="404" name="Shape 404"/>
+          <p:cNvPr id="411" name="Shape 411"/>
           <p:cNvGraphicFramePr/>
           <p:nvPr/>
         </p:nvGraphicFramePr>
@@ -25257,7 +26179,7 @@
             <a:tbl>
               <a:tblPr bandRow="1" firstRow="1">
                 <a:noFill/>
-                <a:tableStyleId>{72835418-BD6E-40C5-BBFD-A41319580DB1}</a:tableStyleId>
+                <a:tableStyleId>{25EF2EE2-D78F-4ACC-9869-FE67A096C9BC}</a:tableStyleId>
               </a:tblPr>
               <a:tblGrid>
                 <a:gridCol w="10223700"/>
@@ -25430,7 +26352,7 @@
       </p:graphicFrame>
       <p:sp>
         <p:nvSpPr>
-          <p:cNvPr id="405" name="Shape 405"/>
+          <p:cNvPr id="412" name="Shape 412"/>
           <p:cNvSpPr txBox="1"/>
           <p:nvPr/>
         </p:nvSpPr>
@@ -25505,12 +26427,12 @@
 </p:sld>
 </file>
 
-<file path=ppt/slides/slide23.xml><?xml version="1.0" encoding="utf-8"?>
+<file path=ppt/slides/slide24.xml><?xml version="1.0" encoding="utf-8"?>
 <p:sld xmlns:a="http://schemas.openxmlformats.org/drawingml/2006/main" xmlns:r="http://schemas.openxmlformats.org/officeDocument/2006/relationships" xmlns:mc="http://schemas.openxmlformats.org/markup-compatibility/2006" xmlns:mv="urn:schemas-microsoft-com:mac:vml" xmlns:p="http://schemas.openxmlformats.org/presentationml/2006/main" xmlns:c="http://schemas.openxmlformats.org/drawingml/2006/chart" xmlns:dgm="http://schemas.openxmlformats.org/drawingml/2006/diagram" xmlns:o="urn:schemas-microsoft-com:office:office" xmlns:v="urn:schemas-microsoft-com:vml" xmlns:pvml="urn:schemas-microsoft-com:office:powerpoint" xmlns:com="http://schemas.openxmlformats.org/drawingml/2006/compatibility" xmlns:p14="http://schemas.microsoft.com/office/powerpoint/2010/main">
   <p:cSld>
     <p:spTree>
       <p:nvGrpSpPr>
-        <p:cNvPr id="409" name="Shape 409"/>
+        <p:cNvPr id="416" name="Shape 416"/>
         <p:cNvGrpSpPr/>
         <p:nvPr/>
       </p:nvGrpSpPr>
@@ -25524,7 +26446,7 @@
       </p:grpSpPr>
       <p:sp>
         <p:nvSpPr>
-          <p:cNvPr id="410" name="Shape 410"/>
+          <p:cNvPr id="417" name="Shape 417"/>
           <p:cNvSpPr txBox="1"/>
           <p:nvPr>
             <p:ph type="title"/>
@@ -25592,7 +26514,7 @@
       </p:sp>
       <p:grpSp>
         <p:nvGrpSpPr>
-          <p:cNvPr id="411" name="Shape 411"/>
+          <p:cNvPr id="418" name="Shape 418"/>
           <p:cNvGrpSpPr/>
           <p:nvPr/>
         </p:nvGrpSpPr>
@@ -25606,7 +26528,7 @@
         </p:grpSpPr>
         <p:grpSp>
           <p:nvGrpSpPr>
-            <p:cNvPr id="412" name="Shape 412"/>
+            <p:cNvPr id="419" name="Shape 419"/>
             <p:cNvGrpSpPr/>
             <p:nvPr/>
           </p:nvGrpSpPr>
@@ -25620,7 +26542,7 @@
           </p:grpSpPr>
           <p:grpSp>
             <p:nvGrpSpPr>
-              <p:cNvPr id="413" name="Shape 413"/>
+              <p:cNvPr id="420" name="Shape 420"/>
               <p:cNvGrpSpPr/>
               <p:nvPr/>
             </p:nvGrpSpPr>
@@ -25634,7 +26556,7 @@
             </p:grpSpPr>
             <p:grpSp>
               <p:nvGrpSpPr>
-                <p:cNvPr id="414" name="Shape 414"/>
+                <p:cNvPr id="421" name="Shape 421"/>
                 <p:cNvGrpSpPr/>
                 <p:nvPr/>
               </p:nvGrpSpPr>
@@ -25648,7 +26570,7 @@
               </p:grpSpPr>
               <p:sp>
                 <p:nvSpPr>
-                  <p:cNvPr id="415" name="Shape 415"/>
+                  <p:cNvPr id="422" name="Shape 422"/>
                   <p:cNvSpPr/>
                   <p:nvPr/>
                 </p:nvSpPr>
@@ -25703,7 +26625,7 @@
               </p:sp>
               <p:grpSp>
                 <p:nvGrpSpPr>
-                  <p:cNvPr id="416" name="Shape 416"/>
+                  <p:cNvPr id="423" name="Shape 423"/>
                   <p:cNvGrpSpPr/>
                   <p:nvPr/>
                 </p:nvGrpSpPr>
@@ -25717,7 +26639,7 @@
                 </p:grpSpPr>
                 <p:grpSp>
                   <p:nvGrpSpPr>
-                    <p:cNvPr id="417" name="Shape 417"/>
+                    <p:cNvPr id="424" name="Shape 424"/>
                     <p:cNvGrpSpPr/>
                     <p:nvPr/>
                   </p:nvGrpSpPr>
@@ -25731,7 +26653,7 @@
                   </p:grpSpPr>
                   <p:grpSp>
                     <p:nvGrpSpPr>
-                      <p:cNvPr id="418" name="Shape 418"/>
+                      <p:cNvPr id="425" name="Shape 425"/>
                       <p:cNvGrpSpPr/>
                       <p:nvPr/>
                     </p:nvGrpSpPr>
@@ -25745,7 +26667,7 @@
                     </p:grpSpPr>
                     <p:cxnSp>
                       <p:nvCxnSpPr>
-                        <p:cNvPr id="419" name="Shape 419"/>
+                        <p:cNvPr id="426" name="Shape 426"/>
                         <p:cNvCxnSpPr/>
                         <p:nvPr/>
                       </p:nvCxnSpPr>
@@ -25771,7 +26693,7 @@
                     </p:cxnSp>
                     <p:cxnSp>
                       <p:nvCxnSpPr>
-                        <p:cNvPr id="420" name="Shape 420"/>
+                        <p:cNvPr id="427" name="Shape 427"/>
                         <p:cNvCxnSpPr/>
                         <p:nvPr/>
                       </p:nvCxnSpPr>
@@ -25797,7 +26719,7 @@
                     </p:cxnSp>
                     <p:cxnSp>
                       <p:nvCxnSpPr>
-                        <p:cNvPr id="421" name="Shape 421"/>
+                        <p:cNvPr id="428" name="Shape 428"/>
                         <p:cNvCxnSpPr/>
                         <p:nvPr/>
                       </p:nvCxnSpPr>
@@ -25823,7 +26745,7 @@
                     </p:cxnSp>
                     <p:cxnSp>
                       <p:nvCxnSpPr>
-                        <p:cNvPr id="422" name="Shape 422"/>
+                        <p:cNvPr id="429" name="Shape 429"/>
                         <p:cNvCxnSpPr/>
                         <p:nvPr/>
                       </p:nvCxnSpPr>
@@ -25849,7 +26771,7 @@
                     </p:cxnSp>
                     <p:cxnSp>
                       <p:nvCxnSpPr>
-                        <p:cNvPr id="423" name="Shape 423"/>
+                        <p:cNvPr id="430" name="Shape 430"/>
                         <p:cNvCxnSpPr/>
                         <p:nvPr/>
                       </p:nvCxnSpPr>
@@ -25875,7 +26797,7 @@
                     </p:cxnSp>
                     <p:cxnSp>
                       <p:nvCxnSpPr>
-                        <p:cNvPr id="424" name="Shape 424"/>
+                        <p:cNvPr id="431" name="Shape 431"/>
                         <p:cNvCxnSpPr/>
                         <p:nvPr/>
                       </p:nvCxnSpPr>
@@ -25901,7 +26823,7 @@
                     </p:cxnSp>
                     <p:cxnSp>
                       <p:nvCxnSpPr>
-                        <p:cNvPr id="425" name="Shape 425"/>
+                        <p:cNvPr id="432" name="Shape 432"/>
                         <p:cNvCxnSpPr/>
                         <p:nvPr/>
                       </p:nvCxnSpPr>
@@ -25928,7 +26850,7 @@
                   </p:grpSp>
                   <p:sp>
                     <p:nvSpPr>
-                      <p:cNvPr id="426" name="Shape 426"/>
+                      <p:cNvPr id="433" name="Shape 433"/>
                       <p:cNvSpPr/>
                       <p:nvPr/>
                     </p:nvSpPr>
@@ -25983,7 +26905,7 @@
                   </p:sp>
                   <p:sp>
                     <p:nvSpPr>
-                      <p:cNvPr id="427" name="Shape 427"/>
+                      <p:cNvPr id="434" name="Shape 434"/>
                       <p:cNvSpPr/>
                       <p:nvPr/>
                     </p:nvSpPr>
@@ -26040,7 +26962,7 @@
                   </p:sp>
                   <p:sp>
                     <p:nvSpPr>
-                      <p:cNvPr id="428" name="Shape 428"/>
+                      <p:cNvPr id="435" name="Shape 435"/>
                       <p:cNvSpPr/>
                       <p:nvPr/>
                     </p:nvSpPr>
@@ -26095,7 +27017,7 @@
                   </p:sp>
                   <p:sp>
                     <p:nvSpPr>
-                      <p:cNvPr id="429" name="Shape 429"/>
+                      <p:cNvPr id="436" name="Shape 436"/>
                       <p:cNvSpPr/>
                       <p:nvPr/>
                     </p:nvSpPr>
@@ -26151,7 +27073,7 @@
                 </p:grpSp>
                 <p:sp>
                   <p:nvSpPr>
-                    <p:cNvPr id="430" name="Shape 430"/>
+                    <p:cNvPr id="437" name="Shape 437"/>
                     <p:cNvSpPr/>
                     <p:nvPr/>
                   </p:nvSpPr>
@@ -26229,7 +27151,7 @@
             </p:grpSp>
             <p:sp>
               <p:nvSpPr>
-                <p:cNvPr id="431" name="Shape 431"/>
+                <p:cNvPr id="438" name="Shape 438"/>
                 <p:cNvSpPr/>
                 <p:nvPr/>
               </p:nvSpPr>
@@ -26285,7 +27207,7 @@
           </p:grpSp>
           <p:cxnSp>
             <p:nvCxnSpPr>
-              <p:cNvPr id="432" name="Shape 432"/>
+              <p:cNvPr id="439" name="Shape 439"/>
               <p:cNvCxnSpPr/>
               <p:nvPr/>
             </p:nvCxnSpPr>
@@ -26311,7 +27233,7 @@
           </p:cxnSp>
           <p:sp>
             <p:nvSpPr>
-              <p:cNvPr id="433" name="Shape 433"/>
+              <p:cNvPr id="440" name="Shape 440"/>
               <p:cNvSpPr/>
               <p:nvPr/>
             </p:nvSpPr>
@@ -26367,7 +27289,7 @@
         </p:grpSp>
         <p:cxnSp>
           <p:nvCxnSpPr>
-            <p:cNvPr id="434" name="Shape 434"/>
+            <p:cNvPr id="441" name="Shape 441"/>
             <p:cNvCxnSpPr/>
             <p:nvPr/>
           </p:nvCxnSpPr>
@@ -26405,12 +27327,12 @@
 </p:sld>
 </file>
 
-<file path=ppt/slides/slide24.xml><?xml version="1.0" encoding="utf-8"?>
+<file path=ppt/slides/slide25.xml><?xml version="1.0" encoding="utf-8"?>
 <p:sld xmlns:a="http://schemas.openxmlformats.org/drawingml/2006/main" xmlns:r="http://schemas.openxmlformats.org/officeDocument/2006/relationships" xmlns:mc="http://schemas.openxmlformats.org/markup-compatibility/2006" xmlns:mv="urn:schemas-microsoft-com:mac:vml" xmlns:p="http://schemas.openxmlformats.org/presentationml/2006/main" xmlns:c="http://schemas.openxmlformats.org/drawingml/2006/chart" xmlns:dgm="http://schemas.openxmlformats.org/drawingml/2006/diagram" xmlns:o="urn:schemas-microsoft-com:office:office" xmlns:v="urn:schemas-microsoft-com:vml" xmlns:pvml="urn:schemas-microsoft-com:office:powerpoint" xmlns:com="http://schemas.openxmlformats.org/drawingml/2006/compatibility" xmlns:p14="http://schemas.microsoft.com/office/powerpoint/2010/main">
   <p:cSld>
     <p:spTree>
       <p:nvGrpSpPr>
-        <p:cNvPr id="438" name="Shape 438"/>
+        <p:cNvPr id="445" name="Shape 445"/>
         <p:cNvGrpSpPr/>
         <p:nvPr/>
       </p:nvGrpSpPr>
@@ -26424,7 +27346,7 @@
       </p:grpSpPr>
       <p:sp>
         <p:nvSpPr>
-          <p:cNvPr id="439" name="Shape 439"/>
+          <p:cNvPr id="446" name="Shape 446"/>
           <p:cNvSpPr txBox="1"/>
           <p:nvPr>
             <p:ph idx="1" type="body"/>
@@ -26513,7 +27435,7 @@
       </p:sp>
       <p:graphicFrame>
         <p:nvGraphicFramePr>
-          <p:cNvPr id="440" name="Shape 440"/>
+          <p:cNvPr id="447" name="Shape 447"/>
           <p:cNvGraphicFramePr/>
           <p:nvPr/>
         </p:nvGraphicFramePr>
@@ -26526,7 +27448,7 @@
             <a:tbl>
               <a:tblPr bandRow="1" firstRow="1">
                 <a:noFill/>
-                <a:tableStyleId>{7E52D1C0-0E1E-4595-94FB-B7BF0D68F3C3}</a:tableStyleId>
+                <a:tableStyleId>{7AD5CDFD-0257-4F92-8255-96579802C46A}</a:tableStyleId>
               </a:tblPr>
               <a:tblGrid>
                 <a:gridCol w="10223700"/>
@@ -26715,7 +27637,7 @@
       </p:graphicFrame>
       <p:graphicFrame>
         <p:nvGraphicFramePr>
-          <p:cNvPr id="441" name="Shape 441"/>
+          <p:cNvPr id="448" name="Shape 448"/>
           <p:cNvGraphicFramePr/>
           <p:nvPr/>
         </p:nvGraphicFramePr>
@@ -26728,7 +27650,7 @@
             <a:tbl>
               <a:tblPr bandRow="1" firstRow="1">
                 <a:noFill/>
-                <a:tableStyleId>{0B77859E-9E0C-4F24-8BB3-2D3AC9C71D92}</a:tableStyleId>
+                <a:tableStyleId>{989FF3D7-0A6B-4D57-8C32-A675D32FAB0C}</a:tableStyleId>
               </a:tblPr>
               <a:tblGrid>
                 <a:gridCol w="10223700"/>
@@ -26892,7 +27814,7 @@
       </p:graphicFrame>
       <p:graphicFrame>
         <p:nvGraphicFramePr>
-          <p:cNvPr id="442" name="Shape 442"/>
+          <p:cNvPr id="449" name="Shape 449"/>
           <p:cNvGraphicFramePr/>
           <p:nvPr/>
         </p:nvGraphicFramePr>
@@ -26905,7 +27827,7 @@
             <a:tbl>
               <a:tblPr bandRow="1" firstRow="1">
                 <a:noFill/>
-                <a:tableStyleId>{403FBFF4-7A4F-4C44-BAE9-B51C0E10B347}</a:tableStyleId>
+                <a:tableStyleId>{A922EBDF-E1F9-43BC-A64A-EF692B4EDE5F}</a:tableStyleId>
               </a:tblPr>
               <a:tblGrid>
                 <a:gridCol w="10223700"/>
@@ -27126,7 +28048,7 @@
       </p:graphicFrame>
       <p:sp>
         <p:nvSpPr>
-          <p:cNvPr id="443" name="Shape 443"/>
+          <p:cNvPr id="450" name="Shape 450"/>
           <p:cNvSpPr txBox="1"/>
           <p:nvPr>
             <p:ph type="title"/>
@@ -27203,12 +28125,12 @@
 </p:sld>
 </file>
 
-<file path=ppt/slides/slide25.xml><?xml version="1.0" encoding="utf-8"?>
+<file path=ppt/slides/slide26.xml><?xml version="1.0" encoding="utf-8"?>
 <p:sld xmlns:a="http://schemas.openxmlformats.org/drawingml/2006/main" xmlns:r="http://schemas.openxmlformats.org/officeDocument/2006/relationships" xmlns:mc="http://schemas.openxmlformats.org/markup-compatibility/2006" xmlns:mv="urn:schemas-microsoft-com:mac:vml" xmlns:p="http://schemas.openxmlformats.org/presentationml/2006/main" xmlns:c="http://schemas.openxmlformats.org/drawingml/2006/chart" xmlns:dgm="http://schemas.openxmlformats.org/drawingml/2006/diagram" xmlns:o="urn:schemas-microsoft-com:office:office" xmlns:v="urn:schemas-microsoft-com:vml" xmlns:pvml="urn:schemas-microsoft-com:office:powerpoint" xmlns:com="http://schemas.openxmlformats.org/drawingml/2006/compatibility" xmlns:p14="http://schemas.microsoft.com/office/powerpoint/2010/main">
   <p:cSld>
     <p:spTree>
       <p:nvGrpSpPr>
-        <p:cNvPr id="447" name="Shape 447"/>
+        <p:cNvPr id="454" name="Shape 454"/>
         <p:cNvGrpSpPr/>
         <p:nvPr/>
       </p:nvGrpSpPr>
@@ -27222,7 +28144,7 @@
       </p:grpSpPr>
       <p:sp>
         <p:nvSpPr>
-          <p:cNvPr id="448" name="Shape 448"/>
+          <p:cNvPr id="455" name="Shape 455"/>
           <p:cNvSpPr txBox="1"/>
           <p:nvPr>
             <p:ph type="title"/>
@@ -27290,7 +28212,7 @@
       </p:sp>
       <p:grpSp>
         <p:nvGrpSpPr>
-          <p:cNvPr id="449" name="Shape 449"/>
+          <p:cNvPr id="456" name="Shape 456"/>
           <p:cNvGrpSpPr/>
           <p:nvPr/>
         </p:nvGrpSpPr>
@@ -27304,7 +28226,7 @@
         </p:grpSpPr>
         <p:sp>
           <p:nvSpPr>
-            <p:cNvPr id="450" name="Shape 450"/>
+            <p:cNvPr id="457" name="Shape 457"/>
             <p:cNvSpPr/>
             <p:nvPr/>
           </p:nvSpPr>
@@ -27380,7 +28302,7 @@
         </p:sp>
         <p:grpSp>
           <p:nvGrpSpPr>
-            <p:cNvPr id="451" name="Shape 451"/>
+            <p:cNvPr id="458" name="Shape 458"/>
             <p:cNvGrpSpPr/>
             <p:nvPr/>
           </p:nvGrpSpPr>
@@ -27394,7 +28316,7 @@
           </p:grpSpPr>
           <p:grpSp>
             <p:nvGrpSpPr>
-              <p:cNvPr id="452" name="Shape 452"/>
+              <p:cNvPr id="459" name="Shape 459"/>
               <p:cNvGrpSpPr/>
               <p:nvPr/>
             </p:nvGrpSpPr>
@@ -27408,7 +28330,7 @@
             </p:grpSpPr>
             <p:cxnSp>
               <p:nvCxnSpPr>
-                <p:cNvPr id="453" name="Shape 453"/>
+                <p:cNvPr id="460" name="Shape 460"/>
                 <p:cNvCxnSpPr/>
                 <p:nvPr/>
               </p:nvCxnSpPr>
@@ -27434,7 +28356,7 @@
             </p:cxnSp>
             <p:cxnSp>
               <p:nvCxnSpPr>
-                <p:cNvPr id="454" name="Shape 454"/>
+                <p:cNvPr id="461" name="Shape 461"/>
                 <p:cNvCxnSpPr/>
                 <p:nvPr/>
               </p:nvCxnSpPr>
@@ -27460,7 +28382,7 @@
             </p:cxnSp>
             <p:cxnSp>
               <p:nvCxnSpPr>
-                <p:cNvPr id="455" name="Shape 455"/>
+                <p:cNvPr id="462" name="Shape 462"/>
                 <p:cNvCxnSpPr/>
                 <p:nvPr/>
               </p:nvCxnSpPr>
@@ -27486,7 +28408,7 @@
             </p:cxnSp>
             <p:cxnSp>
               <p:nvCxnSpPr>
-                <p:cNvPr id="456" name="Shape 456"/>
+                <p:cNvPr id="463" name="Shape 463"/>
                 <p:cNvCxnSpPr/>
                 <p:nvPr/>
               </p:nvCxnSpPr>
@@ -27512,7 +28434,7 @@
             </p:cxnSp>
             <p:cxnSp>
               <p:nvCxnSpPr>
-                <p:cNvPr id="457" name="Shape 457"/>
+                <p:cNvPr id="464" name="Shape 464"/>
                 <p:cNvCxnSpPr/>
                 <p:nvPr/>
               </p:nvCxnSpPr>
@@ -27538,7 +28460,7 @@
             </p:cxnSp>
             <p:cxnSp>
               <p:nvCxnSpPr>
-                <p:cNvPr id="458" name="Shape 458"/>
+                <p:cNvPr id="465" name="Shape 465"/>
                 <p:cNvCxnSpPr/>
                 <p:nvPr/>
               </p:nvCxnSpPr>
@@ -27565,7 +28487,7 @@
           </p:grpSp>
           <p:sp>
             <p:nvSpPr>
-              <p:cNvPr id="459" name="Shape 459"/>
+              <p:cNvPr id="466" name="Shape 466"/>
               <p:cNvSpPr/>
               <p:nvPr/>
             </p:nvSpPr>
@@ -27620,7 +28542,7 @@
           </p:sp>
           <p:sp>
             <p:nvSpPr>
-              <p:cNvPr id="460" name="Shape 460"/>
+              <p:cNvPr id="467" name="Shape 467"/>
               <p:cNvSpPr/>
               <p:nvPr/>
             </p:nvSpPr>
@@ -27677,7 +28599,7 @@
           </p:sp>
           <p:sp>
             <p:nvSpPr>
-              <p:cNvPr id="461" name="Shape 461"/>
+              <p:cNvPr id="468" name="Shape 468"/>
               <p:cNvSpPr/>
               <p:nvPr/>
             </p:nvSpPr>
@@ -27753,7 +28675,7 @@
           </p:sp>
           <p:sp>
             <p:nvSpPr>
-              <p:cNvPr id="462" name="Shape 462"/>
+              <p:cNvPr id="469" name="Shape 469"/>
               <p:cNvSpPr/>
               <p:nvPr/>
             </p:nvSpPr>
@@ -27840,12 +28762,12 @@
 </p:sld>
 </file>
 
-<file path=ppt/slides/slide26.xml><?xml version="1.0" encoding="utf-8"?>
+<file path=ppt/slides/slide27.xml><?xml version="1.0" encoding="utf-8"?>
 <p:sld xmlns:a="http://schemas.openxmlformats.org/drawingml/2006/main" xmlns:r="http://schemas.openxmlformats.org/officeDocument/2006/relationships" xmlns:mc="http://schemas.openxmlformats.org/markup-compatibility/2006" xmlns:mv="urn:schemas-microsoft-com:mac:vml" xmlns:p="http://schemas.openxmlformats.org/presentationml/2006/main" xmlns:c="http://schemas.openxmlformats.org/drawingml/2006/chart" xmlns:dgm="http://schemas.openxmlformats.org/drawingml/2006/diagram" xmlns:o="urn:schemas-microsoft-com:office:office" xmlns:v="urn:schemas-microsoft-com:vml" xmlns:pvml="urn:schemas-microsoft-com:office:powerpoint" xmlns:com="http://schemas.openxmlformats.org/drawingml/2006/compatibility" xmlns:p14="http://schemas.microsoft.com/office/powerpoint/2010/main">
   <p:cSld>
     <p:spTree>
       <p:nvGrpSpPr>
-        <p:cNvPr id="466" name="Shape 466"/>
+        <p:cNvPr id="473" name="Shape 473"/>
         <p:cNvGrpSpPr/>
         <p:nvPr/>
       </p:nvGrpSpPr>
@@ -27859,7 +28781,7 @@
       </p:grpSpPr>
       <p:sp>
         <p:nvSpPr>
-          <p:cNvPr id="467" name="Shape 467"/>
+          <p:cNvPr id="474" name="Shape 474"/>
           <p:cNvSpPr txBox="1"/>
           <p:nvPr>
             <p:ph type="title"/>
@@ -27927,7 +28849,7 @@
       </p:sp>
       <p:sp>
         <p:nvSpPr>
-          <p:cNvPr id="468" name="Shape 468"/>
+          <p:cNvPr id="475" name="Shape 475"/>
           <p:cNvSpPr txBox="1"/>
           <p:nvPr>
             <p:ph idx="1" type="body"/>
@@ -28016,7 +28938,7 @@
       </p:sp>
       <p:graphicFrame>
         <p:nvGraphicFramePr>
-          <p:cNvPr id="469" name="Shape 469"/>
+          <p:cNvPr id="476" name="Shape 476"/>
           <p:cNvGraphicFramePr/>
           <p:nvPr/>
         </p:nvGraphicFramePr>
@@ -28029,7 +28951,7 @@
             <a:tbl>
               <a:tblPr bandRow="1" firstRow="1">
                 <a:noFill/>
-                <a:tableStyleId>{FD07CD7A-EC43-4937-B98A-274C9BFED885}</a:tableStyleId>
+                <a:tableStyleId>{241110BA-893E-4741-9E2D-18511B83918B}</a:tableStyleId>
               </a:tblPr>
               <a:tblGrid>
                 <a:gridCol w="10223700"/>
@@ -28218,7 +29140,7 @@
       </p:graphicFrame>
       <p:graphicFrame>
         <p:nvGraphicFramePr>
-          <p:cNvPr id="470" name="Shape 470"/>
+          <p:cNvPr id="477" name="Shape 477"/>
           <p:cNvGraphicFramePr/>
           <p:nvPr/>
         </p:nvGraphicFramePr>
@@ -28231,7 +29153,7 @@
             <a:tbl>
               <a:tblPr bandRow="1" firstRow="1">
                 <a:noFill/>
-                <a:tableStyleId>{78CBA492-4733-4649-B46E-17CC5A12AF7D}</a:tableStyleId>
+                <a:tableStyleId>{EACA1BF8-2802-4C49-A902-37B7D3AE7A47}</a:tableStyleId>
               </a:tblPr>
               <a:tblGrid>
                 <a:gridCol w="10223700"/>
@@ -28420,7 +29342,7 @@
       </p:graphicFrame>
       <p:graphicFrame>
         <p:nvGraphicFramePr>
-          <p:cNvPr id="471" name="Shape 471"/>
+          <p:cNvPr id="478" name="Shape 478"/>
           <p:cNvGraphicFramePr/>
           <p:nvPr/>
         </p:nvGraphicFramePr>
@@ -28433,7 +29355,7 @@
             <a:tbl>
               <a:tblPr bandRow="1" firstRow="1">
                 <a:noFill/>
-                <a:tableStyleId>{76AA5DCA-CA6A-4F1E-84E8-2AFEF9008929}</a:tableStyleId>
+                <a:tableStyleId>{DC978A92-E69D-4CF0-BDCA-9E026349976D}</a:tableStyleId>
               </a:tblPr>
               <a:tblGrid>
                 <a:gridCol w="10223700"/>
@@ -28598,12 +29520,12 @@
 </p:sld>
 </file>
 
-<file path=ppt/slides/slide27.xml><?xml version="1.0" encoding="utf-8"?>
+<file path=ppt/slides/slide28.xml><?xml version="1.0" encoding="utf-8"?>
 <p:sld xmlns:a="http://schemas.openxmlformats.org/drawingml/2006/main" xmlns:r="http://schemas.openxmlformats.org/officeDocument/2006/relationships" xmlns:mc="http://schemas.openxmlformats.org/markup-compatibility/2006" xmlns:mv="urn:schemas-microsoft-com:mac:vml" xmlns:p="http://schemas.openxmlformats.org/presentationml/2006/main" xmlns:c="http://schemas.openxmlformats.org/drawingml/2006/chart" xmlns:dgm="http://schemas.openxmlformats.org/drawingml/2006/diagram" xmlns:o="urn:schemas-microsoft-com:office:office" xmlns:v="urn:schemas-microsoft-com:vml" xmlns:pvml="urn:schemas-microsoft-com:office:powerpoint" xmlns:com="http://schemas.openxmlformats.org/drawingml/2006/compatibility" xmlns:p14="http://schemas.microsoft.com/office/powerpoint/2010/main">
   <p:cSld>
     <p:spTree>
       <p:nvGrpSpPr>
-        <p:cNvPr id="475" name="Shape 475"/>
+        <p:cNvPr id="482" name="Shape 482"/>
         <p:cNvGrpSpPr/>
         <p:nvPr/>
       </p:nvGrpSpPr>
@@ -28617,7 +29539,7 @@
       </p:grpSpPr>
       <p:sp>
         <p:nvSpPr>
-          <p:cNvPr id="476" name="Shape 476"/>
+          <p:cNvPr id="483" name="Shape 483"/>
           <p:cNvSpPr txBox="1"/>
           <p:nvPr>
             <p:ph type="title"/>
@@ -28685,7 +29607,7 @@
       </p:sp>
       <p:grpSp>
         <p:nvGrpSpPr>
-          <p:cNvPr id="477" name="Shape 477"/>
+          <p:cNvPr id="484" name="Shape 484"/>
           <p:cNvGrpSpPr/>
           <p:nvPr/>
         </p:nvGrpSpPr>
@@ -28699,7 +29621,7 @@
         </p:grpSpPr>
         <p:sp>
           <p:nvSpPr>
-            <p:cNvPr id="478" name="Shape 478"/>
+            <p:cNvPr id="485" name="Shape 485"/>
             <p:cNvSpPr/>
             <p:nvPr/>
           </p:nvSpPr>
@@ -28775,7 +29697,7 @@
         </p:sp>
         <p:grpSp>
           <p:nvGrpSpPr>
-            <p:cNvPr id="479" name="Shape 479"/>
+            <p:cNvPr id="486" name="Shape 486"/>
             <p:cNvGrpSpPr/>
             <p:nvPr/>
           </p:nvGrpSpPr>
@@ -28789,7 +29711,7 @@
           </p:grpSpPr>
           <p:grpSp>
             <p:nvGrpSpPr>
-              <p:cNvPr id="480" name="Shape 480"/>
+              <p:cNvPr id="487" name="Shape 487"/>
               <p:cNvGrpSpPr/>
               <p:nvPr/>
             </p:nvGrpSpPr>
@@ -28803,7 +29725,7 @@
             </p:grpSpPr>
             <p:cxnSp>
               <p:nvCxnSpPr>
-                <p:cNvPr id="481" name="Shape 481"/>
+                <p:cNvPr id="488" name="Shape 488"/>
                 <p:cNvCxnSpPr/>
                 <p:nvPr/>
               </p:nvCxnSpPr>
@@ -28829,7 +29751,7 @@
             </p:cxnSp>
             <p:cxnSp>
               <p:nvCxnSpPr>
-                <p:cNvPr id="482" name="Shape 482"/>
+                <p:cNvPr id="489" name="Shape 489"/>
                 <p:cNvCxnSpPr/>
                 <p:nvPr/>
               </p:nvCxnSpPr>
@@ -28855,7 +29777,7 @@
             </p:cxnSp>
             <p:cxnSp>
               <p:nvCxnSpPr>
-                <p:cNvPr id="483" name="Shape 483"/>
+                <p:cNvPr id="490" name="Shape 490"/>
                 <p:cNvCxnSpPr/>
                 <p:nvPr/>
               </p:nvCxnSpPr>
@@ -28881,7 +29803,7 @@
             </p:cxnSp>
             <p:cxnSp>
               <p:nvCxnSpPr>
-                <p:cNvPr id="484" name="Shape 484"/>
+                <p:cNvPr id="491" name="Shape 491"/>
                 <p:cNvCxnSpPr/>
                 <p:nvPr/>
               </p:nvCxnSpPr>
@@ -28907,7 +29829,7 @@
             </p:cxnSp>
             <p:cxnSp>
               <p:nvCxnSpPr>
-                <p:cNvPr id="485" name="Shape 485"/>
+                <p:cNvPr id="492" name="Shape 492"/>
                 <p:cNvCxnSpPr/>
                 <p:nvPr/>
               </p:nvCxnSpPr>
@@ -28933,7 +29855,7 @@
             </p:cxnSp>
             <p:cxnSp>
               <p:nvCxnSpPr>
-                <p:cNvPr id="486" name="Shape 486"/>
+                <p:cNvPr id="493" name="Shape 493"/>
                 <p:cNvCxnSpPr/>
                 <p:nvPr/>
               </p:nvCxnSpPr>
@@ -28960,7 +29882,7 @@
           </p:grpSp>
           <p:sp>
             <p:nvSpPr>
-              <p:cNvPr id="487" name="Shape 487"/>
+              <p:cNvPr id="494" name="Shape 494"/>
               <p:cNvSpPr/>
               <p:nvPr/>
             </p:nvSpPr>
@@ -29015,7 +29937,7 @@
           </p:sp>
           <p:sp>
             <p:nvSpPr>
-              <p:cNvPr id="488" name="Shape 488"/>
+              <p:cNvPr id="495" name="Shape 495"/>
               <p:cNvSpPr/>
               <p:nvPr/>
             </p:nvSpPr>
@@ -29072,7 +29994,7 @@
           </p:sp>
           <p:sp>
             <p:nvSpPr>
-              <p:cNvPr id="489" name="Shape 489"/>
+              <p:cNvPr id="496" name="Shape 496"/>
               <p:cNvSpPr/>
               <p:nvPr/>
             </p:nvSpPr>
@@ -29148,7 +30070,7 @@
           </p:sp>
           <p:sp>
             <p:nvSpPr>
-              <p:cNvPr id="490" name="Shape 490"/>
+              <p:cNvPr id="497" name="Shape 497"/>
               <p:cNvSpPr/>
               <p:nvPr/>
             </p:nvSpPr>
@@ -29214,12 +30136,12 @@
 </p:sld>
 </file>
 
-<file path=ppt/slides/slide28.xml><?xml version="1.0" encoding="utf-8"?>
+<file path=ppt/slides/slide29.xml><?xml version="1.0" encoding="utf-8"?>
 <p:sld xmlns:a="http://schemas.openxmlformats.org/drawingml/2006/main" xmlns:r="http://schemas.openxmlformats.org/officeDocument/2006/relationships" xmlns:mc="http://schemas.openxmlformats.org/markup-compatibility/2006" xmlns:mv="urn:schemas-microsoft-com:mac:vml" xmlns:p="http://schemas.openxmlformats.org/presentationml/2006/main" xmlns:c="http://schemas.openxmlformats.org/drawingml/2006/chart" xmlns:dgm="http://schemas.openxmlformats.org/drawingml/2006/diagram" xmlns:o="urn:schemas-microsoft-com:office:office" xmlns:v="urn:schemas-microsoft-com:vml" xmlns:pvml="urn:schemas-microsoft-com:office:powerpoint" xmlns:com="http://schemas.openxmlformats.org/drawingml/2006/compatibility" xmlns:p14="http://schemas.microsoft.com/office/powerpoint/2010/main">
   <p:cSld>
     <p:spTree>
       <p:nvGrpSpPr>
-        <p:cNvPr id="494" name="Shape 494"/>
+        <p:cNvPr id="501" name="Shape 501"/>
         <p:cNvGrpSpPr/>
         <p:nvPr/>
       </p:nvGrpSpPr>
@@ -29233,7 +30155,7 @@
       </p:grpSpPr>
       <p:sp>
         <p:nvSpPr>
-          <p:cNvPr id="495" name="Shape 495"/>
+          <p:cNvPr id="502" name="Shape 502"/>
           <p:cNvSpPr txBox="1"/>
           <p:nvPr>
             <p:ph idx="1" type="body"/>
@@ -29322,7 +30244,7 @@
       </p:sp>
       <p:graphicFrame>
         <p:nvGraphicFramePr>
-          <p:cNvPr id="496" name="Shape 496"/>
+          <p:cNvPr id="503" name="Shape 503"/>
           <p:cNvGraphicFramePr/>
           <p:nvPr/>
         </p:nvGraphicFramePr>
@@ -29335,7 +30257,7 @@
             <a:tbl>
               <a:tblPr bandRow="1" firstRow="1">
                 <a:noFill/>
-                <a:tableStyleId>{2E4532B6-9DB5-4E87-B7D3-D5183B1C9BCE}</a:tableStyleId>
+                <a:tableStyleId>{E6B02464-2AA0-45F0-AB0A-57F4826D53BC}</a:tableStyleId>
               </a:tblPr>
               <a:tblGrid>
                 <a:gridCol w="10223700"/>
@@ -29549,7 +30471,7 @@
       </p:graphicFrame>
       <p:graphicFrame>
         <p:nvGraphicFramePr>
-          <p:cNvPr id="497" name="Shape 497"/>
+          <p:cNvPr id="504" name="Shape 504"/>
           <p:cNvGraphicFramePr/>
           <p:nvPr/>
         </p:nvGraphicFramePr>
@@ -29562,7 +30484,7 @@
             <a:tbl>
               <a:tblPr bandRow="1" firstRow="1">
                 <a:noFill/>
-                <a:tableStyleId>{20CAD400-E2C0-4D67-8B11-5F9BC9E1C390}</a:tableStyleId>
+                <a:tableStyleId>{9E2D44EC-802B-487D-800A-D2B583C7130C}</a:tableStyleId>
               </a:tblPr>
               <a:tblGrid>
                 <a:gridCol w="10223700"/>
@@ -29726,7 +30648,7 @@
       </p:graphicFrame>
       <p:graphicFrame>
         <p:nvGraphicFramePr>
-          <p:cNvPr id="498" name="Shape 498"/>
+          <p:cNvPr id="505" name="Shape 505"/>
           <p:cNvGraphicFramePr/>
           <p:nvPr/>
         </p:nvGraphicFramePr>
@@ -29739,7 +30661,7 @@
             <a:tbl>
               <a:tblPr bandRow="1" firstRow="1">
                 <a:noFill/>
-                <a:tableStyleId>{16778F04-2824-44EA-8564-F64233D767FD}</a:tableStyleId>
+                <a:tableStyleId>{F779FD7F-7BE1-411A-8CCB-125DFAAA139C}</a:tableStyleId>
               </a:tblPr>
               <a:tblGrid>
                 <a:gridCol w="10223700"/>
@@ -29990,7 +30912,7 @@
       </p:graphicFrame>
       <p:sp>
         <p:nvSpPr>
-          <p:cNvPr id="499" name="Shape 499"/>
+          <p:cNvPr id="506" name="Shape 506"/>
           <p:cNvSpPr txBox="1"/>
           <p:nvPr>
             <p:ph type="title"/>
@@ -30053,237 +30975,6 @@
               </a:rPr>
               <a:t>Julie de Nascimento</a:t>
             </a:r>
-          </a:p>
-        </p:txBody>
-      </p:sp>
-    </p:spTree>
-  </p:cSld>
-  <p:clrMapOvr>
-    <a:masterClrMapping/>
-  </p:clrMapOvr>
-  <p:transition spd="slow">
-    <p:cut/>
-  </p:transition>
-</p:sld>
-</file>
-
-<file path=ppt/slides/slide29.xml><?xml version="1.0" encoding="utf-8"?>
-<p:sld xmlns:a="http://schemas.openxmlformats.org/drawingml/2006/main" xmlns:r="http://schemas.openxmlformats.org/officeDocument/2006/relationships" xmlns:mc="http://schemas.openxmlformats.org/markup-compatibility/2006" xmlns:mv="urn:schemas-microsoft-com:mac:vml" xmlns:p="http://schemas.openxmlformats.org/presentationml/2006/main" xmlns:c="http://schemas.openxmlformats.org/drawingml/2006/chart" xmlns:dgm="http://schemas.openxmlformats.org/drawingml/2006/diagram" xmlns:o="urn:schemas-microsoft-com:office:office" xmlns:v="urn:schemas-microsoft-com:vml" xmlns:pvml="urn:schemas-microsoft-com:office:powerpoint" xmlns:com="http://schemas.openxmlformats.org/drawingml/2006/compatibility" xmlns:p14="http://schemas.microsoft.com/office/powerpoint/2010/main">
-  <p:cSld>
-    <p:spTree>
-      <p:nvGrpSpPr>
-        <p:cNvPr id="503" name="Shape 503"/>
-        <p:cNvGrpSpPr/>
-        <p:nvPr/>
-      </p:nvGrpSpPr>
-      <p:grpSpPr>
-        <a:xfrm>
-          <a:off x="0" y="0"/>
-          <a:ext cx="0" cy="0"/>
-          <a:chOff x="0" y="0"/>
-          <a:chExt cx="0" cy="0"/>
-        </a:xfrm>
-      </p:grpSpPr>
-      <p:sp>
-        <p:nvSpPr>
-          <p:cNvPr id="504" name="Shape 504"/>
-          <p:cNvSpPr txBox="1"/>
-          <p:nvPr>
-            <p:ph type="ctrTitle"/>
-          </p:nvPr>
-        </p:nvSpPr>
-        <p:spPr>
-          <a:xfrm>
-            <a:off x="1097279" y="758952"/>
-            <a:ext cx="10058399" cy="3566159"/>
-          </a:xfrm>
-          <a:prstGeom prst="rect">
-            <a:avLst/>
-          </a:prstGeom>
-          <a:noFill/>
-          <a:ln>
-            <a:noFill/>
-          </a:ln>
-        </p:spPr>
-        <p:txBody>
-          <a:bodyPr anchorCtr="0" anchor="b" bIns="45700" lIns="91425" rIns="91425" tIns="45700">
-            <a:noAutofit/>
-          </a:bodyPr>
-          <a:lstStyle/>
-          <a:p>
-            <a:pPr indent="0" lvl="0" marL="0" marR="0" rtl="0" algn="l">
-              <a:lnSpc>
-                <a:spcPct val="85000"/>
-              </a:lnSpc>
-              <a:spcBef>
-                <a:spcPts val="0"/>
-              </a:spcBef>
-              <a:buClr>
-                <a:srgbClr val="262626"/>
-              </a:buClr>
-              <a:buSzPct val="25000"/>
-              <a:buFont typeface="Calibri"/>
-              <a:buNone/>
-            </a:pPr>
-            <a:r>
-              <a:rPr b="0" baseline="0" i="0" lang="fr-FR" sz="8000" u="none" cap="none" strike="noStrike">
-                <a:solidFill>
-                  <a:srgbClr val="262626"/>
-                </a:solidFill>
-                <a:latin typeface="Calibri"/>
-                <a:ea typeface="Calibri"/>
-                <a:cs typeface="Calibri"/>
-                <a:sym typeface="Calibri"/>
-              </a:rPr>
-              <a:t>Merci de votre attention</a:t>
-            </a:r>
-          </a:p>
-        </p:txBody>
-      </p:sp>
-      <p:sp>
-        <p:nvSpPr>
-          <p:cNvPr id="505" name="Shape 505"/>
-          <p:cNvSpPr txBox="1"/>
-          <p:nvPr>
-            <p:ph idx="1" type="subTitle"/>
-          </p:nvPr>
-        </p:nvSpPr>
-        <p:spPr>
-          <a:xfrm>
-            <a:off x="1100050" y="4455619"/>
-            <a:ext cx="10058399" cy="1143000"/>
-          </a:xfrm>
-          <a:prstGeom prst="rect">
-            <a:avLst/>
-          </a:prstGeom>
-          <a:noFill/>
-          <a:ln>
-            <a:noFill/>
-          </a:ln>
-        </p:spPr>
-        <p:txBody>
-          <a:bodyPr anchorCtr="0" anchor="t" bIns="45700" lIns="91425" rIns="91425" tIns="45700">
-            <a:noAutofit/>
-          </a:bodyPr>
-          <a:lstStyle/>
-          <a:p>
-            <a:pPr indent="0" lvl="0" marL="0" marR="0" rtl="0" algn="ctr">
-              <a:lnSpc>
-                <a:spcPct val="90000"/>
-              </a:lnSpc>
-              <a:spcBef>
-                <a:spcPts val="0"/>
-              </a:spcBef>
-              <a:spcAft>
-                <a:spcPts val="200"/>
-              </a:spcAft>
-              <a:buClr>
-                <a:schemeClr val="accent1"/>
-              </a:buClr>
-              <a:buSzPct val="25000"/>
-              <a:buFont typeface="Calibri"/>
-              <a:buNone/>
-            </a:pPr>
-            <a:r>
-              <a:rPr b="0" baseline="0" i="0" lang="fr-FR" sz="2400" u="none" cap="none" strike="noStrike">
-                <a:solidFill>
-                  <a:schemeClr val="dk2"/>
-                </a:solidFill>
-                <a:latin typeface="Calibri"/>
-                <a:ea typeface="Calibri"/>
-                <a:cs typeface="Calibri"/>
-                <a:sym typeface="Calibri"/>
-              </a:rPr>
-              <a:t>ET SOYEZ MOTIVÉ</a:t>
-            </a:r>
-            <a:r>
-              <a:rPr lang="fr-FR"/>
-              <a:t>(</a:t>
-            </a:r>
-            <a:r>
-              <a:rPr b="0" baseline="0" i="0" lang="fr-FR" sz="2400" u="none" cap="none" strike="noStrike">
-                <a:solidFill>
-                  <a:schemeClr val="dk2"/>
-                </a:solidFill>
-                <a:latin typeface="Calibri"/>
-                <a:ea typeface="Calibri"/>
-                <a:cs typeface="Calibri"/>
-                <a:sym typeface="Calibri"/>
-              </a:rPr>
-              <a:t>E</a:t>
-            </a:r>
-            <a:r>
-              <a:rPr lang="fr-FR"/>
-              <a:t>)S</a:t>
-            </a:r>
-            <a:r>
-              <a:rPr b="0" baseline="0" i="0" lang="fr-FR" sz="2400" u="none" cap="none" strike="noStrike">
-                <a:solidFill>
-                  <a:schemeClr val="dk2"/>
-                </a:solidFill>
-                <a:latin typeface="Calibri"/>
-                <a:ea typeface="Calibri"/>
-                <a:cs typeface="Calibri"/>
-                <a:sym typeface="Calibri"/>
-              </a:rPr>
-              <a:t> !!!!</a:t>
-            </a:r>
-          </a:p>
-        </p:txBody>
-      </p:sp>
-      <p:sp>
-        <p:nvSpPr>
-          <p:cNvPr id="506" name="Shape 506"/>
-          <p:cNvSpPr/>
-          <p:nvPr/>
-        </p:nvSpPr>
-        <p:spPr>
-          <a:xfrm>
-            <a:off x="7780301" y="442498"/>
-            <a:ext cx="3508800" cy="3061499"/>
-          </a:xfrm>
-          <a:prstGeom prst="smileyFace">
-            <a:avLst>
-              <a:gd fmla="val 4653" name="adj"/>
-            </a:avLst>
-          </a:prstGeom>
-          <a:solidFill>
-            <a:srgbClr val="DFCE04"/>
-          </a:solidFill>
-          <a:ln cap="flat" cmpd="sng" w="12700">
-            <a:solidFill>
-              <a:srgbClr val="595959"/>
-            </a:solidFill>
-            <a:prstDash val="solid"/>
-            <a:round/>
-            <a:headEnd len="med" w="med" type="none"/>
-            <a:tailEnd len="med" w="med" type="none"/>
-          </a:ln>
-        </p:spPr>
-        <p:txBody>
-          <a:bodyPr anchorCtr="0" anchor="t" bIns="45700" lIns="91425" rIns="91425" tIns="45700">
-            <a:noAutofit/>
-          </a:bodyPr>
-          <a:lstStyle/>
-          <a:p>
-            <a:pPr indent="0" lvl="0" marL="0" marR="0" rtl="0" algn="l">
-              <a:spcBef>
-                <a:spcPts val="0"/>
-              </a:spcBef>
-              <a:buNone/>
-            </a:pPr>
-            <a:r>
-              <a:t/>
-            </a:r>
-            <a:endParaRPr b="1" baseline="0" i="0" sz="1800" u="none" cap="none" strike="noStrike">
-              <a:solidFill>
-                <a:srgbClr val="FFFFC5"/>
-              </a:solidFill>
-              <a:latin typeface="Calibri"/>
-              <a:ea typeface="Calibri"/>
-              <a:cs typeface="Calibri"/>
-              <a:sym typeface="Calibri"/>
-            </a:endParaRPr>
           </a:p>
         </p:txBody>
       </p:sp>
@@ -30463,7 +31154,7 @@
                   <a:schemeClr val="dk2"/>
                 </a:solidFill>
               </a:rPr>
-              <a:t>Période : du 4 au 17 janvier 2015</a:t>
+              <a:t>Période : du 4 au 15 janvier 2015</a:t>
             </a:r>
           </a:p>
           <a:p>
@@ -30538,6 +31229,237 @@
               <a:t/>
             </a:r>
             <a:endParaRPr sz="2400"/>
+          </a:p>
+        </p:txBody>
+      </p:sp>
+    </p:spTree>
+  </p:cSld>
+  <p:clrMapOvr>
+    <a:masterClrMapping/>
+  </p:clrMapOvr>
+  <p:transition spd="slow">
+    <p:cut/>
+  </p:transition>
+</p:sld>
+</file>
+
+<file path=ppt/slides/slide30.xml><?xml version="1.0" encoding="utf-8"?>
+<p:sld xmlns:a="http://schemas.openxmlformats.org/drawingml/2006/main" xmlns:r="http://schemas.openxmlformats.org/officeDocument/2006/relationships" xmlns:mc="http://schemas.openxmlformats.org/markup-compatibility/2006" xmlns:mv="urn:schemas-microsoft-com:mac:vml" xmlns:p="http://schemas.openxmlformats.org/presentationml/2006/main" xmlns:c="http://schemas.openxmlformats.org/drawingml/2006/chart" xmlns:dgm="http://schemas.openxmlformats.org/drawingml/2006/diagram" xmlns:o="urn:schemas-microsoft-com:office:office" xmlns:v="urn:schemas-microsoft-com:vml" xmlns:pvml="urn:schemas-microsoft-com:office:powerpoint" xmlns:com="http://schemas.openxmlformats.org/drawingml/2006/compatibility" xmlns:p14="http://schemas.microsoft.com/office/powerpoint/2010/main">
+  <p:cSld>
+    <p:spTree>
+      <p:nvGrpSpPr>
+        <p:cNvPr id="510" name="Shape 510"/>
+        <p:cNvGrpSpPr/>
+        <p:nvPr/>
+      </p:nvGrpSpPr>
+      <p:grpSpPr>
+        <a:xfrm>
+          <a:off x="0" y="0"/>
+          <a:ext cx="0" cy="0"/>
+          <a:chOff x="0" y="0"/>
+          <a:chExt cx="0" cy="0"/>
+        </a:xfrm>
+      </p:grpSpPr>
+      <p:sp>
+        <p:nvSpPr>
+          <p:cNvPr id="511" name="Shape 511"/>
+          <p:cNvSpPr txBox="1"/>
+          <p:nvPr>
+            <p:ph type="ctrTitle"/>
+          </p:nvPr>
+        </p:nvSpPr>
+        <p:spPr>
+          <a:xfrm>
+            <a:off x="1097279" y="758952"/>
+            <a:ext cx="10058399" cy="3566159"/>
+          </a:xfrm>
+          <a:prstGeom prst="rect">
+            <a:avLst/>
+          </a:prstGeom>
+          <a:noFill/>
+          <a:ln>
+            <a:noFill/>
+          </a:ln>
+        </p:spPr>
+        <p:txBody>
+          <a:bodyPr anchorCtr="0" anchor="b" bIns="45700" lIns="91425" rIns="91425" tIns="45700">
+            <a:noAutofit/>
+          </a:bodyPr>
+          <a:lstStyle/>
+          <a:p>
+            <a:pPr indent="0" lvl="0" marL="0" marR="0" rtl="0" algn="l">
+              <a:lnSpc>
+                <a:spcPct val="85000"/>
+              </a:lnSpc>
+              <a:spcBef>
+                <a:spcPts val="0"/>
+              </a:spcBef>
+              <a:buClr>
+                <a:srgbClr val="262626"/>
+              </a:buClr>
+              <a:buSzPct val="25000"/>
+              <a:buFont typeface="Calibri"/>
+              <a:buNone/>
+            </a:pPr>
+            <a:r>
+              <a:rPr b="0" baseline="0" i="0" lang="fr-FR" sz="8000" u="none" cap="none" strike="noStrike">
+                <a:solidFill>
+                  <a:srgbClr val="262626"/>
+                </a:solidFill>
+                <a:latin typeface="Calibri"/>
+                <a:ea typeface="Calibri"/>
+                <a:cs typeface="Calibri"/>
+                <a:sym typeface="Calibri"/>
+              </a:rPr>
+              <a:t>Merci de votre attention</a:t>
+            </a:r>
+          </a:p>
+        </p:txBody>
+      </p:sp>
+      <p:sp>
+        <p:nvSpPr>
+          <p:cNvPr id="512" name="Shape 512"/>
+          <p:cNvSpPr txBox="1"/>
+          <p:nvPr>
+            <p:ph idx="1" type="subTitle"/>
+          </p:nvPr>
+        </p:nvSpPr>
+        <p:spPr>
+          <a:xfrm>
+            <a:off x="1100050" y="4455619"/>
+            <a:ext cx="10058399" cy="1143000"/>
+          </a:xfrm>
+          <a:prstGeom prst="rect">
+            <a:avLst/>
+          </a:prstGeom>
+          <a:noFill/>
+          <a:ln>
+            <a:noFill/>
+          </a:ln>
+        </p:spPr>
+        <p:txBody>
+          <a:bodyPr anchorCtr="0" anchor="t" bIns="45700" lIns="91425" rIns="91425" tIns="45700">
+            <a:noAutofit/>
+          </a:bodyPr>
+          <a:lstStyle/>
+          <a:p>
+            <a:pPr indent="0" lvl="0" marL="0" marR="0" rtl="0" algn="ctr">
+              <a:lnSpc>
+                <a:spcPct val="90000"/>
+              </a:lnSpc>
+              <a:spcBef>
+                <a:spcPts val="0"/>
+              </a:spcBef>
+              <a:spcAft>
+                <a:spcPts val="200"/>
+              </a:spcAft>
+              <a:buClr>
+                <a:schemeClr val="accent1"/>
+              </a:buClr>
+              <a:buSzPct val="25000"/>
+              <a:buFont typeface="Calibri"/>
+              <a:buNone/>
+            </a:pPr>
+            <a:r>
+              <a:rPr b="0" baseline="0" i="0" lang="fr-FR" sz="2400" u="none" cap="none" strike="noStrike">
+                <a:solidFill>
+                  <a:schemeClr val="dk2"/>
+                </a:solidFill>
+                <a:latin typeface="Calibri"/>
+                <a:ea typeface="Calibri"/>
+                <a:cs typeface="Calibri"/>
+                <a:sym typeface="Calibri"/>
+              </a:rPr>
+              <a:t>ET SOYEZ MOTIVÉ</a:t>
+            </a:r>
+            <a:r>
+              <a:rPr lang="fr-FR"/>
+              <a:t>(</a:t>
+            </a:r>
+            <a:r>
+              <a:rPr b="0" baseline="0" i="0" lang="fr-FR" sz="2400" u="none" cap="none" strike="noStrike">
+                <a:solidFill>
+                  <a:schemeClr val="dk2"/>
+                </a:solidFill>
+                <a:latin typeface="Calibri"/>
+                <a:ea typeface="Calibri"/>
+                <a:cs typeface="Calibri"/>
+                <a:sym typeface="Calibri"/>
+              </a:rPr>
+              <a:t>E</a:t>
+            </a:r>
+            <a:r>
+              <a:rPr lang="fr-FR"/>
+              <a:t>)S</a:t>
+            </a:r>
+            <a:r>
+              <a:rPr b="0" baseline="0" i="0" lang="fr-FR" sz="2400" u="none" cap="none" strike="noStrike">
+                <a:solidFill>
+                  <a:schemeClr val="dk2"/>
+                </a:solidFill>
+                <a:latin typeface="Calibri"/>
+                <a:ea typeface="Calibri"/>
+                <a:cs typeface="Calibri"/>
+                <a:sym typeface="Calibri"/>
+              </a:rPr>
+              <a:t> !!!!</a:t>
+            </a:r>
+          </a:p>
+        </p:txBody>
+      </p:sp>
+      <p:sp>
+        <p:nvSpPr>
+          <p:cNvPr id="513" name="Shape 513"/>
+          <p:cNvSpPr/>
+          <p:nvPr/>
+        </p:nvSpPr>
+        <p:spPr>
+          <a:xfrm>
+            <a:off x="7780301" y="442498"/>
+            <a:ext cx="3508800" cy="3061499"/>
+          </a:xfrm>
+          <a:prstGeom prst="smileyFace">
+            <a:avLst>
+              <a:gd fmla="val 4653" name="adj"/>
+            </a:avLst>
+          </a:prstGeom>
+          <a:solidFill>
+            <a:srgbClr val="DFCE04"/>
+          </a:solidFill>
+          <a:ln cap="flat" cmpd="sng" w="12700">
+            <a:solidFill>
+              <a:srgbClr val="595959"/>
+            </a:solidFill>
+            <a:prstDash val="solid"/>
+            <a:round/>
+            <a:headEnd len="med" w="med" type="none"/>
+            <a:tailEnd len="med" w="med" type="none"/>
+          </a:ln>
+        </p:spPr>
+        <p:txBody>
+          <a:bodyPr anchorCtr="0" anchor="t" bIns="45700" lIns="91425" rIns="91425" tIns="45700">
+            <a:noAutofit/>
+          </a:bodyPr>
+          <a:lstStyle/>
+          <a:p>
+            <a:pPr indent="0" lvl="0" marL="0" marR="0" rtl="0" algn="l">
+              <a:spcBef>
+                <a:spcPts val="0"/>
+              </a:spcBef>
+              <a:buNone/>
+            </a:pPr>
+            <a:r>
+              <a:t/>
+            </a:r>
+            <a:endParaRPr b="1" baseline="0" i="0" sz="1800" u="none" cap="none" strike="noStrike">
+              <a:solidFill>
+                <a:srgbClr val="FFFFC5"/>
+              </a:solidFill>
+              <a:latin typeface="Calibri"/>
+              <a:ea typeface="Calibri"/>
+              <a:cs typeface="Calibri"/>
+              <a:sym typeface="Calibri"/>
+            </a:endParaRPr>
           </a:p>
         </p:txBody>
       </p:sp>
@@ -31140,7 +32062,7 @@
             </a:pPr>
             <a:r>
               <a:rPr lang="fr-FR"/>
-              <a:t>Organisation et deadlines</a:t>
+              <a:t>Organisation </a:t>
             </a:r>
           </a:p>
         </p:txBody>
@@ -31272,7 +32194,7 @@
             </a:pPr>
             <a:r>
               <a:rPr lang="fr-FR" sz="2400"/>
-              <a:t>Mi-parcours, présentation des chefs de groupe, présentation générale</a:t>
+              <a:t>Présentation par groupe, présentation générale</a:t>
             </a:r>
           </a:p>
           <a:p>
@@ -31327,48 +32249,28 @@
         </p:nvSpPr>
         <p:spPr>
           <a:xfrm>
-            <a:off x="127000" y="594350"/>
-            <a:ext cx="2724899" cy="2286000"/>
+            <a:off x="1097279" y="286603"/>
+            <a:ext cx="10058399" cy="1450799"/>
           </a:xfrm>
           <a:prstGeom prst="rect">
             <a:avLst/>
           </a:prstGeom>
-          <a:noFill/>
-          <a:ln>
-            <a:noFill/>
-          </a:ln>
         </p:spPr>
         <p:txBody>
-          <a:bodyPr anchorCtr="0" anchor="b" bIns="45700" lIns="91425" rIns="91425" tIns="45700">
+          <a:bodyPr anchorCtr="0" anchor="b" bIns="91425" lIns="91425" rIns="91425" tIns="91425">
             <a:noAutofit/>
           </a:bodyPr>
           <a:lstStyle/>
           <a:p>
-            <a:pPr indent="0" lvl="0" marL="0" marR="0" rtl="0" algn="l">
-              <a:lnSpc>
-                <a:spcPct val="85000"/>
-              </a:lnSpc>
-              <a:spcBef>
-                <a:spcPts val="0"/>
-              </a:spcBef>
-              <a:buClr>
-                <a:srgbClr val="FFFFFF"/>
-              </a:buClr>
-              <a:buSzPct val="25000"/>
-              <a:buFont typeface="Calibri"/>
+            <a:pPr indent="457200" marL="1371600">
+              <a:spcBef>
+                <a:spcPts val="0"/>
+              </a:spcBef>
               <a:buNone/>
             </a:pPr>
             <a:r>
-              <a:rPr b="1" baseline="0" i="0" lang="fr-FR" sz="3600" u="none" cap="none" strike="noStrike">
-                <a:solidFill>
-                  <a:srgbClr val="FFFFFF"/>
-                </a:solidFill>
-                <a:latin typeface="Calibri"/>
-                <a:ea typeface="Calibri"/>
-                <a:cs typeface="Calibri"/>
-                <a:sym typeface="Calibri"/>
-              </a:rPr>
-              <a:t>Organisation</a:t>
+              <a:rPr lang="fr-FR"/>
+              <a:t>Deadlines et Evaluation</a:t>
             </a:r>
           </a:p>
         </p:txBody>
@@ -31383,81 +32285,126 @@
         </p:nvSpPr>
         <p:spPr>
           <a:xfrm>
-            <a:off x="3683000" y="731520"/>
-            <a:ext cx="7609839" cy="5257799"/>
+            <a:off x="1097279" y="1626383"/>
+            <a:ext cx="10058399" cy="4023299"/>
           </a:xfrm>
           <a:prstGeom prst="rect">
             <a:avLst/>
           </a:prstGeom>
-          <a:noFill/>
-          <a:ln>
-            <a:noFill/>
-          </a:ln>
         </p:spPr>
         <p:txBody>
-          <a:bodyPr anchorCtr="0" anchor="t" bIns="45700" lIns="0" rIns="0" tIns="45700">
+          <a:bodyPr anchorCtr="0" anchor="t" bIns="91425" lIns="91425" rIns="91425" tIns="91425">
             <a:noAutofit/>
           </a:bodyPr>
           <a:lstStyle/>
           <a:p>
-            <a:pPr indent="35560" lvl="0" marL="91440" marR="0" rtl="0" algn="l">
-              <a:lnSpc>
-                <a:spcPct val="90000"/>
-              </a:lnSpc>
-              <a:spcBef>
-                <a:spcPts val="0"/>
-              </a:spcBef>
-              <a:spcAft>
-                <a:spcPts val="200"/>
-              </a:spcAft>
-              <a:buClr>
-                <a:schemeClr val="accent1"/>
-              </a:buClr>
-              <a:buFont typeface="Calibri"/>
+            <a:pPr indent="-228600" lvl="0" marL="457200" rtl="0">
+              <a:spcBef>
+                <a:spcPts val="0"/>
+              </a:spcBef>
+              <a:buSzPct val="100000"/>
+            </a:pPr>
+            <a:r>
+              <a:rPr lang="fr-FR" sz="3000"/>
+              <a:t>Evaluation à mi-parcours (8/01/16 après midi) avec les chefs de groupes.</a:t>
+            </a:r>
+          </a:p>
+          <a:p>
+            <a:pPr indent="-228600" lvl="0" marL="457200" rtl="0">
+              <a:spcBef>
+                <a:spcPts val="0"/>
+              </a:spcBef>
+              <a:buSzPct val="100000"/>
+            </a:pPr>
+            <a:r>
+              <a:rPr lang="fr-FR" sz="3000"/>
+              <a:t>Présentations par groupes.</a:t>
+            </a:r>
+          </a:p>
+          <a:p>
+            <a:pPr indent="-228600" lvl="0" marL="457200" rtl="0">
+              <a:spcBef>
+                <a:spcPts val="0"/>
+              </a:spcBef>
+              <a:buSzPct val="100000"/>
+            </a:pPr>
+            <a:r>
+              <a:rPr lang="fr-FR" sz="3000"/>
+              <a:t>Présentation générale du projet (avec la présence du client) le 15/01/16 dans l’après midi..</a:t>
+            </a:r>
+          </a:p>
+          <a:p>
+            <a:pPr indent="0" marL="0" rtl="0">
+              <a:spcBef>
+                <a:spcPts val="0"/>
+              </a:spcBef>
               <a:buNone/>
+            </a:pPr>
+            <a:r>
+              <a:rPr b="1" lang="fr-FR" sz="3000"/>
+              <a:t>Critères d’évaluation</a:t>
+            </a:r>
+          </a:p>
+          <a:p>
+            <a:pPr indent="-228600" lvl="0" marL="457200" rtl="0">
+              <a:spcBef>
+                <a:spcPts val="0"/>
+              </a:spcBef>
+              <a:buSzPct val="100000"/>
+            </a:pPr>
+            <a:r>
+              <a:rPr lang="fr-FR" sz="3000"/>
+              <a:t>Le livrable/ groupe</a:t>
+            </a:r>
+          </a:p>
+          <a:p>
+            <a:pPr indent="-228600" lvl="0" marL="457200" rtl="0">
+              <a:spcBef>
+                <a:spcPts val="0"/>
+              </a:spcBef>
+              <a:buSzPct val="100000"/>
+            </a:pPr>
+            <a:r>
+              <a:rPr lang="fr-FR" sz="3000"/>
+              <a:t>Force de proposition</a:t>
+            </a:r>
+          </a:p>
+          <a:p>
+            <a:pPr indent="-228600" lvl="0" marL="457200" rtl="0">
+              <a:spcBef>
+                <a:spcPts val="0"/>
+              </a:spcBef>
+              <a:buSzPct val="100000"/>
+            </a:pPr>
+            <a:r>
+              <a:rPr lang="fr-FR" sz="3000"/>
+              <a:t>Présentiel et investissement/ étudiant (8h- 12h puis 13h30- 17h30 voir plus….)</a:t>
+            </a:r>
+          </a:p>
+          <a:p>
+            <a:pPr indent="-228600" lvl="0" marL="457200" rtl="0">
+              <a:spcBef>
+                <a:spcPts val="0"/>
+              </a:spcBef>
             </a:pPr>
             <a:r>
               <a:t/>
             </a:r>
-            <a:endParaRPr b="0" baseline="0" i="0" sz="2000" u="none" cap="none" strike="noStrike">
-              <a:solidFill>
-                <a:srgbClr val="3F3F3F"/>
-              </a:solidFill>
-              <a:latin typeface="Calibri"/>
-              <a:ea typeface="Calibri"/>
-              <a:cs typeface="Calibri"/>
-              <a:sym typeface="Calibri"/>
-            </a:endParaRPr>
+            <a:endParaRPr/>
+          </a:p>
+          <a:p>
+            <a:pPr indent="-228600" lvl="0" marL="457200">
+              <a:spcBef>
+                <a:spcPts val="0"/>
+              </a:spcBef>
+            </a:pPr>
+            <a:r>
+              <a:t/>
+            </a:r>
+            <a:endParaRPr/>
           </a:p>
         </p:txBody>
       </p:sp>
-      <p:pic>
-        <p:nvPicPr>
-          <p:cNvPr id="145" name="Shape 145"/>
-          <p:cNvPicPr preferRelativeResize="0"/>
-          <p:nvPr/>
-        </p:nvPicPr>
-        <p:blipFill rotWithShape="1">
-          <a:blip r:embed="rId3">
-            <a:alphaModFix/>
-          </a:blip>
-          <a:srcRect b="0" l="1052" r="1350" t="0"/>
-          <a:stretch/>
-        </p:blipFill>
-        <p:spPr>
-          <a:xfrm>
-            <a:off x="2851866" y="171960"/>
-            <a:ext cx="9271893" cy="6479993"/>
-          </a:xfrm>
-          <a:prstGeom prst="rect">
-            <a:avLst/>
-          </a:prstGeom>
-          <a:noFill/>
-          <a:ln>
-            <a:noFill/>
-          </a:ln>
-        </p:spPr>
-      </p:pic>
     </p:spTree>
   </p:cSld>
   <p:clrMapOvr>
@@ -31496,77 +32443,8 @@
         </p:nvSpPr>
         <p:spPr>
           <a:xfrm>
-            <a:off x="2341375" y="2605950"/>
-            <a:ext cx="9318900" cy="1491000"/>
-          </a:xfrm>
-          <a:prstGeom prst="rect">
-            <a:avLst/>
-          </a:prstGeom>
-        </p:spPr>
-        <p:txBody>
-          <a:bodyPr anchorCtr="0" anchor="b" bIns="91425" lIns="91425" rIns="91425" tIns="91425">
-            <a:noAutofit/>
-          </a:bodyPr>
-          <a:lstStyle/>
-          <a:p>
-            <a:pPr lvl="0" rtl="0">
-              <a:spcBef>
-                <a:spcPts val="0"/>
-              </a:spcBef>
-              <a:buClr>
-                <a:schemeClr val="dk1"/>
-              </a:buClr>
-              <a:buSzPct val="25000"/>
-              <a:buFont typeface="Arial"/>
-              <a:buNone/>
-            </a:pPr>
-            <a:r>
-              <a:rPr lang="fr-FR" sz="6000"/>
-              <a:t>Description des groupes</a:t>
-            </a:r>
-          </a:p>
-        </p:txBody>
-      </p:sp>
-    </p:spTree>
-  </p:cSld>
-  <p:clrMapOvr>
-    <a:masterClrMapping/>
-  </p:clrMapOvr>
-  <p:transition spd="slow">
-    <p:cut/>
-  </p:transition>
-</p:sld>
-</file>
-
-<file path=ppt/slides/slide9.xml><?xml version="1.0" encoding="utf-8"?>
-<p:sld xmlns:a="http://schemas.openxmlformats.org/drawingml/2006/main" xmlns:r="http://schemas.openxmlformats.org/officeDocument/2006/relationships" xmlns:mc="http://schemas.openxmlformats.org/markup-compatibility/2006" xmlns:mv="urn:schemas-microsoft-com:mac:vml" xmlns:p="http://schemas.openxmlformats.org/presentationml/2006/main" xmlns:c="http://schemas.openxmlformats.org/drawingml/2006/chart" xmlns:dgm="http://schemas.openxmlformats.org/drawingml/2006/diagram" xmlns:o="urn:schemas-microsoft-com:office:office" xmlns:v="urn:schemas-microsoft-com:vml" xmlns:pvml="urn:schemas-microsoft-com:office:powerpoint" xmlns:com="http://schemas.openxmlformats.org/drawingml/2006/compatibility" xmlns:p14="http://schemas.microsoft.com/office/powerpoint/2010/main">
-  <p:cSld>
-    <p:spTree>
-      <p:nvGrpSpPr>
-        <p:cNvPr id="155" name="Shape 155"/>
-        <p:cNvGrpSpPr/>
-        <p:nvPr/>
-      </p:nvGrpSpPr>
-      <p:grpSpPr>
-        <a:xfrm>
-          <a:off x="0" y="0"/>
-          <a:ext cx="0" cy="0"/>
-          <a:chOff x="0" y="0"/>
-          <a:chExt cx="0" cy="0"/>
-        </a:xfrm>
-      </p:grpSpPr>
-      <p:sp>
-        <p:nvSpPr>
-          <p:cNvPr id="156" name="Shape 156"/>
-          <p:cNvSpPr txBox="1"/>
-          <p:nvPr>
-            <p:ph type="title"/>
-          </p:nvPr>
-        </p:nvSpPr>
-        <p:spPr>
-          <a:xfrm>
-            <a:off x="899825" y="286600"/>
-            <a:ext cx="10757399" cy="1450799"/>
+            <a:off x="127000" y="594350"/>
+            <a:ext cx="2724899" cy="2286000"/>
           </a:xfrm>
           <a:prstGeom prst="rect">
             <a:avLst/>
@@ -31590,715 +32468,181 @@
                 <a:spcPts val="0"/>
               </a:spcBef>
               <a:buClr>
-                <a:srgbClr val="7153A0"/>
+                <a:srgbClr val="FFFFFF"/>
               </a:buClr>
               <a:buSzPct val="25000"/>
               <a:buFont typeface="Calibri"/>
               <a:buNone/>
             </a:pPr>
             <a:r>
-              <a:rPr b="0" baseline="0" i="0" lang="fr-FR" sz="4800" u="none" cap="none" strike="noStrike">
-                <a:solidFill>
-                  <a:srgbClr val="7153A0"/>
+              <a:rPr b="1" baseline="0" i="0" lang="fr-FR" sz="3600" u="none" cap="none" strike="noStrike">
+                <a:solidFill>
+                  <a:srgbClr val="FFFFFF"/>
                 </a:solidFill>
                 <a:latin typeface="Calibri"/>
                 <a:ea typeface="Calibri"/>
                 <a:cs typeface="Calibri"/>
                 <a:sym typeface="Calibri"/>
               </a:rPr>
-              <a:t>Groupe 1 – Intégration – </a:t>
-            </a:r>
-            <a:r>
-              <a:rPr b="0" baseline="0" i="1" lang="fr-FR" sz="4800" u="none" cap="none" strike="noStrike">
-                <a:solidFill>
-                  <a:srgbClr val="7153A0"/>
-                </a:solidFill>
-                <a:latin typeface="Calibri"/>
-                <a:ea typeface="Calibri"/>
-                <a:cs typeface="Calibri"/>
-                <a:sym typeface="Calibri"/>
-              </a:rPr>
-              <a:t>Cassie Chausse</a:t>
+              <a:t>Organisation</a:t>
             </a:r>
           </a:p>
         </p:txBody>
       </p:sp>
-      <p:grpSp>
-        <p:nvGrpSpPr>
+      <p:sp>
+        <p:nvSpPr>
+          <p:cNvPr id="151" name="Shape 151"/>
+          <p:cNvSpPr txBox="1"/>
+          <p:nvPr>
+            <p:ph idx="1" type="body"/>
+          </p:nvPr>
+        </p:nvSpPr>
+        <p:spPr>
+          <a:xfrm>
+            <a:off x="3683000" y="731520"/>
+            <a:ext cx="7609839" cy="5257799"/>
+          </a:xfrm>
+          <a:prstGeom prst="rect">
+            <a:avLst/>
+          </a:prstGeom>
+          <a:noFill/>
+          <a:ln>
+            <a:noFill/>
+          </a:ln>
+        </p:spPr>
+        <p:txBody>
+          <a:bodyPr anchorCtr="0" anchor="t" bIns="45700" lIns="0" rIns="0" tIns="45700">
+            <a:noAutofit/>
+          </a:bodyPr>
+          <a:lstStyle/>
+          <a:p>
+            <a:pPr indent="35560" lvl="0" marL="91440" marR="0" rtl="0" algn="l">
+              <a:lnSpc>
+                <a:spcPct val="90000"/>
+              </a:lnSpc>
+              <a:spcBef>
+                <a:spcPts val="0"/>
+              </a:spcBef>
+              <a:spcAft>
+                <a:spcPts val="200"/>
+              </a:spcAft>
+              <a:buClr>
+                <a:schemeClr val="accent1"/>
+              </a:buClr>
+              <a:buFont typeface="Calibri"/>
+              <a:buNone/>
+            </a:pPr>
+            <a:r>
+              <a:t/>
+            </a:r>
+            <a:endParaRPr b="0" baseline="0" i="0" sz="2000" u="none" cap="none" strike="noStrike">
+              <a:solidFill>
+                <a:srgbClr val="3F3F3F"/>
+              </a:solidFill>
+              <a:latin typeface="Calibri"/>
+              <a:ea typeface="Calibri"/>
+              <a:cs typeface="Calibri"/>
+              <a:sym typeface="Calibri"/>
+            </a:endParaRPr>
+          </a:p>
+        </p:txBody>
+      </p:sp>
+      <p:pic>
+        <p:nvPicPr>
+          <p:cNvPr id="152" name="Shape 152"/>
+          <p:cNvPicPr preferRelativeResize="0"/>
+          <p:nvPr/>
+        </p:nvPicPr>
+        <p:blipFill rotWithShape="1">
+          <a:blip r:embed="rId3">
+            <a:alphaModFix/>
+          </a:blip>
+          <a:srcRect b="0" l="1052" r="1350" t="0"/>
+          <a:stretch/>
+        </p:blipFill>
+        <p:spPr>
+          <a:xfrm>
+            <a:off x="2851866" y="171960"/>
+            <a:ext cx="9271893" cy="6479993"/>
+          </a:xfrm>
+          <a:prstGeom prst="rect">
+            <a:avLst/>
+          </a:prstGeom>
+          <a:noFill/>
+          <a:ln>
+            <a:noFill/>
+          </a:ln>
+        </p:spPr>
+      </p:pic>
+    </p:spTree>
+  </p:cSld>
+  <p:clrMapOvr>
+    <a:masterClrMapping/>
+  </p:clrMapOvr>
+  <p:transition spd="slow">
+    <p:cut/>
+  </p:transition>
+</p:sld>
+</file>
+
+<file path=ppt/slides/slide9.xml><?xml version="1.0" encoding="utf-8"?>
+<p:sld xmlns:a="http://schemas.openxmlformats.org/drawingml/2006/main" xmlns:r="http://schemas.openxmlformats.org/officeDocument/2006/relationships" xmlns:mc="http://schemas.openxmlformats.org/markup-compatibility/2006" xmlns:mv="urn:schemas-microsoft-com:mac:vml" xmlns:p="http://schemas.openxmlformats.org/presentationml/2006/main" xmlns:c="http://schemas.openxmlformats.org/drawingml/2006/chart" xmlns:dgm="http://schemas.openxmlformats.org/drawingml/2006/diagram" xmlns:o="urn:schemas-microsoft-com:office:office" xmlns:v="urn:schemas-microsoft-com:vml" xmlns:pvml="urn:schemas-microsoft-com:office:powerpoint" xmlns:com="http://schemas.openxmlformats.org/drawingml/2006/compatibility" xmlns:p14="http://schemas.microsoft.com/office/powerpoint/2010/main">
+  <p:cSld>
+    <p:spTree>
+      <p:nvGrpSpPr>
+        <p:cNvPr id="156" name="Shape 156"/>
+        <p:cNvGrpSpPr/>
+        <p:nvPr/>
+      </p:nvGrpSpPr>
+      <p:grpSpPr>
+        <a:xfrm>
+          <a:off x="0" y="0"/>
+          <a:ext cx="0" cy="0"/>
+          <a:chOff x="0" y="0"/>
+          <a:chExt cx="0" cy="0"/>
+        </a:xfrm>
+      </p:grpSpPr>
+      <p:sp>
+        <p:nvSpPr>
           <p:cNvPr id="157" name="Shape 157"/>
-          <p:cNvGrpSpPr/>
-          <p:nvPr/>
-        </p:nvGrpSpPr>
-        <p:grpSpPr>
+          <p:cNvSpPr txBox="1"/>
+          <p:nvPr>
+            <p:ph type="title"/>
+          </p:nvPr>
+        </p:nvSpPr>
+        <p:spPr>
           <a:xfrm>
-            <a:off x="1267608" y="1941081"/>
-            <a:ext cx="9469331" cy="3885148"/>
-            <a:chOff x="1267608" y="1941081"/>
-            <a:chExt cx="9469331" cy="3885148"/>
+            <a:off x="2341375" y="2605950"/>
+            <a:ext cx="9318900" cy="1491000"/>
           </a:xfrm>
-        </p:grpSpPr>
-        <p:sp>
-          <p:nvSpPr>
-            <p:cNvPr id="158" name="Shape 158"/>
-            <p:cNvSpPr/>
-            <p:nvPr/>
-          </p:nvSpPr>
-          <p:spPr>
-            <a:xfrm>
-              <a:off x="7314239" y="4783982"/>
-              <a:ext cx="1405719" cy="1030047"/>
-            </a:xfrm>
-            <a:prstGeom prst="rect">
-              <a:avLst/>
-            </a:prstGeom>
-            <a:solidFill>
-              <a:schemeClr val="accent5"/>
-            </a:solidFill>
-            <a:ln cap="flat" cmpd="sng" w="28575">
-              <a:solidFill>
-                <a:srgbClr val="7153A0"/>
-              </a:solidFill>
-              <a:prstDash val="solid"/>
-              <a:round/>
-              <a:headEnd len="med" w="med" type="none"/>
-              <a:tailEnd len="med" w="med" type="none"/>
-            </a:ln>
-          </p:spPr>
-          <p:txBody>
-            <a:bodyPr anchorCtr="0" anchor="ctr" bIns="45700" lIns="91425" rIns="91425" tIns="45700">
-              <a:noAutofit/>
-            </a:bodyPr>
-            <a:lstStyle/>
-            <a:p>
-              <a:pPr indent="0" lvl="0" marL="0" marR="0" rtl="0" algn="ctr">
-                <a:spcBef>
-                  <a:spcPts val="0"/>
-                </a:spcBef>
-                <a:buSzPct val="25000"/>
-                <a:buNone/>
-              </a:pPr>
-              <a:r>
-                <a:rPr b="0" baseline="0" i="0" lang="fr-FR" sz="2000" u="none" cap="none" strike="noStrike">
-                  <a:solidFill>
-                    <a:schemeClr val="lt1"/>
-                  </a:solidFill>
-                  <a:latin typeface="Calibri"/>
-                  <a:ea typeface="Calibri"/>
-                  <a:cs typeface="Calibri"/>
-                  <a:sym typeface="Calibri"/>
-                </a:rPr>
-                <a:t>Florence Canal</a:t>
-              </a:r>
-            </a:p>
-          </p:txBody>
-        </p:sp>
-        <p:grpSp>
-          <p:nvGrpSpPr>
-            <p:cNvPr id="159" name="Shape 159"/>
-            <p:cNvGrpSpPr/>
-            <p:nvPr/>
-          </p:nvGrpSpPr>
-          <p:grpSpPr>
-            <a:xfrm>
-              <a:off x="1267608" y="1941081"/>
-              <a:ext cx="9469331" cy="3885148"/>
-              <a:chOff x="1267608" y="1941081"/>
-              <a:chExt cx="9469331" cy="3885148"/>
-            </a:xfrm>
-          </p:grpSpPr>
-          <p:grpSp>
-            <p:nvGrpSpPr>
-              <p:cNvPr id="160" name="Shape 160"/>
-              <p:cNvGrpSpPr/>
-              <p:nvPr/>
-            </p:nvGrpSpPr>
-            <p:grpSpPr>
-              <a:xfrm>
-                <a:off x="1267608" y="1941081"/>
-                <a:ext cx="8769328" cy="3872951"/>
-                <a:chOff x="1267608" y="1941081"/>
-                <a:chExt cx="8769328" cy="3872951"/>
-              </a:xfrm>
-            </p:grpSpPr>
-            <p:grpSp>
-              <p:nvGrpSpPr>
-                <p:cNvPr id="161" name="Shape 161"/>
-                <p:cNvGrpSpPr/>
-                <p:nvPr/>
-              </p:nvGrpSpPr>
-              <p:grpSpPr>
-                <a:xfrm>
-                  <a:off x="1970468" y="2397621"/>
-                  <a:ext cx="8066468" cy="2386364"/>
-                  <a:chOff x="1970468" y="2191557"/>
-                  <a:chExt cx="8066468" cy="2386364"/>
-                </a:xfrm>
-              </p:grpSpPr>
-              <p:cxnSp>
-                <p:nvCxnSpPr>
-                  <p:cNvPr id="162" name="Shape 162"/>
-                  <p:cNvCxnSpPr/>
-                  <p:nvPr/>
-                </p:nvCxnSpPr>
-                <p:spPr>
-                  <a:xfrm>
-                    <a:off x="1970468" y="4026282"/>
-                    <a:ext cx="8066468" cy="0"/>
-                  </a:xfrm>
-                  <a:prstGeom prst="straightConnector1">
-                    <a:avLst/>
-                  </a:prstGeom>
-                  <a:noFill/>
-                  <a:ln cap="flat" cmpd="sng" w="28575">
-                    <a:solidFill>
-                      <a:srgbClr val="7153A0"/>
-                    </a:solidFill>
-                    <a:prstDash val="solid"/>
-                    <a:round/>
-                    <a:headEnd len="med" w="med" type="none"/>
-                    <a:tailEnd len="med" w="med" type="none"/>
-                  </a:ln>
-                </p:spPr>
-              </p:cxnSp>
-              <p:cxnSp>
-                <p:nvCxnSpPr>
-                  <p:cNvPr id="163" name="Shape 163"/>
-                  <p:cNvCxnSpPr/>
-                  <p:nvPr/>
-                </p:nvCxnSpPr>
-                <p:spPr>
-                  <a:xfrm>
-                    <a:off x="1970468" y="4026278"/>
-                    <a:ext cx="0" cy="551642"/>
-                  </a:xfrm>
-                  <a:prstGeom prst="straightConnector1">
-                    <a:avLst/>
-                  </a:prstGeom>
-                  <a:noFill/>
-                  <a:ln cap="flat" cmpd="sng" w="28575">
-                    <a:solidFill>
-                      <a:srgbClr val="7153A0"/>
-                    </a:solidFill>
-                    <a:prstDash val="solid"/>
-                    <a:round/>
-                    <a:headEnd len="med" w="med" type="none"/>
-                    <a:tailEnd len="med" w="med" type="none"/>
-                  </a:ln>
-                </p:spPr>
-              </p:cxnSp>
-              <p:cxnSp>
-                <p:nvCxnSpPr>
-                  <p:cNvPr id="164" name="Shape 164"/>
-                  <p:cNvCxnSpPr/>
-                  <p:nvPr/>
-                </p:nvCxnSpPr>
-                <p:spPr>
-                  <a:xfrm>
-                    <a:off x="3964548" y="4026278"/>
-                    <a:ext cx="0" cy="551642"/>
-                  </a:xfrm>
-                  <a:prstGeom prst="straightConnector1">
-                    <a:avLst/>
-                  </a:prstGeom>
-                  <a:noFill/>
-                  <a:ln cap="flat" cmpd="sng" w="28575">
-                    <a:solidFill>
-                      <a:srgbClr val="7153A0"/>
-                    </a:solidFill>
-                    <a:prstDash val="solid"/>
-                    <a:round/>
-                    <a:headEnd len="med" w="med" type="none"/>
-                    <a:tailEnd len="med" w="med" type="none"/>
-                  </a:ln>
-                </p:spPr>
-              </p:cxnSp>
-              <p:cxnSp>
-                <p:nvCxnSpPr>
-                  <p:cNvPr id="165" name="Shape 165"/>
-                  <p:cNvCxnSpPr/>
-                  <p:nvPr/>
-                </p:nvCxnSpPr>
-                <p:spPr>
-                  <a:xfrm>
-                    <a:off x="6010142" y="4026278"/>
-                    <a:ext cx="0" cy="551642"/>
-                  </a:xfrm>
-                  <a:prstGeom prst="straightConnector1">
-                    <a:avLst/>
-                  </a:prstGeom>
-                  <a:noFill/>
-                  <a:ln cap="flat" cmpd="sng" w="28575">
-                    <a:solidFill>
-                      <a:srgbClr val="7153A0"/>
-                    </a:solidFill>
-                    <a:prstDash val="solid"/>
-                    <a:round/>
-                    <a:headEnd len="med" w="med" type="none"/>
-                    <a:tailEnd len="med" w="med" type="none"/>
-                  </a:ln>
-                </p:spPr>
-              </p:cxnSp>
-              <p:cxnSp>
-                <p:nvCxnSpPr>
-                  <p:cNvPr id="166" name="Shape 166"/>
-                  <p:cNvCxnSpPr/>
-                  <p:nvPr/>
-                </p:nvCxnSpPr>
-                <p:spPr>
-                  <a:xfrm>
-                    <a:off x="8029978" y="4026278"/>
-                    <a:ext cx="0" cy="551642"/>
-                  </a:xfrm>
-                  <a:prstGeom prst="straightConnector1">
-                    <a:avLst/>
-                  </a:prstGeom>
-                  <a:noFill/>
-                  <a:ln cap="flat" cmpd="sng" w="28575">
-                    <a:solidFill>
-                      <a:srgbClr val="7153A0"/>
-                    </a:solidFill>
-                    <a:prstDash val="solid"/>
-                    <a:round/>
-                    <a:headEnd len="med" w="med" type="none"/>
-                    <a:tailEnd len="med" w="med" type="none"/>
-                  </a:ln>
-                </p:spPr>
-              </p:cxnSp>
-              <p:cxnSp>
-                <p:nvCxnSpPr>
-                  <p:cNvPr id="167" name="Shape 167"/>
-                  <p:cNvCxnSpPr/>
-                  <p:nvPr/>
-                </p:nvCxnSpPr>
-                <p:spPr>
-                  <a:xfrm>
-                    <a:off x="10036936" y="4026278"/>
-                    <a:ext cx="0" cy="551642"/>
-                  </a:xfrm>
-                  <a:prstGeom prst="straightConnector1">
-                    <a:avLst/>
-                  </a:prstGeom>
-                  <a:noFill/>
-                  <a:ln cap="flat" cmpd="sng" w="28575">
-                    <a:solidFill>
-                      <a:srgbClr val="7153A0"/>
-                    </a:solidFill>
-                    <a:prstDash val="solid"/>
-                    <a:round/>
-                    <a:headEnd len="med" w="med" type="none"/>
-                    <a:tailEnd len="med" w="med" type="none"/>
-                  </a:ln>
-                </p:spPr>
-              </p:cxnSp>
-              <p:cxnSp>
-                <p:nvCxnSpPr>
-                  <p:cNvPr id="168" name="Shape 168"/>
-                  <p:cNvCxnSpPr/>
-                  <p:nvPr/>
-                </p:nvCxnSpPr>
-                <p:spPr>
-                  <a:xfrm>
-                    <a:off x="6007225" y="3470344"/>
-                    <a:ext cx="0" cy="551642"/>
-                  </a:xfrm>
-                  <a:prstGeom prst="straightConnector1">
-                    <a:avLst/>
-                  </a:prstGeom>
-                  <a:noFill/>
-                  <a:ln cap="flat" cmpd="sng" w="28575">
-                    <a:solidFill>
-                      <a:srgbClr val="7153A0"/>
-                    </a:solidFill>
-                    <a:prstDash val="solid"/>
-                    <a:round/>
-                    <a:headEnd len="med" w="med" type="none"/>
-                    <a:tailEnd len="med" w="med" type="none"/>
-                  </a:ln>
-                </p:spPr>
-              </p:cxnSp>
-              <p:cxnSp>
-                <p:nvCxnSpPr>
-                  <p:cNvPr id="169" name="Shape 169"/>
-                  <p:cNvCxnSpPr/>
-                  <p:nvPr/>
-                </p:nvCxnSpPr>
-                <p:spPr>
-                  <a:xfrm>
-                    <a:off x="6010142" y="2191557"/>
-                    <a:ext cx="0" cy="551642"/>
-                  </a:xfrm>
-                  <a:prstGeom prst="straightConnector1">
-                    <a:avLst/>
-                  </a:prstGeom>
-                  <a:noFill/>
-                  <a:ln cap="flat" cmpd="sng" w="28575">
-                    <a:solidFill>
-                      <a:srgbClr val="7153A0"/>
-                    </a:solidFill>
-                    <a:prstDash val="solid"/>
-                    <a:round/>
-                    <a:headEnd len="med" w="med" type="none"/>
-                    <a:tailEnd len="med" w="med" type="none"/>
-                  </a:ln>
-                </p:spPr>
-              </p:cxnSp>
-            </p:grpSp>
-            <p:sp>
-              <p:nvSpPr>
-                <p:cNvPr id="170" name="Shape 170"/>
-                <p:cNvSpPr/>
-                <p:nvPr/>
-              </p:nvSpPr>
-              <p:spPr>
-                <a:xfrm>
-                  <a:off x="4918321" y="1941081"/>
-                  <a:ext cx="2183641" cy="670088"/>
-                </a:xfrm>
-                <a:prstGeom prst="ellipse">
-                  <a:avLst/>
-                </a:prstGeom>
-                <a:solidFill>
-                  <a:schemeClr val="accent5"/>
-                </a:solidFill>
-                <a:ln cap="flat" cmpd="sng" w="28575">
-                  <a:solidFill>
-                    <a:srgbClr val="7153A0"/>
-                  </a:solidFill>
-                  <a:prstDash val="solid"/>
-                  <a:round/>
-                  <a:headEnd len="med" w="med" type="none"/>
-                  <a:tailEnd len="med" w="med" type="none"/>
-                </a:ln>
-              </p:spPr>
-              <p:txBody>
-                <a:bodyPr anchorCtr="0" anchor="ctr" bIns="45700" lIns="91425" rIns="91425" tIns="45700">
-                  <a:noAutofit/>
-                </a:bodyPr>
-                <a:lstStyle/>
-                <a:p>
-                  <a:pPr indent="0" lvl="0" marL="0" marR="0" rtl="0" algn="ctr">
-                    <a:spcBef>
-                      <a:spcPts val="0"/>
-                    </a:spcBef>
-                    <a:buSzPct val="25000"/>
-                    <a:buNone/>
-                  </a:pPr>
-                  <a:r>
-                    <a:rPr b="0" baseline="0" i="0" lang="fr-FR" sz="2000" u="none" cap="none" strike="noStrike">
-                      <a:solidFill>
-                        <a:schemeClr val="lt1"/>
-                      </a:solidFill>
-                      <a:latin typeface="Calibri"/>
-                      <a:ea typeface="Calibri"/>
-                      <a:cs typeface="Calibri"/>
-                      <a:sym typeface="Calibri"/>
-                    </a:rPr>
-                    <a:t>Oriane Siméoni</a:t>
-                  </a:r>
-                </a:p>
-              </p:txBody>
-            </p:sp>
-            <p:sp>
-              <p:nvSpPr>
-                <p:cNvPr id="171" name="Shape 171"/>
-                <p:cNvSpPr/>
-                <p:nvPr/>
-              </p:nvSpPr>
-              <p:spPr>
-                <a:xfrm>
-                  <a:off x="4904671" y="2949264"/>
-                  <a:ext cx="2197289" cy="956807"/>
-                </a:xfrm>
-                <a:prstGeom prst="roundRect">
-                  <a:avLst>
-                    <a:gd fmla="val 16667" name="adj"/>
-                  </a:avLst>
-                </a:prstGeom>
-                <a:solidFill>
-                  <a:schemeClr val="accent5"/>
-                </a:solidFill>
-                <a:ln cap="flat" cmpd="sng" w="28575">
-                  <a:solidFill>
-                    <a:srgbClr val="7153A0"/>
-                  </a:solidFill>
-                  <a:prstDash val="solid"/>
-                  <a:round/>
-                  <a:headEnd len="med" w="med" type="none"/>
-                  <a:tailEnd len="med" w="med" type="none"/>
-                </a:ln>
-              </p:spPr>
-              <p:txBody>
-                <a:bodyPr anchorCtr="0" anchor="ctr" bIns="45700" lIns="91425" rIns="91425" tIns="45700">
-                  <a:noAutofit/>
-                </a:bodyPr>
-                <a:lstStyle/>
-                <a:p>
-                  <a:pPr indent="0" lvl="0" marL="0" marR="0" rtl="0" algn="ctr">
-                    <a:spcBef>
-                      <a:spcPts val="0"/>
-                    </a:spcBef>
-                    <a:buSzPct val="25000"/>
-                    <a:buNone/>
-                  </a:pPr>
-                  <a:r>
-                    <a:rPr b="0" baseline="0" i="0" lang="fr-FR" sz="2300" u="none" cap="none" strike="noStrike">
-                      <a:solidFill>
-                        <a:schemeClr val="lt1"/>
-                      </a:solidFill>
-                      <a:latin typeface="Calibri"/>
-                      <a:ea typeface="Calibri"/>
-                      <a:cs typeface="Calibri"/>
-                      <a:sym typeface="Calibri"/>
-                    </a:rPr>
-                    <a:t>Cassie Chausse</a:t>
-                  </a:r>
-                </a:p>
-              </p:txBody>
-            </p:sp>
-            <p:sp>
-              <p:nvSpPr>
-                <p:cNvPr id="172" name="Shape 172"/>
-                <p:cNvSpPr/>
-                <p:nvPr/>
-              </p:nvSpPr>
-              <p:spPr>
-                <a:xfrm>
-                  <a:off x="1267608" y="4783985"/>
-                  <a:ext cx="1405719" cy="1030047"/>
-                </a:xfrm>
-                <a:prstGeom prst="rect">
-                  <a:avLst/>
-                </a:prstGeom>
-                <a:solidFill>
-                  <a:schemeClr val="accent5"/>
-                </a:solidFill>
-                <a:ln cap="flat" cmpd="sng" w="28575">
-                  <a:solidFill>
-                    <a:srgbClr val="7153A0"/>
-                  </a:solidFill>
-                  <a:prstDash val="solid"/>
-                  <a:round/>
-                  <a:headEnd len="med" w="med" type="none"/>
-                  <a:tailEnd len="med" w="med" type="none"/>
-                </a:ln>
-              </p:spPr>
-              <p:txBody>
-                <a:bodyPr anchorCtr="0" anchor="ctr" bIns="45700" lIns="91425" rIns="91425" tIns="45700">
-                  <a:noAutofit/>
-                </a:bodyPr>
-                <a:lstStyle/>
-                <a:p>
-                  <a:pPr indent="0" lvl="0" marL="0" marR="0" rtl="0" algn="ctr">
-                    <a:spcBef>
-                      <a:spcPts val="0"/>
-                    </a:spcBef>
-                    <a:buSzPct val="25000"/>
-                    <a:buNone/>
-                  </a:pPr>
-                  <a:r>
-                    <a:rPr b="0" baseline="0" i="0" lang="fr-FR" sz="2000" u="none" cap="none" strike="noStrike">
-                      <a:solidFill>
-                        <a:schemeClr val="lt1"/>
-                      </a:solidFill>
-                      <a:latin typeface="Calibri"/>
-                      <a:ea typeface="Calibri"/>
-                      <a:cs typeface="Calibri"/>
-                      <a:sym typeface="Calibri"/>
-                    </a:rPr>
-                    <a:t>Thomas Bourcier</a:t>
-                  </a:r>
-                </a:p>
-              </p:txBody>
-            </p:sp>
-            <p:sp>
-              <p:nvSpPr>
-                <p:cNvPr id="173" name="Shape 173"/>
-                <p:cNvSpPr/>
-                <p:nvPr/>
-              </p:nvSpPr>
-              <p:spPr>
-                <a:xfrm>
-                  <a:off x="3244997" y="4783985"/>
-                  <a:ext cx="1405719" cy="1030047"/>
-                </a:xfrm>
-                <a:prstGeom prst="rect">
-                  <a:avLst/>
-                </a:prstGeom>
-                <a:solidFill>
-                  <a:schemeClr val="accent5"/>
-                </a:solidFill>
-                <a:ln cap="flat" cmpd="sng" w="28575">
-                  <a:solidFill>
-                    <a:srgbClr val="7153A0"/>
-                  </a:solidFill>
-                  <a:prstDash val="solid"/>
-                  <a:round/>
-                  <a:headEnd len="med" w="med" type="none"/>
-                  <a:tailEnd len="med" w="med" type="none"/>
-                </a:ln>
-              </p:spPr>
-              <p:txBody>
-                <a:bodyPr anchorCtr="0" anchor="ctr" bIns="45700" lIns="91425" rIns="91425" tIns="45700">
-                  <a:noAutofit/>
-                </a:bodyPr>
-                <a:lstStyle/>
-                <a:p>
-                  <a:pPr indent="0" lvl="0" marL="0" marR="0" rtl="0" algn="ctr">
-                    <a:spcBef>
-                      <a:spcPts val="0"/>
-                    </a:spcBef>
-                    <a:buSzPct val="25000"/>
-                    <a:buNone/>
-                  </a:pPr>
-                  <a:r>
-                    <a:rPr b="0" baseline="0" i="0" lang="fr-FR" sz="2000" u="none" cap="none" strike="noStrike">
-                      <a:solidFill>
-                        <a:schemeClr val="lt1"/>
-                      </a:solidFill>
-                      <a:latin typeface="Calibri"/>
-                      <a:ea typeface="Calibri"/>
-                      <a:cs typeface="Calibri"/>
-                      <a:sym typeface="Calibri"/>
-                    </a:rPr>
-                    <a:t>Romain Robert</a:t>
-                  </a:r>
-                </a:p>
-              </p:txBody>
-            </p:sp>
-            <p:sp>
-              <p:nvSpPr>
-                <p:cNvPr id="174" name="Shape 174"/>
-                <p:cNvSpPr/>
-                <p:nvPr/>
-              </p:nvSpPr>
-              <p:spPr>
-                <a:xfrm>
-                  <a:off x="5324553" y="4783983"/>
-                  <a:ext cx="1405719" cy="1030047"/>
-                </a:xfrm>
-                <a:prstGeom prst="rect">
-                  <a:avLst/>
-                </a:prstGeom>
-                <a:solidFill>
-                  <a:schemeClr val="accent5"/>
-                </a:solidFill>
-                <a:ln cap="flat" cmpd="sng" w="28575">
-                  <a:solidFill>
-                    <a:srgbClr val="7153A0"/>
-                  </a:solidFill>
-                  <a:prstDash val="solid"/>
-                  <a:round/>
-                  <a:headEnd len="med" w="med" type="none"/>
-                  <a:tailEnd len="med" w="med" type="none"/>
-                </a:ln>
-              </p:spPr>
-              <p:txBody>
-                <a:bodyPr anchorCtr="0" anchor="ctr" bIns="45700" lIns="91425" rIns="91425" tIns="45700">
-                  <a:noAutofit/>
-                </a:bodyPr>
-                <a:lstStyle/>
-                <a:p>
-                  <a:pPr indent="0" lvl="0" marL="0" marR="0" rtl="0" algn="ctr">
-                    <a:spcBef>
-                      <a:spcPts val="0"/>
-                    </a:spcBef>
-                    <a:buSzPct val="25000"/>
-                    <a:buNone/>
-                  </a:pPr>
-                  <a:r>
-                    <a:rPr b="0" baseline="0" i="0" lang="fr-FR" sz="2000" u="none" cap="none" strike="noStrike">
-                      <a:solidFill>
-                        <a:schemeClr val="lt1"/>
-                      </a:solidFill>
-                      <a:latin typeface="Calibri"/>
-                      <a:ea typeface="Calibri"/>
-                      <a:cs typeface="Calibri"/>
-                      <a:sym typeface="Calibri"/>
-                    </a:rPr>
-                    <a:t>Célia Nouguier</a:t>
-                  </a:r>
-                </a:p>
-              </p:txBody>
-            </p:sp>
-          </p:grpSp>
-          <p:sp>
-            <p:nvSpPr>
-              <p:cNvPr id="175" name="Shape 175"/>
-              <p:cNvSpPr/>
-              <p:nvPr/>
-            </p:nvSpPr>
-            <p:spPr>
-              <a:xfrm>
-                <a:off x="9331221" y="4796182"/>
-                <a:ext cx="1405719" cy="1030047"/>
-              </a:xfrm>
-              <a:prstGeom prst="rect">
-                <a:avLst/>
-              </a:prstGeom>
-              <a:solidFill>
-                <a:schemeClr val="accent5"/>
-              </a:solidFill>
-              <a:ln cap="flat" cmpd="sng" w="28575">
-                <a:solidFill>
-                  <a:srgbClr val="7153A0"/>
-                </a:solidFill>
-                <a:prstDash val="solid"/>
-                <a:round/>
-                <a:headEnd len="med" w="med" type="none"/>
-                <a:tailEnd len="med" w="med" type="none"/>
-              </a:ln>
-            </p:spPr>
-            <p:txBody>
-              <a:bodyPr anchorCtr="0" anchor="ctr" bIns="45700" lIns="91425" rIns="91425" tIns="45700">
-                <a:noAutofit/>
-              </a:bodyPr>
-              <a:lstStyle/>
-              <a:p>
-                <a:pPr indent="0" lvl="0" marL="0" marR="0" rtl="0" algn="ctr">
-                  <a:spcBef>
-                    <a:spcPts val="0"/>
-                  </a:spcBef>
-                  <a:buSzPct val="25000"/>
-                  <a:buNone/>
-                </a:pPr>
-                <a:r>
-                  <a:rPr b="0" baseline="0" i="0" lang="fr-FR" sz="2000" u="none" cap="none" strike="noStrike">
-                    <a:solidFill>
-                      <a:schemeClr val="lt1"/>
-                    </a:solidFill>
-                    <a:latin typeface="Calibri"/>
-                    <a:ea typeface="Calibri"/>
-                    <a:cs typeface="Calibri"/>
-                    <a:sym typeface="Calibri"/>
-                  </a:rPr>
-                  <a:t>Sofia</a:t>
-                </a:r>
-              </a:p>
-              <a:p>
-                <a:pPr indent="0" lvl="0" marL="0" marR="0" rtl="0" algn="ctr">
-                  <a:spcBef>
-                    <a:spcPts val="0"/>
-                  </a:spcBef>
-                  <a:buSzPct val="25000"/>
-                  <a:buNone/>
-                </a:pPr>
-                <a:r>
-                  <a:rPr b="0" baseline="0" i="0" lang="fr-FR" sz="2000" u="none" cap="none" strike="noStrike">
-                    <a:solidFill>
-                      <a:schemeClr val="lt1"/>
-                    </a:solidFill>
-                    <a:latin typeface="Calibri"/>
-                    <a:ea typeface="Calibri"/>
-                    <a:cs typeface="Calibri"/>
-                    <a:sym typeface="Calibri"/>
-                  </a:rPr>
-                  <a:t>Peerbux</a:t>
-                </a:r>
-              </a:p>
-            </p:txBody>
-          </p:sp>
-        </p:grpSp>
-      </p:grpSp>
+          <a:prstGeom prst="rect">
+            <a:avLst/>
+          </a:prstGeom>
+        </p:spPr>
+        <p:txBody>
+          <a:bodyPr anchorCtr="0" anchor="b" bIns="91425" lIns="91425" rIns="91425" tIns="91425">
+            <a:noAutofit/>
+          </a:bodyPr>
+          <a:lstStyle/>
+          <a:p>
+            <a:pPr lvl="0" rtl="0">
+              <a:spcBef>
+                <a:spcPts val="0"/>
+              </a:spcBef>
+              <a:buClr>
+                <a:schemeClr val="dk1"/>
+              </a:buClr>
+              <a:buSzPct val="25000"/>
+              <a:buFont typeface="Arial"/>
+              <a:buNone/>
+            </a:pPr>
+            <a:r>
+              <a:rPr lang="fr-FR" sz="6000"/>
+              <a:t>Description des groupes</a:t>
+            </a:r>
+          </a:p>
+        </p:txBody>
+      </p:sp>
     </p:spTree>
   </p:cSld>
   <p:clrMapOvr>
